--- a/LectureSlides/Lecture 2_ Data Visualization and Manipulation.pptx
+++ b/LectureSlides/Lecture 2_ Data Visualization and Manipulation.pptx
@@ -52,28 +52,26 @@
     <p:sldId id="294" r:id="rId47"/>
     <p:sldId id="295" r:id="rId48"/>
     <p:sldId id="296" r:id="rId49"/>
-    <p:sldId id="297" r:id="rId50"/>
-    <p:sldId id="298" r:id="rId51"/>
   </p:sldIdLst>
   <p:sldSz cy="6858000" cx="9144000"/>
   <p:notesSz cx="6858000" cy="9144000"/>
   <p:embeddedFontLst>
     <p:embeddedFont>
       <p:font typeface="Roboto Slab"/>
+      <p:regular r:id="rId50"/>
+      <p:bold r:id="rId51"/>
+    </p:embeddedFont>
+    <p:embeddedFont>
+      <p:font typeface="Inconsolata"/>
       <p:regular r:id="rId52"/>
       <p:bold r:id="rId53"/>
     </p:embeddedFont>
     <p:embeddedFont>
-      <p:font typeface="Inconsolata"/>
+      <p:font typeface="Source Sans Pro"/>
       <p:regular r:id="rId54"/>
       <p:bold r:id="rId55"/>
-    </p:embeddedFont>
-    <p:embeddedFont>
-      <p:font typeface="Source Sans Pro"/>
-      <p:regular r:id="rId56"/>
-      <p:bold r:id="rId57"/>
-      <p:italic r:id="rId58"/>
-      <p:boldItalic r:id="rId59"/>
+      <p:italic r:id="rId56"/>
+      <p:boldItalic r:id="rId57"/>
     </p:embeddedFont>
   </p:embeddedFontLst>
   <p:defaultTextStyle>
@@ -2719,7 +2717,7 @@
       </p:grpSpPr>
       <p:sp>
         <p:nvSpPr>
-          <p:cNvPr id="485" name="Google Shape;485;g518e80e5d2_0_340:notes"/>
+          <p:cNvPr id="485" name="Google Shape;485;g518e80e5d2_0_360:notes"/>
           <p:cNvSpPr/>
           <p:nvPr>
             <p:ph idx="2" type="sldImg"/>
@@ -2754,7 +2752,7 @@
       </p:sp>
       <p:sp>
         <p:nvSpPr>
-          <p:cNvPr id="486" name="Google Shape;486;g518e80e5d2_0_340:notes"/>
+          <p:cNvPr id="486" name="Google Shape;486;g518e80e5d2_0_360:notes"/>
           <p:cNvSpPr txBox="1"/>
           <p:nvPr>
             <p:ph idx="1" type="body"/>
@@ -2785,7 +2783,8 @@
               <a:buNone/>
             </a:pPr>
             <a:r>
-              <a:t/>
+              <a:rPr lang="en"/>
+              <a:t>Good way to study your data </a:t>
             </a:r>
             <a:endParaRPr/>
           </a:p>
@@ -2804,7 +2803,7 @@
   <p:cSld>
     <p:spTree>
       <p:nvGrpSpPr>
-        <p:cNvPr id="490" name="Shape 490"/>
+        <p:cNvPr id="491" name="Shape 491"/>
         <p:cNvGrpSpPr/>
         <p:nvPr/>
       </p:nvGrpSpPr>
@@ -2818,7 +2817,7 @@
       </p:grpSpPr>
       <p:sp>
         <p:nvSpPr>
-          <p:cNvPr id="491" name="Google Shape;491;g518e80e5d2_0_372:notes"/>
+          <p:cNvPr id="492" name="Google Shape;492;g518e80e5d2_0_427:notes"/>
           <p:cNvSpPr/>
           <p:nvPr>
             <p:ph idx="2" type="sldImg"/>
@@ -2853,7 +2852,7 @@
       </p:sp>
       <p:sp>
         <p:nvSpPr>
-          <p:cNvPr id="492" name="Google Shape;492;g518e80e5d2_0_372:notes"/>
+          <p:cNvPr id="493" name="Google Shape;493;g518e80e5d2_0_427:notes"/>
           <p:cNvSpPr txBox="1"/>
           <p:nvPr>
             <p:ph idx="1" type="body"/>
@@ -2884,8 +2883,7 @@
               <a:buNone/>
             </a:pPr>
             <a:r>
-              <a:rPr lang="en"/>
-              <a:t>Followed by a quick demonstration of what is jupyter notebook </a:t>
+              <a:t/>
             </a:r>
             <a:endParaRPr/>
           </a:p>
@@ -2904,7 +2902,7 @@
   <p:cSld>
     <p:spTree>
       <p:nvGrpSpPr>
-        <p:cNvPr id="499" name="Shape 499"/>
+        <p:cNvPr id="500" name="Shape 500"/>
         <p:cNvGrpSpPr/>
         <p:nvPr/>
       </p:nvGrpSpPr>
@@ -2918,7 +2916,7 @@
       </p:grpSpPr>
       <p:sp>
         <p:nvSpPr>
-          <p:cNvPr id="500" name="Google Shape;500;g518e80e5d2_0_360:notes"/>
+          <p:cNvPr id="501" name="Google Shape;501;g519c5e650b_0_0:notes"/>
           <p:cNvSpPr/>
           <p:nvPr>
             <p:ph idx="2" type="sldImg"/>
@@ -2953,7 +2951,7 @@
       </p:sp>
       <p:sp>
         <p:nvSpPr>
-          <p:cNvPr id="501" name="Google Shape;501;g518e80e5d2_0_360:notes"/>
+          <p:cNvPr id="502" name="Google Shape;502;g519c5e650b_0_0:notes"/>
           <p:cNvSpPr txBox="1"/>
           <p:nvPr>
             <p:ph idx="1" type="body"/>
@@ -2984,8 +2982,7 @@
               <a:buNone/>
             </a:pPr>
             <a:r>
-              <a:rPr lang="en"/>
-              <a:t>Good way to study your data </a:t>
+              <a:t/>
             </a:r>
             <a:endParaRPr/>
           </a:p>
@@ -3004,7 +3001,7 @@
   <p:cSld>
     <p:spTree>
       <p:nvGrpSpPr>
-        <p:cNvPr id="506" name="Shape 506"/>
+        <p:cNvPr id="508" name="Shape 508"/>
         <p:cNvGrpSpPr/>
         <p:nvPr/>
       </p:nvGrpSpPr>
@@ -3018,7 +3015,7 @@
       </p:grpSpPr>
       <p:sp>
         <p:nvSpPr>
-          <p:cNvPr id="507" name="Google Shape;507;g518e80e5d2_0_427:notes"/>
+          <p:cNvPr id="509" name="Google Shape;509;g518e80e5d2_0_437:notes"/>
           <p:cNvSpPr/>
           <p:nvPr>
             <p:ph idx="2" type="sldImg"/>
@@ -3053,7 +3050,7 @@
       </p:sp>
       <p:sp>
         <p:nvSpPr>
-          <p:cNvPr id="508" name="Google Shape;508;g518e80e5d2_0_427:notes"/>
+          <p:cNvPr id="510" name="Google Shape;510;g518e80e5d2_0_437:notes"/>
           <p:cNvSpPr txBox="1"/>
           <p:nvPr>
             <p:ph idx="1" type="body"/>
@@ -3103,7 +3100,7 @@
   <p:cSld>
     <p:spTree>
       <p:nvGrpSpPr>
-        <p:cNvPr id="515" name="Shape 515"/>
+        <p:cNvPr id="516" name="Shape 516"/>
         <p:cNvGrpSpPr/>
         <p:nvPr/>
       </p:nvGrpSpPr>
@@ -3117,7 +3114,7 @@
       </p:grpSpPr>
       <p:sp>
         <p:nvSpPr>
-          <p:cNvPr id="516" name="Google Shape;516;g519c5e650b_0_0:notes"/>
+          <p:cNvPr id="517" name="Google Shape;517;g518e80e5d2_0_586:notes"/>
           <p:cNvSpPr/>
           <p:nvPr>
             <p:ph idx="2" type="sldImg"/>
@@ -3152,7 +3149,7 @@
       </p:sp>
       <p:sp>
         <p:nvSpPr>
-          <p:cNvPr id="517" name="Google Shape;517;g519c5e650b_0_0:notes"/>
+          <p:cNvPr id="518" name="Google Shape;518;g518e80e5d2_0_586:notes"/>
           <p:cNvSpPr txBox="1"/>
           <p:nvPr>
             <p:ph idx="1" type="body"/>
@@ -3172,6 +3169,36 @@
             <a:noAutofit/>
           </a:bodyPr>
           <a:lstStyle/>
+          <a:p>
+            <a:pPr indent="0" lvl="0" marL="0" rtl="0" algn="l">
+              <a:spcBef>
+                <a:spcPts val="0"/>
+              </a:spcBef>
+              <a:spcAft>
+                <a:spcPts val="0"/>
+              </a:spcAft>
+              <a:buClr>
+                <a:schemeClr val="dk1"/>
+              </a:buClr>
+              <a:buSzPts val="1100"/>
+              <a:buFont typeface="Arial"/>
+              <a:buNone/>
+            </a:pPr>
+            <a:r>
+              <a:rPr lang="en"/>
+              <a:t>Pandas - </a:t>
+            </a:r>
+            <a:r>
+              <a:rPr lang="en"/>
+              <a:t>Essential Basic Functionality Documentation</a:t>
+            </a:r>
+            <a:endParaRPr u="sng">
+              <a:solidFill>
+                <a:schemeClr val="hlink"/>
+              </a:solidFill>
+              <a:hlinkClick r:id="rId2"/>
+            </a:endParaRPr>
+          </a:p>
           <a:p>
             <a:pPr indent="0" lvl="0" marL="0" rtl="0" algn="l">
               <a:spcBef>
@@ -3315,7 +3342,7 @@
       </p:grpSpPr>
       <p:sp>
         <p:nvSpPr>
-          <p:cNvPr id="524" name="Google Shape;524;g518e80e5d2_0_437:notes"/>
+          <p:cNvPr id="524" name="Google Shape;524;g5d10badc8a_0_2:notes"/>
           <p:cNvSpPr/>
           <p:nvPr>
             <p:ph idx="2" type="sldImg"/>
@@ -3350,7 +3377,7 @@
       </p:sp>
       <p:sp>
         <p:nvSpPr>
-          <p:cNvPr id="525" name="Google Shape;525;g518e80e5d2_0_437:notes"/>
+          <p:cNvPr id="525" name="Google Shape;525;g5d10badc8a_0_2:notes"/>
           <p:cNvSpPr txBox="1"/>
           <p:nvPr>
             <p:ph idx="1" type="body"/>
@@ -3370,6 +3397,32 @@
             <a:noAutofit/>
           </a:bodyPr>
           <a:lstStyle/>
+          <a:p>
+            <a:pPr indent="0" lvl="0" marL="0" rtl="0" algn="l">
+              <a:spcBef>
+                <a:spcPts val="0"/>
+              </a:spcBef>
+              <a:spcAft>
+                <a:spcPts val="0"/>
+              </a:spcAft>
+              <a:buClr>
+                <a:schemeClr val="dk1"/>
+              </a:buClr>
+              <a:buSzPts val="1100"/>
+              <a:buFont typeface="Arial"/>
+              <a:buNone/>
+            </a:pPr>
+            <a:r>
+              <a:rPr lang="en"/>
+              <a:t>Pandas - Essential Basic Functionality Documentation</a:t>
+            </a:r>
+            <a:endParaRPr u="sng">
+              <a:solidFill>
+                <a:schemeClr val="hlink"/>
+              </a:solidFill>
+              <a:hlinkClick r:id="rId2"/>
+            </a:endParaRPr>
+          </a:p>
           <a:p>
             <a:pPr indent="0" lvl="0" marL="0" rtl="0" algn="l">
               <a:spcBef>
@@ -3400,7 +3453,7 @@
   <p:cSld>
     <p:spTree>
       <p:nvGrpSpPr>
-        <p:cNvPr id="531" name="Shape 531"/>
+        <p:cNvPr id="530" name="Shape 530"/>
         <p:cNvGrpSpPr/>
         <p:nvPr/>
       </p:nvGrpSpPr>
@@ -3414,7 +3467,7 @@
       </p:grpSpPr>
       <p:sp>
         <p:nvSpPr>
-          <p:cNvPr id="532" name="Google Shape;532;g518e80e5d2_0_586:notes"/>
+          <p:cNvPr id="531" name="Google Shape;531;g518e80e5d2_0_575:notes"/>
           <p:cNvSpPr/>
           <p:nvPr>
             <p:ph idx="2" type="sldImg"/>
@@ -3449,7 +3502,7 @@
       </p:sp>
       <p:sp>
         <p:nvSpPr>
-          <p:cNvPr id="533" name="Google Shape;533;g518e80e5d2_0_586:notes"/>
+          <p:cNvPr id="532" name="Google Shape;532;g518e80e5d2_0_575:notes"/>
           <p:cNvSpPr txBox="1"/>
           <p:nvPr>
             <p:ph idx="1" type="body"/>
@@ -3485,18 +3538,42 @@
               <a:buNone/>
             </a:pPr>
             <a:r>
-              <a:rPr lang="en"/>
-              <a:t>Pandas - </a:t>
-            </a:r>
-            <a:r>
-              <a:rPr lang="en"/>
-              <a:t>Essential Basic Functionality Documentation</a:t>
+              <a:rPr lang="en">
+                <a:solidFill>
+                  <a:schemeClr val="dk1"/>
+                </a:solidFill>
+              </a:rPr>
+              <a:t>Pandas - Essential Basic Functionality Documentation</a:t>
             </a:r>
             <a:endParaRPr u="sng">
               <a:solidFill>
                 <a:schemeClr val="hlink"/>
               </a:solidFill>
               <a:hlinkClick r:id="rId2"/>
+            </a:endParaRPr>
+          </a:p>
+          <a:p>
+            <a:pPr indent="0" lvl="0" marL="0" rtl="0" algn="l">
+              <a:spcBef>
+                <a:spcPts val="0"/>
+              </a:spcBef>
+              <a:spcAft>
+                <a:spcPts val="0"/>
+              </a:spcAft>
+              <a:buClr>
+                <a:schemeClr val="dk1"/>
+              </a:buClr>
+              <a:buSzPts val="1100"/>
+              <a:buFont typeface="Arial"/>
+              <a:buNone/>
+            </a:pPr>
+            <a:r>
+              <a:t/>
+            </a:r>
+            <a:endParaRPr>
+              <a:solidFill>
+                <a:schemeClr val="dk1"/>
+              </a:solidFill>
             </a:endParaRPr>
           </a:p>
           <a:p>
@@ -3529,7 +3606,7 @@
   <p:cSld>
     <p:spTree>
       <p:nvGrpSpPr>
-        <p:cNvPr id="538" name="Shape 538"/>
+        <p:cNvPr id="537" name="Shape 537"/>
         <p:cNvGrpSpPr/>
         <p:nvPr/>
       </p:nvGrpSpPr>
@@ -3543,7 +3620,7 @@
       </p:grpSpPr>
       <p:sp>
         <p:nvSpPr>
-          <p:cNvPr id="539" name="Google Shape;539;g5d10badc8a_0_2:notes"/>
+          <p:cNvPr id="538" name="Google Shape;538;g5d10badc8a_0_23:notes"/>
           <p:cNvSpPr/>
           <p:nvPr>
             <p:ph idx="2" type="sldImg"/>
@@ -3578,7 +3655,7 @@
       </p:sp>
       <p:sp>
         <p:nvSpPr>
-          <p:cNvPr id="540" name="Google Shape;540;g5d10badc8a_0_2:notes"/>
+          <p:cNvPr id="539" name="Google Shape;539;g5d10badc8a_0_23:notes"/>
           <p:cNvSpPr txBox="1"/>
           <p:nvPr>
             <p:ph idx="1" type="body"/>
@@ -3614,7 +3691,11 @@
               <a:buNone/>
             </a:pPr>
             <a:r>
-              <a:rPr lang="en"/>
+              <a:rPr lang="en">
+                <a:solidFill>
+                  <a:schemeClr val="dk1"/>
+                </a:solidFill>
+              </a:rPr>
               <a:t>Pandas - Essential Basic Functionality Documentation</a:t>
             </a:r>
             <a:endParaRPr u="sng">
@@ -3622,6 +3703,30 @@
                 <a:schemeClr val="hlink"/>
               </a:solidFill>
               <a:hlinkClick r:id="rId2"/>
+            </a:endParaRPr>
+          </a:p>
+          <a:p>
+            <a:pPr indent="0" lvl="0" marL="0" rtl="0" algn="l">
+              <a:spcBef>
+                <a:spcPts val="0"/>
+              </a:spcBef>
+              <a:spcAft>
+                <a:spcPts val="0"/>
+              </a:spcAft>
+              <a:buClr>
+                <a:schemeClr val="dk1"/>
+              </a:buClr>
+              <a:buSzPts val="1100"/>
+              <a:buFont typeface="Arial"/>
+              <a:buNone/>
+            </a:pPr>
+            <a:r>
+              <a:t/>
+            </a:r>
+            <a:endParaRPr>
+              <a:solidFill>
+                <a:schemeClr val="dk1"/>
+              </a:solidFill>
             </a:endParaRPr>
           </a:p>
           <a:p>
@@ -3654,7 +3759,7 @@
   <p:cSld>
     <p:spTree>
       <p:nvGrpSpPr>
-        <p:cNvPr id="545" name="Shape 545"/>
+        <p:cNvPr id="547" name="Shape 547"/>
         <p:cNvGrpSpPr/>
         <p:nvPr/>
       </p:nvGrpSpPr>
@@ -3668,7 +3773,7 @@
       </p:grpSpPr>
       <p:sp>
         <p:nvSpPr>
-          <p:cNvPr id="546" name="Google Shape;546;g518e80e5d2_0_575:notes"/>
+          <p:cNvPr id="548" name="Google Shape;548;g518e80e5d2_0_593:notes"/>
           <p:cNvSpPr/>
           <p:nvPr>
             <p:ph idx="2" type="sldImg"/>
@@ -3703,7 +3808,7 @@
       </p:sp>
       <p:sp>
         <p:nvSpPr>
-          <p:cNvPr id="547" name="Google Shape;547;g518e80e5d2_0_575:notes"/>
+          <p:cNvPr id="549" name="Google Shape;549;g518e80e5d2_0_593:notes"/>
           <p:cNvSpPr txBox="1"/>
           <p:nvPr>
             <p:ph idx="1" type="body"/>
@@ -3807,7 +3912,7 @@
   <p:cSld>
     <p:spTree>
       <p:nvGrpSpPr>
-        <p:cNvPr id="552" name="Shape 552"/>
+        <p:cNvPr id="554" name="Shape 554"/>
         <p:cNvGrpSpPr/>
         <p:nvPr/>
       </p:nvGrpSpPr>
@@ -3821,7 +3926,7 @@
       </p:grpSpPr>
       <p:sp>
         <p:nvSpPr>
-          <p:cNvPr id="553" name="Google Shape;553;g5d10badc8a_0_23:notes"/>
+          <p:cNvPr id="555" name="Google Shape;555;g518e80e5d2_0_601:notes"/>
           <p:cNvSpPr/>
           <p:nvPr>
             <p:ph idx="2" type="sldImg"/>
@@ -3856,7 +3961,7 @@
       </p:sp>
       <p:sp>
         <p:nvSpPr>
-          <p:cNvPr id="554" name="Google Shape;554;g5d10badc8a_0_23:notes"/>
+          <p:cNvPr id="556" name="Google Shape;556;g518e80e5d2_0_601:notes"/>
           <p:cNvSpPr txBox="1"/>
           <p:nvPr>
             <p:ph idx="1" type="body"/>
@@ -3876,60 +3981,6 @@
             <a:noAutofit/>
           </a:bodyPr>
           <a:lstStyle/>
-          <a:p>
-            <a:pPr indent="0" lvl="0" marL="0" rtl="0" algn="l">
-              <a:spcBef>
-                <a:spcPts val="0"/>
-              </a:spcBef>
-              <a:spcAft>
-                <a:spcPts val="0"/>
-              </a:spcAft>
-              <a:buClr>
-                <a:schemeClr val="dk1"/>
-              </a:buClr>
-              <a:buSzPts val="1100"/>
-              <a:buFont typeface="Arial"/>
-              <a:buNone/>
-            </a:pPr>
-            <a:r>
-              <a:rPr lang="en">
-                <a:solidFill>
-                  <a:schemeClr val="dk1"/>
-                </a:solidFill>
-              </a:rPr>
-              <a:t>Pandas - Essential Basic Functionality Documentation</a:t>
-            </a:r>
-            <a:endParaRPr u="sng">
-              <a:solidFill>
-                <a:schemeClr val="hlink"/>
-              </a:solidFill>
-              <a:hlinkClick r:id="rId2"/>
-            </a:endParaRPr>
-          </a:p>
-          <a:p>
-            <a:pPr indent="0" lvl="0" marL="0" rtl="0" algn="l">
-              <a:spcBef>
-                <a:spcPts val="0"/>
-              </a:spcBef>
-              <a:spcAft>
-                <a:spcPts val="0"/>
-              </a:spcAft>
-              <a:buClr>
-                <a:schemeClr val="dk1"/>
-              </a:buClr>
-              <a:buSzPts val="1100"/>
-              <a:buFont typeface="Arial"/>
-              <a:buNone/>
-            </a:pPr>
-            <a:r>
-              <a:t/>
-            </a:r>
-            <a:endParaRPr>
-              <a:solidFill>
-                <a:schemeClr val="dk1"/>
-              </a:solidFill>
-            </a:endParaRPr>
-          </a:p>
           <a:p>
             <a:pPr indent="0" lvl="0" marL="0" rtl="0" algn="l">
               <a:spcBef>
@@ -3960,7 +4011,7 @@
   <p:cSld>
     <p:spTree>
       <p:nvGrpSpPr>
-        <p:cNvPr id="562" name="Shape 562"/>
+        <p:cNvPr id="561" name="Shape 561"/>
         <p:cNvGrpSpPr/>
         <p:nvPr/>
       </p:nvGrpSpPr>
@@ -3974,7 +4025,7 @@
       </p:grpSpPr>
       <p:sp>
         <p:nvSpPr>
-          <p:cNvPr id="563" name="Google Shape;563;g518e80e5d2_0_593:notes"/>
+          <p:cNvPr id="562" name="Google Shape;562;g518e80e5d2_0_334:notes"/>
           <p:cNvSpPr/>
           <p:nvPr>
             <p:ph idx="2" type="sldImg"/>
@@ -4009,7 +4060,7 @@
       </p:sp>
       <p:sp>
         <p:nvSpPr>
-          <p:cNvPr id="564" name="Google Shape;564;g518e80e5d2_0_593:notes"/>
+          <p:cNvPr id="563" name="Google Shape;563;g518e80e5d2_0_334:notes"/>
           <p:cNvSpPr txBox="1"/>
           <p:nvPr>
             <p:ph idx="1" type="body"/>
@@ -4029,60 +4080,6 @@
             <a:noAutofit/>
           </a:bodyPr>
           <a:lstStyle/>
-          <a:p>
-            <a:pPr indent="0" lvl="0" marL="0" rtl="0" algn="l">
-              <a:spcBef>
-                <a:spcPts val="0"/>
-              </a:spcBef>
-              <a:spcAft>
-                <a:spcPts val="0"/>
-              </a:spcAft>
-              <a:buClr>
-                <a:schemeClr val="dk1"/>
-              </a:buClr>
-              <a:buSzPts val="1100"/>
-              <a:buFont typeface="Arial"/>
-              <a:buNone/>
-            </a:pPr>
-            <a:r>
-              <a:rPr lang="en">
-                <a:solidFill>
-                  <a:schemeClr val="dk1"/>
-                </a:solidFill>
-              </a:rPr>
-              <a:t>Pandas - Essential Basic Functionality Documentation</a:t>
-            </a:r>
-            <a:endParaRPr u="sng">
-              <a:solidFill>
-                <a:schemeClr val="hlink"/>
-              </a:solidFill>
-              <a:hlinkClick r:id="rId2"/>
-            </a:endParaRPr>
-          </a:p>
-          <a:p>
-            <a:pPr indent="0" lvl="0" marL="0" rtl="0" algn="l">
-              <a:spcBef>
-                <a:spcPts val="0"/>
-              </a:spcBef>
-              <a:spcAft>
-                <a:spcPts val="0"/>
-              </a:spcAft>
-              <a:buClr>
-                <a:schemeClr val="dk1"/>
-              </a:buClr>
-              <a:buSzPts val="1100"/>
-              <a:buFont typeface="Arial"/>
-              <a:buNone/>
-            </a:pPr>
-            <a:r>
-              <a:t/>
-            </a:r>
-            <a:endParaRPr>
-              <a:solidFill>
-                <a:schemeClr val="dk1"/>
-              </a:solidFill>
-            </a:endParaRPr>
-          </a:p>
           <a:p>
             <a:pPr indent="0" lvl="0" marL="0" rtl="0" algn="l">
               <a:spcBef>
@@ -4113,7 +4110,7 @@
   <p:cSld>
     <p:spTree>
       <p:nvGrpSpPr>
-        <p:cNvPr id="569" name="Shape 569"/>
+        <p:cNvPr id="570" name="Shape 570"/>
         <p:cNvGrpSpPr/>
         <p:nvPr/>
       </p:nvGrpSpPr>
@@ -4127,7 +4124,7 @@
       </p:grpSpPr>
       <p:sp>
         <p:nvSpPr>
-          <p:cNvPr id="570" name="Google Shape;570;g518e80e5d2_0_601:notes"/>
+          <p:cNvPr id="571" name="Google Shape;571;g518e80e5d2_0_348:notes"/>
           <p:cNvSpPr/>
           <p:nvPr>
             <p:ph idx="2" type="sldImg"/>
@@ -4162,7 +4159,7 @@
       </p:sp>
       <p:sp>
         <p:nvSpPr>
-          <p:cNvPr id="571" name="Google Shape;571;g518e80e5d2_0_601:notes"/>
+          <p:cNvPr id="572" name="Google Shape;572;g518e80e5d2_0_348:notes"/>
           <p:cNvSpPr txBox="1"/>
           <p:nvPr>
             <p:ph idx="1" type="body"/>
@@ -4212,7 +4209,7 @@
   <p:cSld>
     <p:spTree>
       <p:nvGrpSpPr>
-        <p:cNvPr id="576" name="Shape 576"/>
+        <p:cNvPr id="577" name="Shape 577"/>
         <p:cNvGrpSpPr/>
         <p:nvPr/>
       </p:nvGrpSpPr>
@@ -4226,7 +4223,7 @@
       </p:grpSpPr>
       <p:sp>
         <p:nvSpPr>
-          <p:cNvPr id="577" name="Google Shape;577;g518e80e5d2_0_334:notes"/>
+          <p:cNvPr id="578" name="Google Shape;578;g518e80e5d2_0_393:notes"/>
           <p:cNvSpPr/>
           <p:nvPr>
             <p:ph idx="2" type="sldImg"/>
@@ -4261,7 +4258,7 @@
       </p:sp>
       <p:sp>
         <p:nvSpPr>
-          <p:cNvPr id="578" name="Google Shape;578;g518e80e5d2_0_334:notes"/>
+          <p:cNvPr id="579" name="Google Shape;579;g518e80e5d2_0_393:notes"/>
           <p:cNvSpPr txBox="1"/>
           <p:nvPr>
             <p:ph idx="1" type="body"/>
@@ -4311,7 +4308,7 @@
   <p:cSld>
     <p:spTree>
       <p:nvGrpSpPr>
-        <p:cNvPr id="585" name="Shape 585"/>
+        <p:cNvPr id="584" name="Shape 584"/>
         <p:cNvGrpSpPr/>
         <p:nvPr/>
       </p:nvGrpSpPr>
@@ -4325,7 +4322,7 @@
       </p:grpSpPr>
       <p:sp>
         <p:nvSpPr>
-          <p:cNvPr id="586" name="Google Shape;586;g518e80e5d2_0_348:notes"/>
+          <p:cNvPr id="585" name="Google Shape;585;g518e80e5d2_0_400:notes"/>
           <p:cNvSpPr/>
           <p:nvPr>
             <p:ph idx="2" type="sldImg"/>
@@ -4360,7 +4357,7 @@
       </p:sp>
       <p:sp>
         <p:nvSpPr>
-          <p:cNvPr id="587" name="Google Shape;587;g518e80e5d2_0_348:notes"/>
+          <p:cNvPr id="586" name="Google Shape;586;g518e80e5d2_0_400:notes"/>
           <p:cNvSpPr txBox="1"/>
           <p:nvPr>
             <p:ph idx="1" type="body"/>
@@ -4410,7 +4407,7 @@
   <p:cSld>
     <p:spTree>
       <p:nvGrpSpPr>
-        <p:cNvPr id="592" name="Shape 592"/>
+        <p:cNvPr id="591" name="Shape 591"/>
         <p:cNvGrpSpPr/>
         <p:nvPr/>
       </p:nvGrpSpPr>
@@ -4424,7 +4421,7 @@
       </p:grpSpPr>
       <p:sp>
         <p:nvSpPr>
-          <p:cNvPr id="593" name="Google Shape;593;g518e80e5d2_0_393:notes"/>
+          <p:cNvPr id="592" name="Google Shape;592;g518e80e5d2_0_387:notes"/>
           <p:cNvSpPr/>
           <p:nvPr>
             <p:ph idx="2" type="sldImg"/>
@@ -4459,7 +4456,7 @@
       </p:sp>
       <p:sp>
         <p:nvSpPr>
-          <p:cNvPr id="594" name="Google Shape;594;g518e80e5d2_0_393:notes"/>
+          <p:cNvPr id="593" name="Google Shape;593;g518e80e5d2_0_387:notes"/>
           <p:cNvSpPr txBox="1"/>
           <p:nvPr>
             <p:ph idx="1" type="body"/>
@@ -4653,7 +4650,7 @@
   <p:cSld>
     <p:spTree>
       <p:nvGrpSpPr>
-        <p:cNvPr id="599" name="Shape 599"/>
+        <p:cNvPr id="603" name="Shape 603"/>
         <p:cNvGrpSpPr/>
         <p:nvPr/>
       </p:nvGrpSpPr>
@@ -4667,7 +4664,7 @@
       </p:grpSpPr>
       <p:sp>
         <p:nvSpPr>
-          <p:cNvPr id="600" name="Google Shape;600;g518e80e5d2_0_400:notes"/>
+          <p:cNvPr id="604" name="Google Shape;604;g5ceebf5b61_0_142:notes"/>
           <p:cNvSpPr/>
           <p:nvPr>
             <p:ph idx="2" type="sldImg"/>
@@ -4702,7 +4699,7 @@
       </p:sp>
       <p:sp>
         <p:nvSpPr>
-          <p:cNvPr id="601" name="Google Shape;601;g518e80e5d2_0_400:notes"/>
+          <p:cNvPr id="605" name="Google Shape;605;g5ceebf5b61_0_142:notes"/>
           <p:cNvSpPr txBox="1"/>
           <p:nvPr>
             <p:ph idx="1" type="body"/>
@@ -4752,7 +4749,7 @@
   <p:cSld>
     <p:spTree>
       <p:nvGrpSpPr>
-        <p:cNvPr id="606" name="Shape 606"/>
+        <p:cNvPr id="610" name="Shape 610"/>
         <p:cNvGrpSpPr/>
         <p:nvPr/>
       </p:nvGrpSpPr>
@@ -4766,7 +4763,7 @@
       </p:grpSpPr>
       <p:sp>
         <p:nvSpPr>
-          <p:cNvPr id="607" name="Google Shape;607;g518e80e5d2_0_387:notes"/>
+          <p:cNvPr id="611" name="Google Shape;611;g5ceebf5b61_0_0:notes"/>
           <p:cNvSpPr/>
           <p:nvPr>
             <p:ph idx="2" type="sldImg"/>
@@ -4774,7 +4771,7 @@
         </p:nvSpPr>
         <p:spPr>
           <a:xfrm>
-            <a:off x="1143225" y="685800"/>
+            <a:off x="1143213" y="685800"/>
             <a:ext cx="4572300" cy="3429000"/>
           </a:xfrm>
           <a:custGeom>
@@ -4801,226 +4798,7 @@
       </p:sp>
       <p:sp>
         <p:nvSpPr>
-          <p:cNvPr id="608" name="Google Shape;608;g518e80e5d2_0_387:notes"/>
-          <p:cNvSpPr txBox="1"/>
-          <p:nvPr>
-            <p:ph idx="1" type="body"/>
-          </p:nvPr>
-        </p:nvSpPr>
-        <p:spPr>
-          <a:xfrm>
-            <a:off x="685800" y="4343400"/>
-            <a:ext cx="5486400" cy="4114800"/>
-          </a:xfrm>
-          <a:prstGeom prst="rect">
-            <a:avLst/>
-          </a:prstGeom>
-        </p:spPr>
-        <p:txBody>
-          <a:bodyPr anchorCtr="0" anchor="t" bIns="91425" lIns="91425" spcFirstLastPara="1" rIns="91425" wrap="square" tIns="91425">
-            <a:noAutofit/>
-          </a:bodyPr>
-          <a:lstStyle/>
-          <a:p>
-            <a:pPr indent="0" lvl="0" marL="0" rtl="0" algn="l">
-              <a:spcBef>
-                <a:spcPts val="0"/>
-              </a:spcBef>
-              <a:spcAft>
-                <a:spcPts val="0"/>
-              </a:spcAft>
-              <a:buNone/>
-            </a:pPr>
-            <a:r>
-              <a:t/>
-            </a:r>
-            <a:endParaRPr/>
-          </a:p>
-        </p:txBody>
-      </p:sp>
-    </p:spTree>
-  </p:cSld>
-  <p:clrMapOvr>
-    <a:masterClrMapping/>
-  </p:clrMapOvr>
-</p:notes>
-</file>
-
-<file path=ppt/notesSlides/notesSlide42.xml><?xml version="1.0" encoding="utf-8"?>
-<p:notes xmlns:a="http://schemas.openxmlformats.org/drawingml/2006/main" xmlns:r="http://schemas.openxmlformats.org/officeDocument/2006/relationships" xmlns:mc="http://schemas.openxmlformats.org/markup-compatibility/2006" xmlns:mv="urn:schemas-microsoft-com:mac:vml" xmlns:p="http://schemas.openxmlformats.org/presentationml/2006/main" xmlns:c="http://schemas.openxmlformats.org/drawingml/2006/chart" xmlns:dgm="http://schemas.openxmlformats.org/drawingml/2006/diagram" xmlns:o="urn:schemas-microsoft-com:office:office" xmlns:v="urn:schemas-microsoft-com:vml" xmlns:pvml="urn:schemas-microsoft-com:office:powerpoint" xmlns:com="http://schemas.openxmlformats.org/drawingml/2006/compatibility" xmlns:p14="http://schemas.microsoft.com/office/powerpoint/2010/main" xmlns:p15="http://schemas.microsoft.com/office/powerpoint/2012/main" showMasterPhAnim="0" showMasterSp="0">
-  <p:cSld>
-    <p:spTree>
-      <p:nvGrpSpPr>
-        <p:cNvPr id="618" name="Shape 618"/>
-        <p:cNvGrpSpPr/>
-        <p:nvPr/>
-      </p:nvGrpSpPr>
-      <p:grpSpPr>
-        <a:xfrm>
-          <a:off x="0" y="0"/>
-          <a:ext cx="0" cy="0"/>
-          <a:chOff x="0" y="0"/>
-          <a:chExt cx="0" cy="0"/>
-        </a:xfrm>
-      </p:grpSpPr>
-      <p:sp>
-        <p:nvSpPr>
-          <p:cNvPr id="619" name="Google Shape;619;g5ceebf5b61_0_142:notes"/>
-          <p:cNvSpPr/>
-          <p:nvPr>
-            <p:ph idx="2" type="sldImg"/>
-          </p:nvPr>
-        </p:nvSpPr>
-        <p:spPr>
-          <a:xfrm>
-            <a:off x="1143225" y="685800"/>
-            <a:ext cx="4572300" cy="3429000"/>
-          </a:xfrm>
-          <a:custGeom>
-            <a:rect b="b" l="l" r="r" t="t"/>
-            <a:pathLst>
-              <a:path extrusionOk="0" h="120000" w="120000">
-                <a:moveTo>
-                  <a:pt x="0" y="0"/>
-                </a:moveTo>
-                <a:lnTo>
-                  <a:pt x="120000" y="0"/>
-                </a:lnTo>
-                <a:lnTo>
-                  <a:pt x="120000" y="120000"/>
-                </a:lnTo>
-                <a:lnTo>
-                  <a:pt x="0" y="120000"/>
-                </a:lnTo>
-                <a:close/>
-              </a:path>
-            </a:pathLst>
-          </a:custGeom>
-        </p:spPr>
-      </p:sp>
-      <p:sp>
-        <p:nvSpPr>
-          <p:cNvPr id="620" name="Google Shape;620;g5ceebf5b61_0_142:notes"/>
-          <p:cNvSpPr txBox="1"/>
-          <p:nvPr>
-            <p:ph idx="1" type="body"/>
-          </p:nvPr>
-        </p:nvSpPr>
-        <p:spPr>
-          <a:xfrm>
-            <a:off x="685800" y="4343400"/>
-            <a:ext cx="5486400" cy="4114800"/>
-          </a:xfrm>
-          <a:prstGeom prst="rect">
-            <a:avLst/>
-          </a:prstGeom>
-        </p:spPr>
-        <p:txBody>
-          <a:bodyPr anchorCtr="0" anchor="t" bIns="91425" lIns="91425" spcFirstLastPara="1" rIns="91425" wrap="square" tIns="91425">
-            <a:noAutofit/>
-          </a:bodyPr>
-          <a:lstStyle/>
-          <a:p>
-            <a:pPr indent="0" lvl="0" marL="0" rtl="0" algn="l">
-              <a:spcBef>
-                <a:spcPts val="0"/>
-              </a:spcBef>
-              <a:spcAft>
-                <a:spcPts val="0"/>
-              </a:spcAft>
-              <a:buNone/>
-            </a:pPr>
-            <a:r>
-              <a:rPr lang="en" u="sng">
-                <a:solidFill>
-                  <a:schemeClr val="hlink"/>
-                </a:solidFill>
-                <a:hlinkClick r:id="rId2"/>
-              </a:rPr>
-              <a:t>https://www.w3resource.com/python-exercises/numpy/linear-algebra/numpy-linear-algebra-exercise-1.php</a:t>
-            </a:r>
-            <a:endParaRPr/>
-          </a:p>
-          <a:p>
-            <a:pPr indent="0" lvl="0" marL="0" rtl="0" algn="l">
-              <a:spcBef>
-                <a:spcPts val="0"/>
-              </a:spcBef>
-              <a:spcAft>
-                <a:spcPts val="0"/>
-              </a:spcAft>
-              <a:buNone/>
-            </a:pPr>
-            <a:r>
-              <a:t/>
-            </a:r>
-            <a:endParaRPr/>
-          </a:p>
-        </p:txBody>
-      </p:sp>
-    </p:spTree>
-  </p:cSld>
-  <p:clrMapOvr>
-    <a:masterClrMapping/>
-  </p:clrMapOvr>
-</p:notes>
-</file>
-
-<file path=ppt/notesSlides/notesSlide43.xml><?xml version="1.0" encoding="utf-8"?>
-<p:notes xmlns:a="http://schemas.openxmlformats.org/drawingml/2006/main" xmlns:r="http://schemas.openxmlformats.org/officeDocument/2006/relationships" xmlns:mc="http://schemas.openxmlformats.org/markup-compatibility/2006" xmlns:mv="urn:schemas-microsoft-com:mac:vml" xmlns:p="http://schemas.openxmlformats.org/presentationml/2006/main" xmlns:c="http://schemas.openxmlformats.org/drawingml/2006/chart" xmlns:dgm="http://schemas.openxmlformats.org/drawingml/2006/diagram" xmlns:o="urn:schemas-microsoft-com:office:office" xmlns:v="urn:schemas-microsoft-com:vml" xmlns:pvml="urn:schemas-microsoft-com:office:powerpoint" xmlns:com="http://schemas.openxmlformats.org/drawingml/2006/compatibility" xmlns:p14="http://schemas.microsoft.com/office/powerpoint/2010/main" xmlns:p15="http://schemas.microsoft.com/office/powerpoint/2012/main" showMasterPhAnim="0" showMasterSp="0">
-  <p:cSld>
-    <p:spTree>
-      <p:nvGrpSpPr>
-        <p:cNvPr id="625" name="Shape 625"/>
-        <p:cNvGrpSpPr/>
-        <p:nvPr/>
-      </p:nvGrpSpPr>
-      <p:grpSpPr>
-        <a:xfrm>
-          <a:off x="0" y="0"/>
-          <a:ext cx="0" cy="0"/>
-          <a:chOff x="0" y="0"/>
-          <a:chExt cx="0" cy="0"/>
-        </a:xfrm>
-      </p:grpSpPr>
-      <p:sp>
-        <p:nvSpPr>
-          <p:cNvPr id="626" name="Google Shape;626;g5ceebf5b61_0_0:notes"/>
-          <p:cNvSpPr/>
-          <p:nvPr>
-            <p:ph idx="2" type="sldImg"/>
-          </p:nvPr>
-        </p:nvSpPr>
-        <p:spPr>
-          <a:xfrm>
-            <a:off x="1143213" y="685800"/>
-            <a:ext cx="4572300" cy="3429000"/>
-          </a:xfrm>
-          <a:custGeom>
-            <a:rect b="b" l="l" r="r" t="t"/>
-            <a:pathLst>
-              <a:path extrusionOk="0" h="120000" w="120000">
-                <a:moveTo>
-                  <a:pt x="0" y="0"/>
-                </a:moveTo>
-                <a:lnTo>
-                  <a:pt x="120000" y="0"/>
-                </a:lnTo>
-                <a:lnTo>
-                  <a:pt x="120000" y="120000"/>
-                </a:lnTo>
-                <a:lnTo>
-                  <a:pt x="0" y="120000"/>
-                </a:lnTo>
-                <a:close/>
-              </a:path>
-            </a:pathLst>
-          </a:custGeom>
-        </p:spPr>
-      </p:sp>
-      <p:sp>
-        <p:nvSpPr>
-          <p:cNvPr id="627" name="Google Shape;627;g5ceebf5b61_0_0:notes"/>
+          <p:cNvPr id="612" name="Google Shape;612;g5ceebf5b61_0_0:notes"/>
           <p:cNvSpPr txBox="1"/>
           <p:nvPr>
             <p:ph idx="1" type="body"/>
@@ -35866,7 +35644,7 @@
         </p:nvSpPr>
         <p:spPr>
           <a:xfrm>
-            <a:off x="0" y="2472500"/>
+            <a:off x="-190925" y="2031625"/>
             <a:ext cx="9144000" cy="1546500"/>
           </a:xfrm>
           <a:prstGeom prst="rect">
@@ -35894,7 +35672,7 @@
                   <a:srgbClr val="CC0000"/>
                 </a:solidFill>
               </a:rPr>
-              <a:t>Jupyter Notebook</a:t>
+              <a:t>Data Visualization</a:t>
             </a:r>
             <a:endParaRPr b="1" sz="6000">
               <a:solidFill>
@@ -35941,6 +35719,58 @@
               <a:t>‹#›</a:t>
             </a:fld>
             <a:endParaRPr/>
+          </a:p>
+        </p:txBody>
+      </p:sp>
+      <p:sp>
+        <p:nvSpPr>
+          <p:cNvPr id="490" name="Google Shape;490;p69"/>
+          <p:cNvSpPr txBox="1"/>
+          <p:nvPr/>
+        </p:nvSpPr>
+        <p:spPr>
+          <a:xfrm>
+            <a:off x="858300" y="3676100"/>
+            <a:ext cx="7427400" cy="904200"/>
+          </a:xfrm>
+          <a:prstGeom prst="rect">
+            <a:avLst/>
+          </a:prstGeom>
+          <a:noFill/>
+          <a:ln>
+            <a:noFill/>
+          </a:ln>
+        </p:spPr>
+        <p:txBody>
+          <a:bodyPr anchorCtr="0" anchor="t" bIns="91425" lIns="91425" spcFirstLastPara="1" rIns="91425" wrap="square" tIns="91425">
+            <a:noAutofit/>
+          </a:bodyPr>
+          <a:lstStyle/>
+          <a:p>
+            <a:pPr indent="0" lvl="0" marL="0" rtl="0" algn="l">
+              <a:spcBef>
+                <a:spcPts val="0"/>
+              </a:spcBef>
+              <a:spcAft>
+                <a:spcPts val="0"/>
+              </a:spcAft>
+              <a:buNone/>
+            </a:pPr>
+            <a:r>
+              <a:rPr lang="en" sz="2400">
+                <a:latin typeface="Roboto Slab"/>
+                <a:ea typeface="Roboto Slab"/>
+                <a:cs typeface="Roboto Slab"/>
+                <a:sym typeface="Roboto Slab"/>
+              </a:rPr>
+              <a:t>Study your data to boost the design of your model.</a:t>
+            </a:r>
+            <a:endParaRPr sz="2400">
+              <a:latin typeface="Roboto Slab"/>
+              <a:ea typeface="Roboto Slab"/>
+              <a:cs typeface="Roboto Slab"/>
+              <a:sym typeface="Roboto Slab"/>
+            </a:endParaRPr>
           </a:p>
         </p:txBody>
       </p:sp>
@@ -35957,7 +35787,7 @@
   <p:cSld>
     <p:spTree>
       <p:nvGrpSpPr>
-        <p:cNvPr id="493" name="Shape 493"/>
+        <p:cNvPr id="494" name="Shape 494"/>
         <p:cNvGrpSpPr/>
         <p:nvPr/>
       </p:nvGrpSpPr>
@@ -35971,7 +35801,7 @@
       </p:grpSpPr>
       <p:sp>
         <p:nvSpPr>
-          <p:cNvPr id="494" name="Google Shape;494;p70"/>
+          <p:cNvPr id="495" name="Google Shape;495;p70"/>
           <p:cNvSpPr txBox="1"/>
           <p:nvPr>
             <p:ph type="title"/>
@@ -36003,232 +35833,9 @@
             </a:pPr>
             <a:r>
               <a:rPr lang="en"/>
-              <a:t>At a quick glance</a:t>
+              <a:t>Introduction to </a:t>
             </a:r>
             <a:endParaRPr/>
-          </a:p>
-        </p:txBody>
-      </p:sp>
-      <p:sp>
-        <p:nvSpPr>
-          <p:cNvPr id="495" name="Google Shape;495;p70"/>
-          <p:cNvSpPr txBox="1"/>
-          <p:nvPr>
-            <p:ph idx="1" type="body"/>
-          </p:nvPr>
-        </p:nvSpPr>
-        <p:spPr>
-          <a:xfrm>
-            <a:off x="786150" y="1347717"/>
-            <a:ext cx="7571700" cy="4764900"/>
-          </a:xfrm>
-          <a:prstGeom prst="rect">
-            <a:avLst/>
-          </a:prstGeom>
-        </p:spPr>
-        <p:txBody>
-          <a:bodyPr anchorCtr="0" anchor="t" bIns="91425" lIns="91425" spcFirstLastPara="1" rIns="91425" wrap="square" tIns="91425">
-            <a:noAutofit/>
-          </a:bodyPr>
-          <a:lstStyle/>
-          <a:p>
-            <a:pPr indent="0" lvl="0" marL="0" rtl="0" algn="l">
-              <a:lnSpc>
-                <a:spcPct val="115000"/>
-              </a:lnSpc>
-              <a:spcBef>
-                <a:spcPts val="600"/>
-              </a:spcBef>
-              <a:spcAft>
-                <a:spcPts val="0"/>
-              </a:spcAft>
-              <a:buNone/>
-            </a:pPr>
-            <a:r>
-              <a:rPr lang="en" sz="1800">
-                <a:latin typeface="Roboto Slab"/>
-                <a:ea typeface="Roboto Slab"/>
-                <a:cs typeface="Roboto Slab"/>
-                <a:sym typeface="Roboto Slab"/>
-              </a:rPr>
-              <a:t>Open-source web app that allows you to create and share documents with:</a:t>
-            </a:r>
-            <a:endParaRPr sz="1800">
-              <a:latin typeface="Roboto Slab"/>
-              <a:ea typeface="Roboto Slab"/>
-              <a:cs typeface="Roboto Slab"/>
-              <a:sym typeface="Roboto Slab"/>
-            </a:endParaRPr>
-          </a:p>
-          <a:p>
-            <a:pPr indent="-342900" lvl="0" marL="457200" rtl="0" algn="l">
-              <a:lnSpc>
-                <a:spcPct val="115000"/>
-              </a:lnSpc>
-              <a:spcBef>
-                <a:spcPts val="600"/>
-              </a:spcBef>
-              <a:spcAft>
-                <a:spcPts val="0"/>
-              </a:spcAft>
-              <a:buSzPts val="1800"/>
-              <a:buFont typeface="Roboto Slab"/>
-              <a:buChar char="●"/>
-            </a:pPr>
-            <a:r>
-              <a:rPr lang="en" sz="1800">
-                <a:latin typeface="Roboto Slab"/>
-                <a:ea typeface="Roboto Slab"/>
-                <a:cs typeface="Roboto Slab"/>
-                <a:sym typeface="Roboto Slab"/>
-              </a:rPr>
-              <a:t>Live code </a:t>
-            </a:r>
-            <a:endParaRPr sz="1800">
-              <a:latin typeface="Roboto Slab"/>
-              <a:ea typeface="Roboto Slab"/>
-              <a:cs typeface="Roboto Slab"/>
-              <a:sym typeface="Roboto Slab"/>
-            </a:endParaRPr>
-          </a:p>
-          <a:p>
-            <a:pPr indent="-342900" lvl="0" marL="457200" rtl="0" algn="l">
-              <a:lnSpc>
-                <a:spcPct val="115000"/>
-              </a:lnSpc>
-              <a:spcBef>
-                <a:spcPts val="0"/>
-              </a:spcBef>
-              <a:spcAft>
-                <a:spcPts val="0"/>
-              </a:spcAft>
-              <a:buSzPts val="1800"/>
-              <a:buFont typeface="Roboto Slab"/>
-              <a:buChar char="●"/>
-            </a:pPr>
-            <a:r>
-              <a:rPr lang="en" sz="1800">
-                <a:latin typeface="Roboto Slab"/>
-                <a:ea typeface="Roboto Slab"/>
-                <a:cs typeface="Roboto Slab"/>
-                <a:sym typeface="Roboto Slab"/>
-              </a:rPr>
-              <a:t>Equations </a:t>
-            </a:r>
-            <a:endParaRPr sz="1800">
-              <a:latin typeface="Roboto Slab"/>
-              <a:ea typeface="Roboto Slab"/>
-              <a:cs typeface="Roboto Slab"/>
-              <a:sym typeface="Roboto Slab"/>
-            </a:endParaRPr>
-          </a:p>
-          <a:p>
-            <a:pPr indent="-342900" lvl="0" marL="457200" rtl="0" algn="l">
-              <a:lnSpc>
-                <a:spcPct val="115000"/>
-              </a:lnSpc>
-              <a:spcBef>
-                <a:spcPts val="0"/>
-              </a:spcBef>
-              <a:spcAft>
-                <a:spcPts val="0"/>
-              </a:spcAft>
-              <a:buSzPts val="1800"/>
-              <a:buFont typeface="Roboto Slab"/>
-              <a:buChar char="●"/>
-            </a:pPr>
-            <a:r>
-              <a:rPr lang="en" sz="1800">
-                <a:latin typeface="Roboto Slab"/>
-                <a:ea typeface="Roboto Slab"/>
-                <a:cs typeface="Roboto Slab"/>
-                <a:sym typeface="Roboto Slab"/>
-              </a:rPr>
-              <a:t>Visualization </a:t>
-            </a:r>
-            <a:endParaRPr sz="1800">
-              <a:latin typeface="Roboto Slab"/>
-              <a:ea typeface="Roboto Slab"/>
-              <a:cs typeface="Roboto Slab"/>
-              <a:sym typeface="Roboto Slab"/>
-            </a:endParaRPr>
-          </a:p>
-          <a:p>
-            <a:pPr indent="-342900" lvl="0" marL="457200" rtl="0" algn="l">
-              <a:lnSpc>
-                <a:spcPct val="115000"/>
-              </a:lnSpc>
-              <a:spcBef>
-                <a:spcPts val="0"/>
-              </a:spcBef>
-              <a:spcAft>
-                <a:spcPts val="0"/>
-              </a:spcAft>
-              <a:buSzPts val="1800"/>
-              <a:buFont typeface="Roboto Slab"/>
-              <a:buChar char="●"/>
-            </a:pPr>
-            <a:r>
-              <a:rPr lang="en" sz="1800">
-                <a:latin typeface="Roboto Slab"/>
-                <a:ea typeface="Roboto Slab"/>
-                <a:cs typeface="Roboto Slab"/>
-                <a:sym typeface="Roboto Slab"/>
-              </a:rPr>
-              <a:t>Text </a:t>
-            </a:r>
-            <a:br>
-              <a:rPr lang="en" sz="1800">
-                <a:latin typeface="Roboto Slab"/>
-                <a:ea typeface="Roboto Slab"/>
-                <a:cs typeface="Roboto Slab"/>
-                <a:sym typeface="Roboto Slab"/>
-              </a:rPr>
-            </a:br>
-            <a:endParaRPr sz="1800">
-              <a:latin typeface="Roboto Slab"/>
-              <a:ea typeface="Roboto Slab"/>
-              <a:cs typeface="Roboto Slab"/>
-              <a:sym typeface="Roboto Slab"/>
-            </a:endParaRPr>
-          </a:p>
-          <a:p>
-            <a:pPr indent="0" lvl="0" marL="0" rtl="0" algn="l">
-              <a:lnSpc>
-                <a:spcPct val="115000"/>
-              </a:lnSpc>
-              <a:spcBef>
-                <a:spcPts val="600"/>
-              </a:spcBef>
-              <a:spcAft>
-                <a:spcPts val="0"/>
-              </a:spcAft>
-              <a:buNone/>
-            </a:pPr>
-            <a:r>
-              <a:rPr lang="en" sz="1800">
-                <a:latin typeface="Roboto Slab"/>
-                <a:ea typeface="Roboto Slab"/>
-                <a:cs typeface="Roboto Slab"/>
-                <a:sym typeface="Roboto Slab"/>
-              </a:rPr>
-              <a:t>Most importantly, runs in </a:t>
-            </a:r>
-            <a:r>
-              <a:rPr b="1" lang="en" sz="1800">
-                <a:latin typeface="Roboto Slab"/>
-                <a:ea typeface="Roboto Slab"/>
-                <a:cs typeface="Roboto Slab"/>
-                <a:sym typeface="Roboto Slab"/>
-              </a:rPr>
-              <a:t>Python </a:t>
-            </a:r>
-            <a:endParaRPr sz="1800">
-              <a:latin typeface="Roboto Slab"/>
-              <a:ea typeface="Roboto Slab"/>
-              <a:cs typeface="Roboto Slab"/>
-              <a:sym typeface="Roboto Slab"/>
-            </a:endParaRPr>
           </a:p>
         </p:txBody>
       </p:sp>
@@ -36237,13 +35844,13 @@
           <p:cNvPr id="496" name="Google Shape;496;p70"/>
           <p:cNvSpPr txBox="1"/>
           <p:nvPr>
-            <p:ph idx="12" type="sldNum"/>
+            <p:ph idx="1" type="body"/>
           </p:nvPr>
         </p:nvSpPr>
         <p:spPr>
           <a:xfrm>
-            <a:off x="8404384" y="6333134"/>
-            <a:ext cx="548700" cy="525000"/>
+            <a:off x="786150" y="1682267"/>
+            <a:ext cx="7571700" cy="4764900"/>
           </a:xfrm>
           <a:prstGeom prst="rect">
             <a:avLst/>
@@ -36255,6 +35862,270 @@
           </a:bodyPr>
           <a:lstStyle/>
           <a:p>
+            <a:pPr indent="0" lvl="0" marL="0" rtl="0" algn="l">
+              <a:spcBef>
+                <a:spcPts val="600"/>
+              </a:spcBef>
+              <a:spcAft>
+                <a:spcPts val="0"/>
+              </a:spcAft>
+              <a:buNone/>
+            </a:pPr>
+            <a:r>
+              <a:rPr lang="en" sz="1800">
+                <a:solidFill>
+                  <a:srgbClr val="222222"/>
+                </a:solidFill>
+                <a:highlight>
+                  <a:srgbClr val="FFFFFF"/>
+                </a:highlight>
+                <a:latin typeface="Roboto Slab"/>
+                <a:ea typeface="Roboto Slab"/>
+                <a:cs typeface="Roboto Slab"/>
+                <a:sym typeface="Roboto Slab"/>
+              </a:rPr>
+              <a:t>Open source data manipulation and analysis </a:t>
+            </a:r>
+            <a:r>
+              <a:rPr b="1" lang="en" sz="1800">
+                <a:solidFill>
+                  <a:srgbClr val="222222"/>
+                </a:solidFill>
+                <a:highlight>
+                  <a:srgbClr val="FFFFFF"/>
+                </a:highlight>
+                <a:latin typeface="Roboto Slab"/>
+                <a:ea typeface="Roboto Slab"/>
+                <a:cs typeface="Roboto Slab"/>
+                <a:sym typeface="Roboto Slab"/>
+              </a:rPr>
+              <a:t>library</a:t>
+            </a:r>
+            <a:r>
+              <a:rPr lang="en" sz="1800">
+                <a:solidFill>
+                  <a:srgbClr val="222222"/>
+                </a:solidFill>
+                <a:highlight>
+                  <a:srgbClr val="FFFFFF"/>
+                </a:highlight>
+                <a:latin typeface="Roboto Slab"/>
+                <a:ea typeface="Roboto Slab"/>
+                <a:cs typeface="Roboto Slab"/>
+                <a:sym typeface="Roboto Slab"/>
+              </a:rPr>
+              <a:t> for the </a:t>
+            </a:r>
+            <a:r>
+              <a:rPr b="1" lang="en" sz="1800">
+                <a:solidFill>
+                  <a:srgbClr val="222222"/>
+                </a:solidFill>
+                <a:highlight>
+                  <a:srgbClr val="FFFFFF"/>
+                </a:highlight>
+                <a:latin typeface="Roboto Slab"/>
+                <a:ea typeface="Roboto Slab"/>
+                <a:cs typeface="Roboto Slab"/>
+                <a:sym typeface="Roboto Slab"/>
+              </a:rPr>
+              <a:t>Python</a:t>
+            </a:r>
+            <a:r>
+              <a:rPr lang="en" sz="1800">
+                <a:solidFill>
+                  <a:srgbClr val="222222"/>
+                </a:solidFill>
+                <a:highlight>
+                  <a:srgbClr val="FFFFFF"/>
+                </a:highlight>
+                <a:latin typeface="Roboto Slab"/>
+                <a:ea typeface="Roboto Slab"/>
+                <a:cs typeface="Roboto Slab"/>
+                <a:sym typeface="Roboto Slab"/>
+              </a:rPr>
+              <a:t>. </a:t>
+            </a:r>
+            <a:endParaRPr sz="1800">
+              <a:solidFill>
+                <a:srgbClr val="222222"/>
+              </a:solidFill>
+              <a:highlight>
+                <a:srgbClr val="FFFFFF"/>
+              </a:highlight>
+              <a:latin typeface="Roboto Slab"/>
+              <a:ea typeface="Roboto Slab"/>
+              <a:cs typeface="Roboto Slab"/>
+              <a:sym typeface="Roboto Slab"/>
+            </a:endParaRPr>
+          </a:p>
+          <a:p>
+            <a:pPr indent="0" lvl="0" marL="0" rtl="0" algn="l">
+              <a:spcBef>
+                <a:spcPts val="600"/>
+              </a:spcBef>
+              <a:spcAft>
+                <a:spcPts val="0"/>
+              </a:spcAft>
+              <a:buNone/>
+            </a:pPr>
+            <a:r>
+              <a:t/>
+            </a:r>
+            <a:endParaRPr sz="1800">
+              <a:solidFill>
+                <a:srgbClr val="222222"/>
+              </a:solidFill>
+              <a:highlight>
+                <a:srgbClr val="FFFFFF"/>
+              </a:highlight>
+              <a:latin typeface="Roboto Slab"/>
+              <a:ea typeface="Roboto Slab"/>
+              <a:cs typeface="Roboto Slab"/>
+              <a:sym typeface="Roboto Slab"/>
+            </a:endParaRPr>
+          </a:p>
+          <a:p>
+            <a:pPr indent="0" lvl="0" marL="0" rtl="0" algn="l">
+              <a:spcBef>
+                <a:spcPts val="600"/>
+              </a:spcBef>
+              <a:spcAft>
+                <a:spcPts val="0"/>
+              </a:spcAft>
+              <a:buNone/>
+            </a:pPr>
+            <a:r>
+              <a:rPr lang="en" sz="1800">
+                <a:solidFill>
+                  <a:srgbClr val="222222"/>
+                </a:solidFill>
+                <a:highlight>
+                  <a:srgbClr val="FFFFFF"/>
+                </a:highlight>
+                <a:latin typeface="Roboto Slab"/>
+                <a:ea typeface="Roboto Slab"/>
+                <a:cs typeface="Roboto Slab"/>
+                <a:sym typeface="Roboto Slab"/>
+              </a:rPr>
+              <a:t>Super easy to use! </a:t>
+            </a:r>
+            <a:endParaRPr sz="1800">
+              <a:solidFill>
+                <a:srgbClr val="222222"/>
+              </a:solidFill>
+              <a:highlight>
+                <a:srgbClr val="FFFFFF"/>
+              </a:highlight>
+              <a:latin typeface="Roboto Slab"/>
+              <a:ea typeface="Roboto Slab"/>
+              <a:cs typeface="Roboto Slab"/>
+              <a:sym typeface="Roboto Slab"/>
+            </a:endParaRPr>
+          </a:p>
+          <a:p>
+            <a:pPr indent="0" lvl="0" marL="0" rtl="0" algn="l">
+              <a:spcBef>
+                <a:spcPts val="600"/>
+              </a:spcBef>
+              <a:spcAft>
+                <a:spcPts val="0"/>
+              </a:spcAft>
+              <a:buNone/>
+            </a:pPr>
+            <a:r>
+              <a:t/>
+            </a:r>
+            <a:endParaRPr sz="1800">
+              <a:solidFill>
+                <a:srgbClr val="222222"/>
+              </a:solidFill>
+              <a:highlight>
+                <a:srgbClr val="FFFFFF"/>
+              </a:highlight>
+              <a:latin typeface="Roboto Slab"/>
+              <a:ea typeface="Roboto Slab"/>
+              <a:cs typeface="Roboto Slab"/>
+              <a:sym typeface="Roboto Slab"/>
+            </a:endParaRPr>
+          </a:p>
+          <a:p>
+            <a:pPr indent="0" lvl="0" marL="0" rtl="0" algn="l">
+              <a:spcBef>
+                <a:spcPts val="600"/>
+              </a:spcBef>
+              <a:spcAft>
+                <a:spcPts val="0"/>
+              </a:spcAft>
+              <a:buNone/>
+            </a:pPr>
+            <a:r>
+              <a:t/>
+            </a:r>
+            <a:endParaRPr sz="1800">
+              <a:solidFill>
+                <a:srgbClr val="222222"/>
+              </a:solidFill>
+              <a:highlight>
+                <a:srgbClr val="FFFFFF"/>
+              </a:highlight>
+              <a:latin typeface="Roboto Slab"/>
+              <a:ea typeface="Roboto Slab"/>
+              <a:cs typeface="Roboto Slab"/>
+              <a:sym typeface="Roboto Slab"/>
+            </a:endParaRPr>
+          </a:p>
+          <a:p>
+            <a:pPr indent="0" lvl="0" marL="0" rtl="0" algn="l">
+              <a:spcBef>
+                <a:spcPts val="600"/>
+              </a:spcBef>
+              <a:spcAft>
+                <a:spcPts val="0"/>
+              </a:spcAft>
+              <a:buNone/>
+            </a:pPr>
+            <a:r>
+              <a:t/>
+            </a:r>
+            <a:endParaRPr sz="1800">
+              <a:solidFill>
+                <a:srgbClr val="222222"/>
+              </a:solidFill>
+              <a:highlight>
+                <a:srgbClr val="FFFFFF"/>
+              </a:highlight>
+              <a:latin typeface="Roboto Slab"/>
+              <a:ea typeface="Roboto Slab"/>
+              <a:cs typeface="Roboto Slab"/>
+              <a:sym typeface="Roboto Slab"/>
+            </a:endParaRPr>
+          </a:p>
+        </p:txBody>
+      </p:sp>
+      <p:sp>
+        <p:nvSpPr>
+          <p:cNvPr id="497" name="Google Shape;497;p70"/>
+          <p:cNvSpPr txBox="1"/>
+          <p:nvPr>
+            <p:ph idx="12" type="sldNum"/>
+          </p:nvPr>
+        </p:nvSpPr>
+        <p:spPr>
+          <a:xfrm>
+            <a:off x="8404384" y="6333134"/>
+            <a:ext cx="548700" cy="525000"/>
+          </a:xfrm>
+          <a:prstGeom prst="rect">
+            <a:avLst/>
+          </a:prstGeom>
+        </p:spPr>
+        <p:txBody>
+          <a:bodyPr anchorCtr="0" anchor="t" bIns="91425" lIns="91425" spcFirstLastPara="1" rIns="91425" wrap="square" tIns="91425">
+            <a:noAutofit/>
+          </a:bodyPr>
+          <a:lstStyle/>
+          <a:p>
             <a:pPr indent="0" lvl="0" marL="0" rtl="0" algn="r">
               <a:spcBef>
                 <a:spcPts val="0"/>
@@ -36274,14 +36145,14 @@
       </p:sp>
       <p:sp>
         <p:nvSpPr>
-          <p:cNvPr id="497" name="Google Shape;497;p70"/>
+          <p:cNvPr id="498" name="Google Shape;498;p70"/>
           <p:cNvSpPr/>
           <p:nvPr/>
         </p:nvSpPr>
         <p:spPr>
           <a:xfrm>
-            <a:off x="901800" y="4356550"/>
-            <a:ext cx="7455900" cy="745500"/>
+            <a:off x="786150" y="3545900"/>
+            <a:ext cx="7340400" cy="1188900"/>
           </a:xfrm>
           <a:prstGeom prst="roundRect">
             <a:avLst>
@@ -36323,7 +36194,7 @@
                 <a:cs typeface="Inconsolata"/>
                 <a:sym typeface="Inconsolata"/>
               </a:rPr>
-              <a:t>jupyter notebook</a:t>
+              <a:t>import pandas as pd</a:t>
             </a:r>
             <a:endParaRPr sz="2400">
               <a:latin typeface="Inconsolata"/>
@@ -36334,73 +36205,34 @@
           </a:p>
         </p:txBody>
       </p:sp>
-      <p:sp>
-        <p:nvSpPr>
-          <p:cNvPr id="498" name="Google Shape;498;p70"/>
-          <p:cNvSpPr/>
+      <p:pic>
+        <p:nvPicPr>
+          <p:cNvPr id="499" name="Google Shape;499;p70"/>
+          <p:cNvPicPr preferRelativeResize="0"/>
           <p:nvPr/>
-        </p:nvSpPr>
-        <p:spPr>
-          <a:xfrm>
-            <a:off x="901800" y="5275750"/>
-            <a:ext cx="7455900" cy="525000"/>
+        </p:nvPicPr>
+        <p:blipFill>
+          <a:blip r:embed="rId3">
+            <a:alphaModFix/>
+          </a:blip>
+          <a:stretch>
+            <a:fillRect/>
+          </a:stretch>
+        </p:blipFill>
+        <p:spPr>
+          <a:xfrm>
+            <a:off x="3159047" y="158825"/>
+            <a:ext cx="1902239" cy="1188899"/>
           </a:xfrm>
           <a:prstGeom prst="rect">
             <a:avLst/>
           </a:prstGeom>
           <a:noFill/>
-          <a:ln cap="flat" cmpd="sng" w="9525">
-            <a:solidFill>
-              <a:srgbClr val="B7B7B7"/>
-            </a:solidFill>
-            <a:prstDash val="solid"/>
-            <a:round/>
-            <a:headEnd len="sm" w="sm" type="none"/>
-            <a:tailEnd len="sm" w="sm" type="none"/>
+          <a:ln>
+            <a:noFill/>
           </a:ln>
         </p:spPr>
-        <p:txBody>
-          <a:bodyPr anchorCtr="0" anchor="ctr" bIns="91425" lIns="91425" spcFirstLastPara="1" rIns="91425" wrap="square" tIns="91425">
-            <a:noAutofit/>
-          </a:bodyPr>
-          <a:lstStyle/>
-          <a:p>
-            <a:pPr indent="0" lvl="0" marL="0" rtl="0" algn="l">
-              <a:spcBef>
-                <a:spcPts val="0"/>
-              </a:spcBef>
-              <a:spcAft>
-                <a:spcPts val="0"/>
-              </a:spcAft>
-              <a:buNone/>
-            </a:pPr>
-            <a:r>
-              <a:rPr lang="en" sz="2000">
-                <a:latin typeface="Roboto Slab"/>
-                <a:ea typeface="Roboto Slab"/>
-                <a:cs typeface="Roboto Slab"/>
-                <a:sym typeface="Roboto Slab"/>
-              </a:rPr>
-              <a:t>l</a:t>
-            </a:r>
-            <a:r>
-              <a:rPr lang="en" sz="2000">
-                <a:latin typeface="Roboto Slab"/>
-                <a:ea typeface="Roboto Slab"/>
-                <a:cs typeface="Roboto Slab"/>
-                <a:sym typeface="Roboto Slab"/>
-              </a:rPr>
-              <a:t>ocalhost:8888 (default port) </a:t>
-            </a:r>
-            <a:endParaRPr sz="2000">
-              <a:latin typeface="Roboto Slab"/>
-              <a:ea typeface="Roboto Slab"/>
-              <a:cs typeface="Roboto Slab"/>
-              <a:sym typeface="Roboto Slab"/>
-            </a:endParaRPr>
-          </a:p>
-        </p:txBody>
-      </p:sp>
+      </p:pic>
     </p:spTree>
   </p:cSld>
   <p:clrMapOvr>
@@ -36414,7 +36246,7 @@
   <p:cSld>
     <p:spTree>
       <p:nvGrpSpPr>
-        <p:cNvPr id="502" name="Shape 502"/>
+        <p:cNvPr id="503" name="Shape 503"/>
         <p:cNvGrpSpPr/>
         <p:nvPr/>
       </p:nvGrpSpPr>
@@ -36428,54 +36260,6 @@
       </p:grpSpPr>
       <p:sp>
         <p:nvSpPr>
-          <p:cNvPr id="503" name="Google Shape;503;p71"/>
-          <p:cNvSpPr txBox="1"/>
-          <p:nvPr>
-            <p:ph idx="4294967295" type="ctrTitle"/>
-          </p:nvPr>
-        </p:nvSpPr>
-        <p:spPr>
-          <a:xfrm>
-            <a:off x="-190925" y="2031625"/>
-            <a:ext cx="9144000" cy="1546500"/>
-          </a:xfrm>
-          <a:prstGeom prst="rect">
-            <a:avLst/>
-          </a:prstGeom>
-        </p:spPr>
-        <p:txBody>
-          <a:bodyPr anchorCtr="0" anchor="b" bIns="91425" lIns="91425" spcFirstLastPara="1" rIns="91425" wrap="square" tIns="91425">
-            <a:noAutofit/>
-          </a:bodyPr>
-          <a:lstStyle/>
-          <a:p>
-            <a:pPr indent="0" lvl="0" marL="0" rtl="0" algn="ctr">
-              <a:spcBef>
-                <a:spcPts val="0"/>
-              </a:spcBef>
-              <a:spcAft>
-                <a:spcPts val="0"/>
-              </a:spcAft>
-              <a:buNone/>
-            </a:pPr>
-            <a:r>
-              <a:rPr b="1" lang="en" sz="6000">
-                <a:solidFill>
-                  <a:srgbClr val="CC0000"/>
-                </a:solidFill>
-              </a:rPr>
-              <a:t>Data Visualization</a:t>
-            </a:r>
-            <a:endParaRPr b="1" sz="6000">
-              <a:solidFill>
-                <a:srgbClr val="CC0000"/>
-              </a:solidFill>
-            </a:endParaRPr>
-          </a:p>
-        </p:txBody>
-      </p:sp>
-      <p:sp>
-        <p:nvSpPr>
           <p:cNvPr id="504" name="Google Shape;504;p71"/>
           <p:cNvSpPr txBox="1"/>
           <p:nvPr>
@@ -36514,16 +36298,24 @@
           </a:p>
         </p:txBody>
       </p:sp>
-      <p:sp>
-        <p:nvSpPr>
+      <p:pic>
+        <p:nvPicPr>
           <p:cNvPr id="505" name="Google Shape;505;p71"/>
-          <p:cNvSpPr txBox="1"/>
+          <p:cNvPicPr preferRelativeResize="0"/>
           <p:nvPr/>
-        </p:nvSpPr>
-        <p:spPr>
-          <a:xfrm>
-            <a:off x="858300" y="3676100"/>
-            <a:ext cx="7427400" cy="904200"/>
+        </p:nvPicPr>
+        <p:blipFill>
+          <a:blip r:embed="rId3">
+            <a:alphaModFix/>
+          </a:blip>
+          <a:stretch>
+            <a:fillRect/>
+          </a:stretch>
+        </p:blipFill>
+        <p:spPr>
+          <a:xfrm>
+            <a:off x="152400" y="1986175"/>
+            <a:ext cx="8839200" cy="3385414"/>
           </a:xfrm>
           <a:prstGeom prst="rect">
             <a:avLst/>
@@ -36533,35 +36325,95 @@
             <a:noFill/>
           </a:ln>
         </p:spPr>
+      </p:pic>
+      <p:sp>
+        <p:nvSpPr>
+          <p:cNvPr id="506" name="Google Shape;506;p71"/>
+          <p:cNvSpPr txBox="1"/>
+          <p:nvPr>
+            <p:ph type="title"/>
+          </p:nvPr>
+        </p:nvSpPr>
+        <p:spPr>
+          <a:xfrm>
+            <a:off x="786150" y="410826"/>
+            <a:ext cx="7571700" cy="936900"/>
+          </a:xfrm>
+          <a:prstGeom prst="rect">
+            <a:avLst/>
+          </a:prstGeom>
+        </p:spPr>
+        <p:txBody>
+          <a:bodyPr anchorCtr="0" anchor="b" bIns="91425" lIns="91425" spcFirstLastPara="1" rIns="91425" wrap="square" tIns="91425">
+            <a:noAutofit/>
+          </a:bodyPr>
+          <a:lstStyle/>
+          <a:p>
+            <a:pPr indent="0" lvl="0" marL="0" rtl="0" algn="l">
+              <a:spcBef>
+                <a:spcPts val="0"/>
+              </a:spcBef>
+              <a:spcAft>
+                <a:spcPts val="0"/>
+              </a:spcAft>
+              <a:buNone/>
+            </a:pPr>
+            <a:r>
+              <a:rPr lang="en"/>
+              <a:t>Pandas Series and DataFrame </a:t>
+            </a:r>
+            <a:endParaRPr/>
+          </a:p>
+        </p:txBody>
+      </p:sp>
+      <p:sp>
+        <p:nvSpPr>
+          <p:cNvPr id="507" name="Google Shape;507;p71"/>
+          <p:cNvSpPr txBox="1"/>
+          <p:nvPr/>
+        </p:nvSpPr>
+        <p:spPr>
+          <a:xfrm>
+            <a:off x="2790450" y="5635475"/>
+            <a:ext cx="3563100" cy="402600"/>
+          </a:xfrm>
+          <a:prstGeom prst="rect">
+            <a:avLst/>
+          </a:prstGeom>
+          <a:noFill/>
+          <a:ln>
+            <a:noFill/>
+          </a:ln>
+        </p:spPr>
         <p:txBody>
           <a:bodyPr anchorCtr="0" anchor="t" bIns="91425" lIns="91425" spcFirstLastPara="1" rIns="91425" wrap="square" tIns="91425">
             <a:noAutofit/>
           </a:bodyPr>
           <a:lstStyle/>
           <a:p>
-            <a:pPr indent="0" lvl="0" marL="0" rtl="0" algn="l">
-              <a:spcBef>
-                <a:spcPts val="0"/>
-              </a:spcBef>
-              <a:spcAft>
-                <a:spcPts val="0"/>
-              </a:spcAft>
-              <a:buNone/>
-            </a:pPr>
-            <a:r>
-              <a:rPr lang="en" sz="2400">
-                <a:latin typeface="Roboto Slab"/>
-                <a:ea typeface="Roboto Slab"/>
-                <a:cs typeface="Roboto Slab"/>
-                <a:sym typeface="Roboto Slab"/>
+            <a:pPr indent="0" lvl="0" marL="0" rtl="0" algn="ctr">
+              <a:spcBef>
+                <a:spcPts val="0"/>
+              </a:spcBef>
+              <a:spcAft>
+                <a:spcPts val="0"/>
+              </a:spcAft>
+              <a:buNone/>
+            </a:pPr>
+            <a:r>
+              <a:rPr lang="en">
+                <a:latin typeface="Source Sans Pro"/>
+                <a:ea typeface="Source Sans Pro"/>
+                <a:cs typeface="Source Sans Pro"/>
+                <a:sym typeface="Source Sans Pro"/>
               </a:rPr>
-              <a:t>Study your data to boost the design of your model.</a:t>
-            </a:r>
-            <a:endParaRPr sz="2400">
-              <a:latin typeface="Roboto Slab"/>
-              <a:ea typeface="Roboto Slab"/>
-              <a:cs typeface="Roboto Slab"/>
-              <a:sym typeface="Roboto Slab"/>
+              <a:t>Picture from LearnDataSci</a:t>
+            </a:r>
+            <a:endParaRPr>
+              <a:latin typeface="Source Sans Pro"/>
+              <a:ea typeface="Source Sans Pro"/>
+              <a:cs typeface="Source Sans Pro"/>
+              <a:sym typeface="Source Sans Pro"/>
             </a:endParaRPr>
           </a:p>
         </p:txBody>
@@ -36579,7 +36431,7 @@
   <p:cSld>
     <p:spTree>
       <p:nvGrpSpPr>
-        <p:cNvPr id="509" name="Shape 509"/>
+        <p:cNvPr id="511" name="Shape 511"/>
         <p:cNvGrpSpPr/>
         <p:nvPr/>
       </p:nvGrpSpPr>
@@ -36593,7 +36445,7 @@
       </p:grpSpPr>
       <p:sp>
         <p:nvSpPr>
-          <p:cNvPr id="510" name="Google Shape;510;p72"/>
+          <p:cNvPr id="512" name="Google Shape;512;p72"/>
           <p:cNvSpPr txBox="1"/>
           <p:nvPr>
             <p:ph type="title"/>
@@ -36625,7 +36477,7 @@
             </a:pPr>
             <a:r>
               <a:rPr lang="en"/>
-              <a:t>Introduction to </a:t>
+              <a:t>Pandas DataFrames </a:t>
             </a:r>
             <a:endParaRPr/>
           </a:p>
@@ -36633,7 +36485,7 @@
       </p:sp>
       <p:sp>
         <p:nvSpPr>
-          <p:cNvPr id="511" name="Google Shape;511;p72"/>
+          <p:cNvPr id="513" name="Google Shape;513;p72"/>
           <p:cNvSpPr txBox="1"/>
           <p:nvPr>
             <p:ph idx="1" type="body"/>
@@ -36641,8 +36493,8 @@
         </p:nvSpPr>
         <p:spPr>
           <a:xfrm>
-            <a:off x="786150" y="1682267"/>
-            <a:ext cx="7571700" cy="4764900"/>
+            <a:off x="786150" y="1682275"/>
+            <a:ext cx="7908900" cy="4764900"/>
           </a:xfrm>
           <a:prstGeom prst="rect">
             <a:avLst/>
@@ -36665,86 +36517,78 @@
             </a:pPr>
             <a:r>
               <a:rPr lang="en" sz="1800">
-                <a:solidFill>
-                  <a:srgbClr val="222222"/>
-                </a:solidFill>
-                <a:highlight>
-                  <a:srgbClr val="FFFFFF"/>
-                </a:highlight>
                 <a:latin typeface="Roboto Slab"/>
                 <a:ea typeface="Roboto Slab"/>
                 <a:cs typeface="Roboto Slab"/>
                 <a:sym typeface="Roboto Slab"/>
               </a:rPr>
-              <a:t>Open source data manipulation and analysis </a:t>
-            </a:r>
-            <a:r>
-              <a:rPr b="1" lang="en" sz="1800">
-                <a:solidFill>
-                  <a:srgbClr val="222222"/>
-                </a:solidFill>
-                <a:highlight>
-                  <a:srgbClr val="FFFFFF"/>
-                </a:highlight>
+              <a:t>2D labeled data structure with columns of potentially different types.</a:t>
+            </a:r>
+            <a:endParaRPr sz="1800">
+              <a:latin typeface="Roboto Slab"/>
+              <a:ea typeface="Roboto Slab"/>
+              <a:cs typeface="Roboto Slab"/>
+              <a:sym typeface="Roboto Slab"/>
+            </a:endParaRPr>
+          </a:p>
+          <a:p>
+            <a:pPr indent="0" lvl="0" marL="0" rtl="0" algn="l">
+              <a:spcBef>
+                <a:spcPts val="600"/>
+              </a:spcBef>
+              <a:spcAft>
+                <a:spcPts val="0"/>
+              </a:spcAft>
+              <a:buNone/>
+            </a:pPr>
+            <a:r>
+              <a:t/>
+            </a:r>
+            <a:endParaRPr sz="1800">
+              <a:latin typeface="Roboto Slab"/>
+              <a:ea typeface="Roboto Slab"/>
+              <a:cs typeface="Roboto Slab"/>
+              <a:sym typeface="Roboto Slab"/>
+            </a:endParaRPr>
+          </a:p>
+          <a:p>
+            <a:pPr indent="0" lvl="0" marL="0" rtl="0" algn="l">
+              <a:spcBef>
+                <a:spcPts val="600"/>
+              </a:spcBef>
+              <a:spcAft>
+                <a:spcPts val="0"/>
+              </a:spcAft>
+              <a:buNone/>
+            </a:pPr>
+            <a:r>
+              <a:rPr lang="en" sz="1800">
                 <a:latin typeface="Roboto Slab"/>
                 <a:ea typeface="Roboto Slab"/>
                 <a:cs typeface="Roboto Slab"/>
                 <a:sym typeface="Roboto Slab"/>
               </a:rPr>
-              <a:t>library</a:t>
-            </a:r>
-            <a:r>
-              <a:rPr lang="en" sz="1800">
-                <a:solidFill>
-                  <a:srgbClr val="222222"/>
-                </a:solidFill>
-                <a:highlight>
-                  <a:srgbClr val="FFFFFF"/>
-                </a:highlight>
+              <a:t>Numerical DataFrame can easily be converted to </a:t>
+            </a:r>
+            <a:r>
+              <a:rPr b="1" lang="en" sz="1800">
                 <a:latin typeface="Roboto Slab"/>
                 <a:ea typeface="Roboto Slab"/>
                 <a:cs typeface="Roboto Slab"/>
                 <a:sym typeface="Roboto Slab"/>
               </a:rPr>
-              <a:t> for the </a:t>
-            </a:r>
-            <a:r>
-              <a:rPr b="1" lang="en" sz="1800">
-                <a:solidFill>
-                  <a:srgbClr val="222222"/>
-                </a:solidFill>
-                <a:highlight>
-                  <a:srgbClr val="FFFFFF"/>
-                </a:highlight>
+              <a:t>numpy</a:t>
+            </a:r>
+            <a:r>
+              <a:rPr lang="en" sz="1800">
                 <a:latin typeface="Roboto Slab"/>
                 <a:ea typeface="Roboto Slab"/>
                 <a:cs typeface="Roboto Slab"/>
                 <a:sym typeface="Roboto Slab"/>
               </a:rPr>
-              <a:t>Python</a:t>
-            </a:r>
-            <a:r>
-              <a:rPr lang="en" sz="1800">
-                <a:solidFill>
-                  <a:srgbClr val="222222"/>
-                </a:solidFill>
-                <a:highlight>
-                  <a:srgbClr val="FFFFFF"/>
-                </a:highlight>
-                <a:latin typeface="Roboto Slab"/>
-                <a:ea typeface="Roboto Slab"/>
-                <a:cs typeface="Roboto Slab"/>
-                <a:sym typeface="Roboto Slab"/>
-              </a:rPr>
-              <a:t>. </a:t>
+              <a:t> arrays.</a:t>
             </a:r>
             <a:endParaRPr sz="1800">
-              <a:solidFill>
-                <a:srgbClr val="222222"/>
-              </a:solidFill>
-              <a:highlight>
-                <a:srgbClr val="FFFFFF"/>
-              </a:highlight>
               <a:latin typeface="Roboto Slab"/>
               <a:ea typeface="Roboto Slab"/>
               <a:cs typeface="Roboto Slab"/>
@@ -36765,139 +36609,17 @@
               <a:t/>
             </a:r>
             <a:endParaRPr sz="1800">
-              <a:solidFill>
-                <a:srgbClr val="222222"/>
-              </a:solidFill>
-              <a:highlight>
-                <a:srgbClr val="FFFFFF"/>
-              </a:highlight>
               <a:latin typeface="Roboto Slab"/>
               <a:ea typeface="Roboto Slab"/>
               <a:cs typeface="Roboto Slab"/>
               <a:sym typeface="Roboto Slab"/>
             </a:endParaRPr>
           </a:p>
-          <a:p>
-            <a:pPr indent="0" lvl="0" marL="0" rtl="0" algn="l">
-              <a:spcBef>
-                <a:spcPts val="600"/>
-              </a:spcBef>
-              <a:spcAft>
-                <a:spcPts val="0"/>
-              </a:spcAft>
-              <a:buNone/>
-            </a:pPr>
-            <a:r>
-              <a:rPr lang="en" sz="1800">
-                <a:solidFill>
-                  <a:srgbClr val="222222"/>
-                </a:solidFill>
-                <a:highlight>
-                  <a:srgbClr val="FFFFFF"/>
-                </a:highlight>
-                <a:latin typeface="Roboto Slab"/>
-                <a:ea typeface="Roboto Slab"/>
-                <a:cs typeface="Roboto Slab"/>
-                <a:sym typeface="Roboto Slab"/>
-              </a:rPr>
-              <a:t>Super easy to use! </a:t>
-            </a:r>
-            <a:endParaRPr sz="1800">
-              <a:solidFill>
-                <a:srgbClr val="222222"/>
-              </a:solidFill>
-              <a:highlight>
-                <a:srgbClr val="FFFFFF"/>
-              </a:highlight>
-              <a:latin typeface="Roboto Slab"/>
-              <a:ea typeface="Roboto Slab"/>
-              <a:cs typeface="Roboto Slab"/>
-              <a:sym typeface="Roboto Slab"/>
-            </a:endParaRPr>
-          </a:p>
-          <a:p>
-            <a:pPr indent="0" lvl="0" marL="0" rtl="0" algn="l">
-              <a:spcBef>
-                <a:spcPts val="600"/>
-              </a:spcBef>
-              <a:spcAft>
-                <a:spcPts val="0"/>
-              </a:spcAft>
-              <a:buNone/>
-            </a:pPr>
-            <a:r>
-              <a:t/>
-            </a:r>
-            <a:endParaRPr sz="1800">
-              <a:solidFill>
-                <a:srgbClr val="222222"/>
-              </a:solidFill>
-              <a:highlight>
-                <a:srgbClr val="FFFFFF"/>
-              </a:highlight>
-              <a:latin typeface="Roboto Slab"/>
-              <a:ea typeface="Roboto Slab"/>
-              <a:cs typeface="Roboto Slab"/>
-              <a:sym typeface="Roboto Slab"/>
-            </a:endParaRPr>
-          </a:p>
-          <a:p>
-            <a:pPr indent="0" lvl="0" marL="0" rtl="0" algn="l">
-              <a:spcBef>
-                <a:spcPts val="600"/>
-              </a:spcBef>
-              <a:spcAft>
-                <a:spcPts val="0"/>
-              </a:spcAft>
-              <a:buNone/>
-            </a:pPr>
-            <a:r>
-              <a:t/>
-            </a:r>
-            <a:endParaRPr sz="1800">
-              <a:solidFill>
-                <a:srgbClr val="222222"/>
-              </a:solidFill>
-              <a:highlight>
-                <a:srgbClr val="FFFFFF"/>
-              </a:highlight>
-              <a:latin typeface="Roboto Slab"/>
-              <a:ea typeface="Roboto Slab"/>
-              <a:cs typeface="Roboto Slab"/>
-              <a:sym typeface="Roboto Slab"/>
-            </a:endParaRPr>
-          </a:p>
-          <a:p>
-            <a:pPr indent="0" lvl="0" marL="0" rtl="0" algn="l">
-              <a:spcBef>
-                <a:spcPts val="600"/>
-              </a:spcBef>
-              <a:spcAft>
-                <a:spcPts val="0"/>
-              </a:spcAft>
-              <a:buNone/>
-            </a:pPr>
-            <a:r>
-              <a:t/>
-            </a:r>
-            <a:endParaRPr sz="1800">
-              <a:solidFill>
-                <a:srgbClr val="222222"/>
-              </a:solidFill>
-              <a:highlight>
-                <a:srgbClr val="FFFFFF"/>
-              </a:highlight>
-              <a:latin typeface="Roboto Slab"/>
-              <a:ea typeface="Roboto Slab"/>
-              <a:cs typeface="Roboto Slab"/>
-              <a:sym typeface="Roboto Slab"/>
-            </a:endParaRPr>
-          </a:p>
         </p:txBody>
       </p:sp>
       <p:sp>
         <p:nvSpPr>
-          <p:cNvPr id="512" name="Google Shape;512;p72"/>
+          <p:cNvPr id="514" name="Google Shape;514;p72"/>
           <p:cNvSpPr txBox="1"/>
           <p:nvPr>
             <p:ph idx="12" type="sldNum"/>
@@ -36935,86 +36657,23 @@
           </a:p>
         </p:txBody>
       </p:sp>
-      <p:sp>
-        <p:nvSpPr>
-          <p:cNvPr id="513" name="Google Shape;513;p72"/>
-          <p:cNvSpPr/>
-          <p:nvPr/>
-        </p:nvSpPr>
-        <p:spPr>
-          <a:xfrm>
-            <a:off x="786150" y="3545900"/>
-            <a:ext cx="7340400" cy="1188900"/>
-          </a:xfrm>
-          <a:prstGeom prst="roundRect">
-            <a:avLst>
-              <a:gd fmla="val 16667" name="adj"/>
-            </a:avLst>
-          </a:prstGeom>
-          <a:solidFill>
-            <a:srgbClr val="F3F3F3"/>
-          </a:solidFill>
-          <a:ln cap="flat" cmpd="sng" w="9525">
-            <a:solidFill>
-              <a:schemeClr val="dk2"/>
-            </a:solidFill>
-            <a:prstDash val="solid"/>
-            <a:round/>
-            <a:headEnd len="sm" w="sm" type="none"/>
-            <a:tailEnd len="sm" w="sm" type="none"/>
-          </a:ln>
-        </p:spPr>
-        <p:txBody>
-          <a:bodyPr anchorCtr="0" anchor="ctr" bIns="91425" lIns="274300" spcFirstLastPara="1" rIns="91425" wrap="square" tIns="91425">
-            <a:noAutofit/>
-          </a:bodyPr>
-          <a:lstStyle/>
-          <a:p>
-            <a:pPr indent="0" lvl="0" marL="0" rtl="0" algn="l">
-              <a:spcBef>
-                <a:spcPts val="0"/>
-              </a:spcBef>
-              <a:spcAft>
-                <a:spcPts val="0"/>
-              </a:spcAft>
-              <a:buNone/>
-            </a:pPr>
-            <a:r>
-              <a:rPr lang="en" sz="2400">
-                <a:latin typeface="Inconsolata"/>
-                <a:ea typeface="Inconsolata"/>
-                <a:cs typeface="Inconsolata"/>
-                <a:sym typeface="Inconsolata"/>
-              </a:rPr>
-              <a:t>import pandas as pd</a:t>
-            </a:r>
-            <a:endParaRPr sz="2400">
-              <a:latin typeface="Inconsolata"/>
-              <a:ea typeface="Inconsolata"/>
-              <a:cs typeface="Inconsolata"/>
-              <a:sym typeface="Inconsolata"/>
-            </a:endParaRPr>
-          </a:p>
-        </p:txBody>
-      </p:sp>
       <p:pic>
         <p:nvPicPr>
-          <p:cNvPr id="514" name="Google Shape;514;p72"/>
+          <p:cNvPr id="515" name="Google Shape;515;p72"/>
           <p:cNvPicPr preferRelativeResize="0"/>
           <p:nvPr/>
         </p:nvPicPr>
-        <p:blipFill>
+        <p:blipFill rotWithShape="1">
           <a:blip r:embed="rId3">
             <a:alphaModFix/>
           </a:blip>
-          <a:stretch>
-            <a:fillRect/>
-          </a:stretch>
+          <a:srcRect b="4671" l="2429" r="2277" t="0"/>
+          <a:stretch/>
         </p:blipFill>
         <p:spPr>
           <a:xfrm>
-            <a:off x="3159047" y="158825"/>
-            <a:ext cx="1902239" cy="1188899"/>
+            <a:off x="1533575" y="3095000"/>
+            <a:ext cx="5772425" cy="3238125"/>
           </a:xfrm>
           <a:prstGeom prst="rect">
             <a:avLst/>
@@ -37038,7 +36697,7 @@
   <p:cSld>
     <p:spTree>
       <p:nvGrpSpPr>
-        <p:cNvPr id="518" name="Shape 518"/>
+        <p:cNvPr id="519" name="Shape 519"/>
         <p:cNvGrpSpPr/>
         <p:nvPr/>
       </p:nvGrpSpPr>
@@ -37052,7 +36711,72 @@
       </p:grpSpPr>
       <p:sp>
         <p:nvSpPr>
-          <p:cNvPr id="519" name="Google Shape;519;p73"/>
+          <p:cNvPr id="520" name="Google Shape;520;p73"/>
+          <p:cNvSpPr txBox="1"/>
+          <p:nvPr>
+            <p:ph type="title"/>
+          </p:nvPr>
+        </p:nvSpPr>
+        <p:spPr>
+          <a:xfrm>
+            <a:off x="786150" y="410826"/>
+            <a:ext cx="7571700" cy="936900"/>
+          </a:xfrm>
+          <a:prstGeom prst="rect">
+            <a:avLst/>
+          </a:prstGeom>
+        </p:spPr>
+        <p:txBody>
+          <a:bodyPr anchorCtr="0" anchor="b" bIns="91425" lIns="91425" spcFirstLastPara="1" rIns="91425" wrap="square" tIns="91425">
+            <a:noAutofit/>
+          </a:bodyPr>
+          <a:lstStyle/>
+          <a:p>
+            <a:pPr indent="0" lvl="0" marL="0" rtl="0" algn="l">
+              <a:spcBef>
+                <a:spcPts val="0"/>
+              </a:spcBef>
+              <a:spcAft>
+                <a:spcPts val="0"/>
+              </a:spcAft>
+              <a:buNone/>
+            </a:pPr>
+            <a:r>
+              <a:rPr lang="en"/>
+              <a:t>Basic Pandas Commands</a:t>
+            </a:r>
+            <a:endParaRPr/>
+          </a:p>
+          <a:p>
+            <a:pPr indent="0" lvl="0" marL="0" rtl="0" algn="l">
+              <a:spcBef>
+                <a:spcPts val="0"/>
+              </a:spcBef>
+              <a:spcAft>
+                <a:spcPts val="0"/>
+              </a:spcAft>
+              <a:buClr>
+                <a:schemeClr val="dk1"/>
+              </a:buClr>
+              <a:buSzPts val="1100"/>
+              <a:buFont typeface="Arial"/>
+              <a:buNone/>
+            </a:pPr>
+            <a:r>
+              <a:rPr lang="en" sz="1800">
+                <a:solidFill>
+                  <a:schemeClr val="dk1"/>
+                </a:solidFill>
+              </a:rPr>
+              <a:t>Create dataframe and show first few rows</a:t>
+            </a:r>
+            <a:endParaRPr sz="1800"/>
+          </a:p>
+        </p:txBody>
+      </p:sp>
+      <p:sp>
+        <p:nvSpPr>
+          <p:cNvPr id="521" name="Google Shape;521;p73"/>
           <p:cNvSpPr txBox="1"/>
           <p:nvPr>
             <p:ph idx="12" type="sldNum"/>
@@ -37092,22 +36816,21 @@
       </p:sp>
       <p:pic>
         <p:nvPicPr>
-          <p:cNvPr id="520" name="Google Shape;520;p73"/>
+          <p:cNvPr id="522" name="Google Shape;522;p73"/>
           <p:cNvPicPr preferRelativeResize="0"/>
           <p:nvPr/>
         </p:nvPicPr>
-        <p:blipFill>
+        <p:blipFill rotWithShape="1">
           <a:blip r:embed="rId3">
             <a:alphaModFix/>
           </a:blip>
-          <a:stretch>
-            <a:fillRect/>
-          </a:stretch>
+          <a:srcRect b="58679" l="0" r="0" t="0"/>
+          <a:stretch/>
         </p:blipFill>
         <p:spPr>
           <a:xfrm>
-            <a:off x="152400" y="1986175"/>
-            <a:ext cx="8839200" cy="3385414"/>
+            <a:off x="436400" y="2218025"/>
+            <a:ext cx="8271201" cy="2708770"/>
           </a:xfrm>
           <a:prstGeom prst="rect">
             <a:avLst/>
@@ -37118,98 +36841,6 @@
           </a:ln>
         </p:spPr>
       </p:pic>
-      <p:sp>
-        <p:nvSpPr>
-          <p:cNvPr id="521" name="Google Shape;521;p73"/>
-          <p:cNvSpPr txBox="1"/>
-          <p:nvPr>
-            <p:ph type="title"/>
-          </p:nvPr>
-        </p:nvSpPr>
-        <p:spPr>
-          <a:xfrm>
-            <a:off x="786150" y="410826"/>
-            <a:ext cx="7571700" cy="936900"/>
-          </a:xfrm>
-          <a:prstGeom prst="rect">
-            <a:avLst/>
-          </a:prstGeom>
-        </p:spPr>
-        <p:txBody>
-          <a:bodyPr anchorCtr="0" anchor="b" bIns="91425" lIns="91425" spcFirstLastPara="1" rIns="91425" wrap="square" tIns="91425">
-            <a:noAutofit/>
-          </a:bodyPr>
-          <a:lstStyle/>
-          <a:p>
-            <a:pPr indent="0" lvl="0" marL="0" rtl="0" algn="l">
-              <a:spcBef>
-                <a:spcPts val="0"/>
-              </a:spcBef>
-              <a:spcAft>
-                <a:spcPts val="0"/>
-              </a:spcAft>
-              <a:buNone/>
-            </a:pPr>
-            <a:r>
-              <a:rPr lang="en"/>
-              <a:t>Pandas Series and DataFrame </a:t>
-            </a:r>
-            <a:endParaRPr/>
-          </a:p>
-        </p:txBody>
-      </p:sp>
-      <p:sp>
-        <p:nvSpPr>
-          <p:cNvPr id="522" name="Google Shape;522;p73"/>
-          <p:cNvSpPr txBox="1"/>
-          <p:nvPr/>
-        </p:nvSpPr>
-        <p:spPr>
-          <a:xfrm>
-            <a:off x="2790450" y="5635475"/>
-            <a:ext cx="3563100" cy="402600"/>
-          </a:xfrm>
-          <a:prstGeom prst="rect">
-            <a:avLst/>
-          </a:prstGeom>
-          <a:noFill/>
-          <a:ln>
-            <a:noFill/>
-          </a:ln>
-        </p:spPr>
-        <p:txBody>
-          <a:bodyPr anchorCtr="0" anchor="t" bIns="91425" lIns="91425" spcFirstLastPara="1" rIns="91425" wrap="square" tIns="91425">
-            <a:noAutofit/>
-          </a:bodyPr>
-          <a:lstStyle/>
-          <a:p>
-            <a:pPr indent="0" lvl="0" marL="0" rtl="0" algn="ctr">
-              <a:spcBef>
-                <a:spcPts val="0"/>
-              </a:spcBef>
-              <a:spcAft>
-                <a:spcPts val="0"/>
-              </a:spcAft>
-              <a:buNone/>
-            </a:pPr>
-            <a:r>
-              <a:rPr lang="en">
-                <a:latin typeface="Source Sans Pro"/>
-                <a:ea typeface="Source Sans Pro"/>
-                <a:cs typeface="Source Sans Pro"/>
-                <a:sym typeface="Source Sans Pro"/>
-              </a:rPr>
-              <a:t>Picture from LearnDataSci</a:t>
-            </a:r>
-            <a:endParaRPr>
-              <a:latin typeface="Source Sans Pro"/>
-              <a:ea typeface="Source Sans Pro"/>
-              <a:cs typeface="Source Sans Pro"/>
-              <a:sym typeface="Source Sans Pro"/>
-            </a:endParaRPr>
-          </a:p>
-        </p:txBody>
-      </p:sp>
     </p:spTree>
   </p:cSld>
   <p:clrMapOvr>
@@ -37397,9 +37028,34 @@
             </a:pPr>
             <a:r>
               <a:rPr lang="en"/>
-              <a:t>Pandas DataFrames </a:t>
+              <a:t>Basic Pandas Commands</a:t>
             </a:r>
             <a:endParaRPr/>
+          </a:p>
+          <a:p>
+            <a:pPr indent="0" lvl="0" marL="0" rtl="0" algn="l">
+              <a:spcBef>
+                <a:spcPts val="0"/>
+              </a:spcBef>
+              <a:spcAft>
+                <a:spcPts val="0"/>
+              </a:spcAft>
+              <a:buClr>
+                <a:schemeClr val="dk1"/>
+              </a:buClr>
+              <a:buSzPts val="1100"/>
+              <a:buFont typeface="Arial"/>
+              <a:buNone/>
+            </a:pPr>
+            <a:r>
+              <a:rPr lang="en" sz="1800">
+                <a:solidFill>
+                  <a:schemeClr val="dk1"/>
+                </a:solidFill>
+              </a:rPr>
+              <a:t>Show first few rows</a:t>
+            </a:r>
+            <a:endParaRPr sz="1800"/>
           </a:p>
         </p:txBody>
       </p:sp>
@@ -37408,13 +37064,13 @@
           <p:cNvPr id="528" name="Google Shape;528;p74"/>
           <p:cNvSpPr txBox="1"/>
           <p:nvPr>
-            <p:ph idx="1" type="body"/>
+            <p:ph idx="12" type="sldNum"/>
           </p:nvPr>
         </p:nvSpPr>
         <p:spPr>
           <a:xfrm>
-            <a:off x="786150" y="1682275"/>
-            <a:ext cx="7908900" cy="4764900"/>
+            <a:off x="8404384" y="6333134"/>
+            <a:ext cx="548700" cy="525000"/>
           </a:xfrm>
           <a:prstGeom prst="rect">
             <a:avLst/>
@@ -37426,140 +37082,6 @@
           </a:bodyPr>
           <a:lstStyle/>
           <a:p>
-            <a:pPr indent="0" lvl="0" marL="0" rtl="0" algn="l">
-              <a:spcBef>
-                <a:spcPts val="600"/>
-              </a:spcBef>
-              <a:spcAft>
-                <a:spcPts val="0"/>
-              </a:spcAft>
-              <a:buNone/>
-            </a:pPr>
-            <a:r>
-              <a:rPr lang="en" sz="1800">
-                <a:latin typeface="Roboto Slab"/>
-                <a:ea typeface="Roboto Slab"/>
-                <a:cs typeface="Roboto Slab"/>
-                <a:sym typeface="Roboto Slab"/>
-              </a:rPr>
-              <a:t>2D labeled data structure with columns of potentially different types.</a:t>
-            </a:r>
-            <a:endParaRPr sz="1800">
-              <a:latin typeface="Roboto Slab"/>
-              <a:ea typeface="Roboto Slab"/>
-              <a:cs typeface="Roboto Slab"/>
-              <a:sym typeface="Roboto Slab"/>
-            </a:endParaRPr>
-          </a:p>
-          <a:p>
-            <a:pPr indent="0" lvl="0" marL="0" rtl="0" algn="l">
-              <a:spcBef>
-                <a:spcPts val="600"/>
-              </a:spcBef>
-              <a:spcAft>
-                <a:spcPts val="0"/>
-              </a:spcAft>
-              <a:buNone/>
-            </a:pPr>
-            <a:r>
-              <a:t/>
-            </a:r>
-            <a:endParaRPr sz="1800">
-              <a:latin typeface="Roboto Slab"/>
-              <a:ea typeface="Roboto Slab"/>
-              <a:cs typeface="Roboto Slab"/>
-              <a:sym typeface="Roboto Slab"/>
-            </a:endParaRPr>
-          </a:p>
-          <a:p>
-            <a:pPr indent="0" lvl="0" marL="0" rtl="0" algn="l">
-              <a:spcBef>
-                <a:spcPts val="600"/>
-              </a:spcBef>
-              <a:spcAft>
-                <a:spcPts val="0"/>
-              </a:spcAft>
-              <a:buNone/>
-            </a:pPr>
-            <a:r>
-              <a:rPr lang="en" sz="1800">
-                <a:latin typeface="Roboto Slab"/>
-                <a:ea typeface="Roboto Slab"/>
-                <a:cs typeface="Roboto Slab"/>
-                <a:sym typeface="Roboto Slab"/>
-              </a:rPr>
-              <a:t>Numerical DataFrame can easily be converted to </a:t>
-            </a:r>
-            <a:r>
-              <a:rPr b="1" lang="en" sz="1800">
-                <a:latin typeface="Roboto Slab"/>
-                <a:ea typeface="Roboto Slab"/>
-                <a:cs typeface="Roboto Slab"/>
-                <a:sym typeface="Roboto Slab"/>
-              </a:rPr>
-              <a:t>numpy</a:t>
-            </a:r>
-            <a:r>
-              <a:rPr lang="en" sz="1800">
-                <a:latin typeface="Roboto Slab"/>
-                <a:ea typeface="Roboto Slab"/>
-                <a:cs typeface="Roboto Slab"/>
-                <a:sym typeface="Roboto Slab"/>
-              </a:rPr>
-              <a:t> arrays.</a:t>
-            </a:r>
-            <a:endParaRPr sz="1800">
-              <a:latin typeface="Roboto Slab"/>
-              <a:ea typeface="Roboto Slab"/>
-              <a:cs typeface="Roboto Slab"/>
-              <a:sym typeface="Roboto Slab"/>
-            </a:endParaRPr>
-          </a:p>
-          <a:p>
-            <a:pPr indent="0" lvl="0" marL="0" rtl="0" algn="l">
-              <a:spcBef>
-                <a:spcPts val="600"/>
-              </a:spcBef>
-              <a:spcAft>
-                <a:spcPts val="0"/>
-              </a:spcAft>
-              <a:buNone/>
-            </a:pPr>
-            <a:r>
-              <a:t/>
-            </a:r>
-            <a:endParaRPr sz="1800">
-              <a:latin typeface="Roboto Slab"/>
-              <a:ea typeface="Roboto Slab"/>
-              <a:cs typeface="Roboto Slab"/>
-              <a:sym typeface="Roboto Slab"/>
-            </a:endParaRPr>
-          </a:p>
-        </p:txBody>
-      </p:sp>
-      <p:sp>
-        <p:nvSpPr>
-          <p:cNvPr id="529" name="Google Shape;529;p74"/>
-          <p:cNvSpPr txBox="1"/>
-          <p:nvPr>
-            <p:ph idx="12" type="sldNum"/>
-          </p:nvPr>
-        </p:nvSpPr>
-        <p:spPr>
-          <a:xfrm>
-            <a:off x="8404384" y="6333134"/>
-            <a:ext cx="548700" cy="525000"/>
-          </a:xfrm>
-          <a:prstGeom prst="rect">
-            <a:avLst/>
-          </a:prstGeom>
-        </p:spPr>
-        <p:txBody>
-          <a:bodyPr anchorCtr="0" anchor="t" bIns="91425" lIns="91425" spcFirstLastPara="1" rIns="91425" wrap="square" tIns="91425">
-            <a:noAutofit/>
-          </a:bodyPr>
-          <a:lstStyle/>
-          <a:p>
             <a:pPr indent="0" lvl="0" marL="0" rtl="0" algn="r">
               <a:spcBef>
                 <a:spcPts val="0"/>
@@ -37579,7 +37101,7 @@
       </p:sp>
       <p:pic>
         <p:nvPicPr>
-          <p:cNvPr id="530" name="Google Shape;530;p74"/>
+          <p:cNvPr id="529" name="Google Shape;529;p74"/>
           <p:cNvPicPr preferRelativeResize="0"/>
           <p:nvPr/>
         </p:nvPicPr>
@@ -37587,13 +37109,13 @@
           <a:blip r:embed="rId3">
             <a:alphaModFix/>
           </a:blip>
-          <a:srcRect b="4671" l="2429" r="2277" t="0"/>
+          <a:srcRect b="1077" l="0" r="0" t="40357"/>
           <a:stretch/>
         </p:blipFill>
         <p:spPr>
           <a:xfrm>
-            <a:off x="1533575" y="3095000"/>
-            <a:ext cx="5772425" cy="3238125"/>
+            <a:off x="436400" y="1835100"/>
+            <a:ext cx="8271201" cy="3839300"/>
           </a:xfrm>
           <a:prstGeom prst="rect">
             <a:avLst/>
@@ -37617,7 +37139,7 @@
   <p:cSld>
     <p:spTree>
       <p:nvGrpSpPr>
-        <p:cNvPr id="534" name="Shape 534"/>
+        <p:cNvPr id="533" name="Shape 533"/>
         <p:cNvGrpSpPr/>
         <p:nvPr/>
       </p:nvGrpSpPr>
@@ -37631,7 +37153,7 @@
       </p:grpSpPr>
       <p:sp>
         <p:nvSpPr>
-          <p:cNvPr id="535" name="Google Shape;535;p75"/>
+          <p:cNvPr id="534" name="Google Shape;534;p75"/>
           <p:cNvSpPr txBox="1"/>
           <p:nvPr>
             <p:ph type="title"/>
@@ -37675,28 +37197,27 @@
               <a:spcAft>
                 <a:spcPts val="0"/>
               </a:spcAft>
-              <a:buClr>
-                <a:schemeClr val="dk1"/>
-              </a:buClr>
-              <a:buSzPts val="1100"/>
-              <a:buFont typeface="Arial"/>
               <a:buNone/>
             </a:pPr>
             <a:r>
               <a:rPr lang="en" sz="1800">
                 <a:solidFill>
-                  <a:schemeClr val="dk1"/>
+                  <a:srgbClr val="000000"/>
                 </a:solidFill>
               </a:rPr>
-              <a:t>Create dataframe and show first few rows</a:t>
-            </a:r>
-            <a:endParaRPr sz="1800"/>
+              <a:t>Create your dataframe from numpy arrays and name the columns</a:t>
+            </a:r>
+            <a:endParaRPr sz="1800">
+              <a:solidFill>
+                <a:srgbClr val="000000"/>
+              </a:solidFill>
+            </a:endParaRPr>
           </a:p>
         </p:txBody>
       </p:sp>
       <p:sp>
         <p:nvSpPr>
-          <p:cNvPr id="536" name="Google Shape;536;p75"/>
+          <p:cNvPr id="535" name="Google Shape;535;p75"/>
           <p:cNvSpPr txBox="1"/>
           <p:nvPr>
             <p:ph idx="12" type="sldNum"/>
@@ -37736,7 +37257,7 @@
       </p:sp>
       <p:pic>
         <p:nvPicPr>
-          <p:cNvPr id="537" name="Google Shape;537;p75"/>
+          <p:cNvPr id="536" name="Google Shape;536;p75"/>
           <p:cNvPicPr preferRelativeResize="0"/>
           <p:nvPr/>
         </p:nvPicPr>
@@ -37744,13 +37265,13 @@
           <a:blip r:embed="rId3">
             <a:alphaModFix/>
           </a:blip>
-          <a:srcRect b="58679" l="0" r="0" t="0"/>
+          <a:srcRect b="71677" l="0" r="0" t="0"/>
           <a:stretch/>
         </p:blipFill>
         <p:spPr>
           <a:xfrm>
-            <a:off x="436400" y="2218025"/>
-            <a:ext cx="8271201" cy="2708770"/>
+            <a:off x="465675" y="2485250"/>
+            <a:ext cx="8212651" cy="1735599"/>
           </a:xfrm>
           <a:prstGeom prst="rect">
             <a:avLst/>
@@ -37774,7 +37295,7 @@
   <p:cSld>
     <p:spTree>
       <p:nvGrpSpPr>
-        <p:cNvPr id="541" name="Shape 541"/>
+        <p:cNvPr id="540" name="Shape 540"/>
         <p:cNvGrpSpPr/>
         <p:nvPr/>
       </p:nvGrpSpPr>
@@ -37788,7 +37309,7 @@
       </p:grpSpPr>
       <p:sp>
         <p:nvSpPr>
-          <p:cNvPr id="542" name="Google Shape;542;p76"/>
+          <p:cNvPr id="541" name="Google Shape;541;p76"/>
           <p:cNvSpPr txBox="1"/>
           <p:nvPr>
             <p:ph type="title"/>
@@ -37832,28 +37353,27 @@
               <a:spcAft>
                 <a:spcPts val="0"/>
               </a:spcAft>
-              <a:buClr>
-                <a:schemeClr val="dk1"/>
-              </a:buClr>
-              <a:buSzPts val="1100"/>
-              <a:buFont typeface="Arial"/>
               <a:buNone/>
             </a:pPr>
             <a:r>
               <a:rPr lang="en" sz="1800">
                 <a:solidFill>
-                  <a:schemeClr val="dk1"/>
+                  <a:srgbClr val="000000"/>
                 </a:solidFill>
               </a:rPr>
-              <a:t>Show first few rows</a:t>
-            </a:r>
-            <a:endParaRPr sz="1800"/>
+              <a:t>Dropping columns</a:t>
+            </a:r>
+            <a:endParaRPr sz="1800">
+              <a:solidFill>
+                <a:srgbClr val="000000"/>
+              </a:solidFill>
+            </a:endParaRPr>
           </a:p>
         </p:txBody>
       </p:sp>
       <p:sp>
         <p:nvSpPr>
-          <p:cNvPr id="543" name="Google Shape;543;p76"/>
+          <p:cNvPr id="542" name="Google Shape;542;p76"/>
           <p:cNvSpPr txBox="1"/>
           <p:nvPr>
             <p:ph idx="12" type="sldNum"/>
@@ -37891,321 +37411,9 @@
           </a:p>
         </p:txBody>
       </p:sp>
-      <p:pic>
-        <p:nvPicPr>
-          <p:cNvPr id="544" name="Google Shape;544;p76"/>
-          <p:cNvPicPr preferRelativeResize="0"/>
-          <p:nvPr/>
-        </p:nvPicPr>
-        <p:blipFill rotWithShape="1">
-          <a:blip r:embed="rId3">
-            <a:alphaModFix/>
-          </a:blip>
-          <a:srcRect b="1077" l="0" r="0" t="40357"/>
-          <a:stretch/>
-        </p:blipFill>
-        <p:spPr>
-          <a:xfrm>
-            <a:off x="436400" y="1835100"/>
-            <a:ext cx="8271201" cy="3839300"/>
-          </a:xfrm>
-          <a:prstGeom prst="rect">
-            <a:avLst/>
-          </a:prstGeom>
-          <a:noFill/>
-          <a:ln>
-            <a:noFill/>
-          </a:ln>
-        </p:spPr>
-      </p:pic>
-    </p:spTree>
-  </p:cSld>
-  <p:clrMapOvr>
-    <a:masterClrMapping/>
-  </p:clrMapOvr>
-</p:sld>
-</file>
-
-<file path=ppt/slides/slide33.xml><?xml version="1.0" encoding="utf-8"?>
-<p:sld xmlns:a="http://schemas.openxmlformats.org/drawingml/2006/main" xmlns:r="http://schemas.openxmlformats.org/officeDocument/2006/relationships" xmlns:mc="http://schemas.openxmlformats.org/markup-compatibility/2006" xmlns:mv="urn:schemas-microsoft-com:mac:vml" xmlns:p="http://schemas.openxmlformats.org/presentationml/2006/main" xmlns:c="http://schemas.openxmlformats.org/drawingml/2006/chart" xmlns:dgm="http://schemas.openxmlformats.org/drawingml/2006/diagram" xmlns:o="urn:schemas-microsoft-com:office:office" xmlns:v="urn:schemas-microsoft-com:vml" xmlns:pvml="urn:schemas-microsoft-com:office:powerpoint" xmlns:com="http://schemas.openxmlformats.org/drawingml/2006/compatibility" xmlns:p14="http://schemas.microsoft.com/office/powerpoint/2010/main" xmlns:p15="http://schemas.microsoft.com/office/powerpoint/2012/main">
-  <p:cSld>
-    <p:spTree>
-      <p:nvGrpSpPr>
-        <p:cNvPr id="548" name="Shape 548"/>
-        <p:cNvGrpSpPr/>
-        <p:nvPr/>
-      </p:nvGrpSpPr>
-      <p:grpSpPr>
-        <a:xfrm>
-          <a:off x="0" y="0"/>
-          <a:ext cx="0" cy="0"/>
-          <a:chOff x="0" y="0"/>
-          <a:chExt cx="0" cy="0"/>
-        </a:xfrm>
-      </p:grpSpPr>
-      <p:sp>
-        <p:nvSpPr>
-          <p:cNvPr id="549" name="Google Shape;549;p77"/>
-          <p:cNvSpPr txBox="1"/>
-          <p:nvPr>
-            <p:ph type="title"/>
-          </p:nvPr>
-        </p:nvSpPr>
-        <p:spPr>
-          <a:xfrm>
-            <a:off x="786150" y="410826"/>
-            <a:ext cx="7571700" cy="936900"/>
-          </a:xfrm>
-          <a:prstGeom prst="rect">
-            <a:avLst/>
-          </a:prstGeom>
-        </p:spPr>
-        <p:txBody>
-          <a:bodyPr anchorCtr="0" anchor="b" bIns="91425" lIns="91425" spcFirstLastPara="1" rIns="91425" wrap="square" tIns="91425">
-            <a:noAutofit/>
-          </a:bodyPr>
-          <a:lstStyle/>
-          <a:p>
-            <a:pPr indent="0" lvl="0" marL="0" rtl="0" algn="l">
-              <a:spcBef>
-                <a:spcPts val="0"/>
-              </a:spcBef>
-              <a:spcAft>
-                <a:spcPts val="0"/>
-              </a:spcAft>
-              <a:buNone/>
-            </a:pPr>
-            <a:r>
-              <a:rPr lang="en"/>
-              <a:t>Basic Pandas Commands</a:t>
-            </a:r>
-            <a:endParaRPr/>
-          </a:p>
-          <a:p>
-            <a:pPr indent="0" lvl="0" marL="0" rtl="0" algn="l">
-              <a:spcBef>
-                <a:spcPts val="0"/>
-              </a:spcBef>
-              <a:spcAft>
-                <a:spcPts val="0"/>
-              </a:spcAft>
-              <a:buNone/>
-            </a:pPr>
-            <a:r>
-              <a:rPr lang="en" sz="1800">
-                <a:solidFill>
-                  <a:srgbClr val="000000"/>
-                </a:solidFill>
-              </a:rPr>
-              <a:t>Create your dataframe from numpy arrays and name the columns</a:t>
-            </a:r>
-            <a:endParaRPr sz="1800">
-              <a:solidFill>
-                <a:srgbClr val="000000"/>
-              </a:solidFill>
-            </a:endParaRPr>
-          </a:p>
-        </p:txBody>
-      </p:sp>
-      <p:sp>
-        <p:nvSpPr>
-          <p:cNvPr id="550" name="Google Shape;550;p77"/>
-          <p:cNvSpPr txBox="1"/>
-          <p:nvPr>
-            <p:ph idx="12" type="sldNum"/>
-          </p:nvPr>
-        </p:nvSpPr>
-        <p:spPr>
-          <a:xfrm>
-            <a:off x="8404384" y="6333134"/>
-            <a:ext cx="548700" cy="525000"/>
-          </a:xfrm>
-          <a:prstGeom prst="rect">
-            <a:avLst/>
-          </a:prstGeom>
-        </p:spPr>
-        <p:txBody>
-          <a:bodyPr anchorCtr="0" anchor="t" bIns="91425" lIns="91425" spcFirstLastPara="1" rIns="91425" wrap="square" tIns="91425">
-            <a:noAutofit/>
-          </a:bodyPr>
-          <a:lstStyle/>
-          <a:p>
-            <a:pPr indent="0" lvl="0" marL="0" rtl="0" algn="r">
-              <a:spcBef>
-                <a:spcPts val="0"/>
-              </a:spcBef>
-              <a:spcAft>
-                <a:spcPts val="0"/>
-              </a:spcAft>
-              <a:buNone/>
-            </a:pPr>
-            <a:fld id="{00000000-1234-1234-1234-123412341234}" type="slidenum">
-              <a:rPr lang="en"/>
-              <a:t>‹#›</a:t>
-            </a:fld>
-            <a:endParaRPr/>
-          </a:p>
-        </p:txBody>
-      </p:sp>
-      <p:pic>
-        <p:nvPicPr>
-          <p:cNvPr id="551" name="Google Shape;551;p77"/>
-          <p:cNvPicPr preferRelativeResize="0"/>
-          <p:nvPr/>
-        </p:nvPicPr>
-        <p:blipFill rotWithShape="1">
-          <a:blip r:embed="rId3">
-            <a:alphaModFix/>
-          </a:blip>
-          <a:srcRect b="71677" l="0" r="0" t="0"/>
-          <a:stretch/>
-        </p:blipFill>
-        <p:spPr>
-          <a:xfrm>
-            <a:off x="465675" y="2485250"/>
-            <a:ext cx="8212651" cy="1735599"/>
-          </a:xfrm>
-          <a:prstGeom prst="rect">
-            <a:avLst/>
-          </a:prstGeom>
-          <a:noFill/>
-          <a:ln>
-            <a:noFill/>
-          </a:ln>
-        </p:spPr>
-      </p:pic>
-    </p:spTree>
-  </p:cSld>
-  <p:clrMapOvr>
-    <a:masterClrMapping/>
-  </p:clrMapOvr>
-</p:sld>
-</file>
-
-<file path=ppt/slides/slide34.xml><?xml version="1.0" encoding="utf-8"?>
-<p:sld xmlns:a="http://schemas.openxmlformats.org/drawingml/2006/main" xmlns:r="http://schemas.openxmlformats.org/officeDocument/2006/relationships" xmlns:mc="http://schemas.openxmlformats.org/markup-compatibility/2006" xmlns:mv="urn:schemas-microsoft-com:mac:vml" xmlns:p="http://schemas.openxmlformats.org/presentationml/2006/main" xmlns:c="http://schemas.openxmlformats.org/drawingml/2006/chart" xmlns:dgm="http://schemas.openxmlformats.org/drawingml/2006/diagram" xmlns:o="urn:schemas-microsoft-com:office:office" xmlns:v="urn:schemas-microsoft-com:vml" xmlns:pvml="urn:schemas-microsoft-com:office:powerpoint" xmlns:com="http://schemas.openxmlformats.org/drawingml/2006/compatibility" xmlns:p14="http://schemas.microsoft.com/office/powerpoint/2010/main" xmlns:p15="http://schemas.microsoft.com/office/powerpoint/2012/main">
-  <p:cSld>
-    <p:spTree>
-      <p:nvGrpSpPr>
-        <p:cNvPr id="555" name="Shape 555"/>
-        <p:cNvGrpSpPr/>
-        <p:nvPr/>
-      </p:nvGrpSpPr>
-      <p:grpSpPr>
-        <a:xfrm>
-          <a:off x="0" y="0"/>
-          <a:ext cx="0" cy="0"/>
-          <a:chOff x="0" y="0"/>
-          <a:chExt cx="0" cy="0"/>
-        </a:xfrm>
-      </p:grpSpPr>
-      <p:sp>
-        <p:nvSpPr>
-          <p:cNvPr id="556" name="Google Shape;556;p78"/>
-          <p:cNvSpPr txBox="1"/>
-          <p:nvPr>
-            <p:ph type="title"/>
-          </p:nvPr>
-        </p:nvSpPr>
-        <p:spPr>
-          <a:xfrm>
-            <a:off x="786150" y="410826"/>
-            <a:ext cx="7571700" cy="936900"/>
-          </a:xfrm>
-          <a:prstGeom prst="rect">
-            <a:avLst/>
-          </a:prstGeom>
-        </p:spPr>
-        <p:txBody>
-          <a:bodyPr anchorCtr="0" anchor="b" bIns="91425" lIns="91425" spcFirstLastPara="1" rIns="91425" wrap="square" tIns="91425">
-            <a:noAutofit/>
-          </a:bodyPr>
-          <a:lstStyle/>
-          <a:p>
-            <a:pPr indent="0" lvl="0" marL="0" rtl="0" algn="l">
-              <a:spcBef>
-                <a:spcPts val="0"/>
-              </a:spcBef>
-              <a:spcAft>
-                <a:spcPts val="0"/>
-              </a:spcAft>
-              <a:buNone/>
-            </a:pPr>
-            <a:r>
-              <a:rPr lang="en"/>
-              <a:t>Basic Pandas Commands</a:t>
-            </a:r>
-            <a:endParaRPr/>
-          </a:p>
-          <a:p>
-            <a:pPr indent="0" lvl="0" marL="0" rtl="0" algn="l">
-              <a:spcBef>
-                <a:spcPts val="0"/>
-              </a:spcBef>
-              <a:spcAft>
-                <a:spcPts val="0"/>
-              </a:spcAft>
-              <a:buNone/>
-            </a:pPr>
-            <a:r>
-              <a:rPr lang="en" sz="1800">
-                <a:solidFill>
-                  <a:srgbClr val="000000"/>
-                </a:solidFill>
-              </a:rPr>
-              <a:t>Dropping columns</a:t>
-            </a:r>
-            <a:endParaRPr sz="1800">
-              <a:solidFill>
-                <a:srgbClr val="000000"/>
-              </a:solidFill>
-            </a:endParaRPr>
-          </a:p>
-        </p:txBody>
-      </p:sp>
-      <p:sp>
-        <p:nvSpPr>
-          <p:cNvPr id="557" name="Google Shape;557;p78"/>
-          <p:cNvSpPr txBox="1"/>
-          <p:nvPr>
-            <p:ph idx="12" type="sldNum"/>
-          </p:nvPr>
-        </p:nvSpPr>
-        <p:spPr>
-          <a:xfrm>
-            <a:off x="8404384" y="6333134"/>
-            <a:ext cx="548700" cy="525000"/>
-          </a:xfrm>
-          <a:prstGeom prst="rect">
-            <a:avLst/>
-          </a:prstGeom>
-        </p:spPr>
-        <p:txBody>
-          <a:bodyPr anchorCtr="0" anchor="t" bIns="91425" lIns="91425" spcFirstLastPara="1" rIns="91425" wrap="square" tIns="91425">
-            <a:noAutofit/>
-          </a:bodyPr>
-          <a:lstStyle/>
-          <a:p>
-            <a:pPr indent="0" lvl="0" marL="0" rtl="0" algn="r">
-              <a:spcBef>
-                <a:spcPts val="0"/>
-              </a:spcBef>
-              <a:spcAft>
-                <a:spcPts val="0"/>
-              </a:spcAft>
-              <a:buNone/>
-            </a:pPr>
-            <a:fld id="{00000000-1234-1234-1234-123412341234}" type="slidenum">
-              <a:rPr lang="en"/>
-              <a:t>‹#›</a:t>
-            </a:fld>
-            <a:endParaRPr/>
-          </a:p>
-        </p:txBody>
-      </p:sp>
       <p:grpSp>
         <p:nvGrpSpPr>
-          <p:cNvPr id="558" name="Google Shape;558;p78"/>
+          <p:cNvPr id="543" name="Google Shape;543;p76"/>
           <p:cNvGrpSpPr/>
           <p:nvPr/>
         </p:nvGrpSpPr>
@@ -38219,7 +37427,7 @@
         </p:grpSpPr>
         <p:pic>
           <p:nvPicPr>
-            <p:cNvPr id="559" name="Google Shape;559;p78"/>
+            <p:cNvPr id="544" name="Google Shape;544;p76"/>
             <p:cNvPicPr preferRelativeResize="0"/>
             <p:nvPr/>
           </p:nvPicPr>
@@ -38246,7 +37454,7 @@
         </p:pic>
         <p:sp>
           <p:nvSpPr>
-            <p:cNvPr id="560" name="Google Shape;560;p78"/>
+            <p:cNvPr id="545" name="Google Shape;545;p76"/>
             <p:cNvSpPr txBox="1"/>
             <p:nvPr/>
           </p:nvSpPr>
@@ -38298,7 +37506,7 @@
         </p:sp>
         <p:sp>
           <p:nvSpPr>
-            <p:cNvPr id="561" name="Google Shape;561;p78"/>
+            <p:cNvPr id="546" name="Google Shape;546;p76"/>
             <p:cNvSpPr txBox="1"/>
             <p:nvPr/>
           </p:nvSpPr>
@@ -38359,12 +37567,12 @@
 </p:sld>
 </file>
 
-<file path=ppt/slides/slide35.xml><?xml version="1.0" encoding="utf-8"?>
+<file path=ppt/slides/slide33.xml><?xml version="1.0" encoding="utf-8"?>
 <p:sld xmlns:a="http://schemas.openxmlformats.org/drawingml/2006/main" xmlns:r="http://schemas.openxmlformats.org/officeDocument/2006/relationships" xmlns:mc="http://schemas.openxmlformats.org/markup-compatibility/2006" xmlns:mv="urn:schemas-microsoft-com:mac:vml" xmlns:p="http://schemas.openxmlformats.org/presentationml/2006/main" xmlns:c="http://schemas.openxmlformats.org/drawingml/2006/chart" xmlns:dgm="http://schemas.openxmlformats.org/drawingml/2006/diagram" xmlns:o="urn:schemas-microsoft-com:office:office" xmlns:v="urn:schemas-microsoft-com:vml" xmlns:pvml="urn:schemas-microsoft-com:office:powerpoint" xmlns:com="http://schemas.openxmlformats.org/drawingml/2006/compatibility" xmlns:p14="http://schemas.microsoft.com/office/powerpoint/2010/main" xmlns:p15="http://schemas.microsoft.com/office/powerpoint/2012/main">
   <p:cSld>
     <p:spTree>
       <p:nvGrpSpPr>
-        <p:cNvPr id="565" name="Shape 565"/>
+        <p:cNvPr id="550" name="Shape 550"/>
         <p:cNvGrpSpPr/>
         <p:nvPr/>
       </p:nvGrpSpPr>
@@ -38378,7 +37586,7 @@
       </p:grpSpPr>
       <p:sp>
         <p:nvSpPr>
-          <p:cNvPr id="566" name="Google Shape;566;p79"/>
+          <p:cNvPr id="551" name="Google Shape;551;p77"/>
           <p:cNvSpPr txBox="1"/>
           <p:nvPr>
             <p:ph type="title"/>
@@ -38436,6 +37644,902 @@
               <a:solidFill>
                 <a:srgbClr val="000000"/>
               </a:solidFill>
+            </a:endParaRPr>
+          </a:p>
+        </p:txBody>
+      </p:sp>
+      <p:sp>
+        <p:nvSpPr>
+          <p:cNvPr id="552" name="Google Shape;552;p77"/>
+          <p:cNvSpPr txBox="1"/>
+          <p:nvPr>
+            <p:ph idx="12" type="sldNum"/>
+          </p:nvPr>
+        </p:nvSpPr>
+        <p:spPr>
+          <a:xfrm>
+            <a:off x="8404384" y="6333134"/>
+            <a:ext cx="548700" cy="525000"/>
+          </a:xfrm>
+          <a:prstGeom prst="rect">
+            <a:avLst/>
+          </a:prstGeom>
+        </p:spPr>
+        <p:txBody>
+          <a:bodyPr anchorCtr="0" anchor="t" bIns="91425" lIns="91425" spcFirstLastPara="1" rIns="91425" wrap="square" tIns="91425">
+            <a:noAutofit/>
+          </a:bodyPr>
+          <a:lstStyle/>
+          <a:p>
+            <a:pPr indent="0" lvl="0" marL="0" rtl="0" algn="r">
+              <a:spcBef>
+                <a:spcPts val="0"/>
+              </a:spcBef>
+              <a:spcAft>
+                <a:spcPts val="0"/>
+              </a:spcAft>
+              <a:buNone/>
+            </a:pPr>
+            <a:fld id="{00000000-1234-1234-1234-123412341234}" type="slidenum">
+              <a:rPr lang="en"/>
+              <a:t>‹#›</a:t>
+            </a:fld>
+            <a:endParaRPr/>
+          </a:p>
+        </p:txBody>
+      </p:sp>
+      <p:pic>
+        <p:nvPicPr>
+          <p:cNvPr id="553" name="Google Shape;553;p77"/>
+          <p:cNvPicPr preferRelativeResize="0"/>
+          <p:nvPr/>
+        </p:nvPicPr>
+        <p:blipFill>
+          <a:blip r:embed="rId3">
+            <a:alphaModFix/>
+          </a:blip>
+          <a:stretch>
+            <a:fillRect/>
+          </a:stretch>
+        </p:blipFill>
+        <p:spPr>
+          <a:xfrm>
+            <a:off x="1078024" y="1443650"/>
+            <a:ext cx="6987948" cy="4889475"/>
+          </a:xfrm>
+          <a:prstGeom prst="rect">
+            <a:avLst/>
+          </a:prstGeom>
+          <a:noFill/>
+          <a:ln>
+            <a:noFill/>
+          </a:ln>
+        </p:spPr>
+      </p:pic>
+    </p:spTree>
+  </p:cSld>
+  <p:clrMapOvr>
+    <a:masterClrMapping/>
+  </p:clrMapOvr>
+</p:sld>
+</file>
+
+<file path=ppt/slides/slide34.xml><?xml version="1.0" encoding="utf-8"?>
+<p:sld xmlns:a="http://schemas.openxmlformats.org/drawingml/2006/main" xmlns:r="http://schemas.openxmlformats.org/officeDocument/2006/relationships" xmlns:mc="http://schemas.openxmlformats.org/markup-compatibility/2006" xmlns:mv="urn:schemas-microsoft-com:mac:vml" xmlns:p="http://schemas.openxmlformats.org/presentationml/2006/main" xmlns:c="http://schemas.openxmlformats.org/drawingml/2006/chart" xmlns:dgm="http://schemas.openxmlformats.org/drawingml/2006/diagram" xmlns:o="urn:schemas-microsoft-com:office:office" xmlns:v="urn:schemas-microsoft-com:vml" xmlns:pvml="urn:schemas-microsoft-com:office:powerpoint" xmlns:com="http://schemas.openxmlformats.org/drawingml/2006/compatibility" xmlns:p14="http://schemas.microsoft.com/office/powerpoint/2010/main" xmlns:p15="http://schemas.microsoft.com/office/powerpoint/2012/main">
+  <p:cSld>
+    <p:spTree>
+      <p:nvGrpSpPr>
+        <p:cNvPr id="557" name="Shape 557"/>
+        <p:cNvGrpSpPr/>
+        <p:nvPr/>
+      </p:nvGrpSpPr>
+      <p:grpSpPr>
+        <a:xfrm>
+          <a:off x="0" y="0"/>
+          <a:ext cx="0" cy="0"/>
+          <a:chOff x="0" y="0"/>
+          <a:chExt cx="0" cy="0"/>
+        </a:xfrm>
+      </p:grpSpPr>
+      <p:sp>
+        <p:nvSpPr>
+          <p:cNvPr id="558" name="Google Shape;558;p78"/>
+          <p:cNvSpPr txBox="1"/>
+          <p:nvPr>
+            <p:ph type="title"/>
+          </p:nvPr>
+        </p:nvSpPr>
+        <p:spPr>
+          <a:xfrm>
+            <a:off x="786150" y="410826"/>
+            <a:ext cx="7571700" cy="936900"/>
+          </a:xfrm>
+          <a:prstGeom prst="rect">
+            <a:avLst/>
+          </a:prstGeom>
+        </p:spPr>
+        <p:txBody>
+          <a:bodyPr anchorCtr="0" anchor="b" bIns="91425" lIns="91425" spcFirstLastPara="1" rIns="91425" wrap="square" tIns="91425">
+            <a:noAutofit/>
+          </a:bodyPr>
+          <a:lstStyle/>
+          <a:p>
+            <a:pPr indent="0" lvl="0" marL="0" rtl="0" algn="l">
+              <a:spcBef>
+                <a:spcPts val="0"/>
+              </a:spcBef>
+              <a:spcAft>
+                <a:spcPts val="0"/>
+              </a:spcAft>
+              <a:buNone/>
+            </a:pPr>
+            <a:r>
+              <a:rPr lang="en"/>
+              <a:t>Many more commands including...</a:t>
+            </a:r>
+            <a:endParaRPr/>
+          </a:p>
+        </p:txBody>
+      </p:sp>
+      <p:sp>
+        <p:nvSpPr>
+          <p:cNvPr id="559" name="Google Shape;559;p78"/>
+          <p:cNvSpPr txBox="1"/>
+          <p:nvPr>
+            <p:ph idx="1" type="body"/>
+          </p:nvPr>
+        </p:nvSpPr>
+        <p:spPr>
+          <a:xfrm>
+            <a:off x="786150" y="1682267"/>
+            <a:ext cx="7571700" cy="4764900"/>
+          </a:xfrm>
+          <a:prstGeom prst="rect">
+            <a:avLst/>
+          </a:prstGeom>
+        </p:spPr>
+        <p:txBody>
+          <a:bodyPr anchorCtr="0" anchor="t" bIns="91425" lIns="91425" spcFirstLastPara="1" rIns="91425" wrap="square" tIns="91425">
+            <a:noAutofit/>
+          </a:bodyPr>
+          <a:lstStyle/>
+          <a:p>
+            <a:pPr indent="-342900" lvl="0" marL="457200" rtl="0" algn="l">
+              <a:lnSpc>
+                <a:spcPct val="150000"/>
+              </a:lnSpc>
+              <a:spcBef>
+                <a:spcPts val="600"/>
+              </a:spcBef>
+              <a:spcAft>
+                <a:spcPts val="0"/>
+              </a:spcAft>
+              <a:buClr>
+                <a:srgbClr val="000000"/>
+              </a:buClr>
+              <a:buSzPts val="1800"/>
+              <a:buFont typeface="Roboto Slab"/>
+              <a:buChar char="●"/>
+            </a:pPr>
+            <a:r>
+              <a:rPr lang="en" sz="1800">
+                <a:solidFill>
+                  <a:srgbClr val="000000"/>
+                </a:solidFill>
+                <a:latin typeface="Roboto Slab"/>
+                <a:ea typeface="Roboto Slab"/>
+                <a:cs typeface="Roboto Slab"/>
+                <a:sym typeface="Roboto Slab"/>
+              </a:rPr>
+              <a:t>Concatenate tables together </a:t>
+            </a:r>
+            <a:endParaRPr sz="1800">
+              <a:solidFill>
+                <a:srgbClr val="000000"/>
+              </a:solidFill>
+              <a:latin typeface="Roboto Slab"/>
+              <a:ea typeface="Roboto Slab"/>
+              <a:cs typeface="Roboto Slab"/>
+              <a:sym typeface="Roboto Slab"/>
+            </a:endParaRPr>
+          </a:p>
+          <a:p>
+            <a:pPr indent="-342900" lvl="0" marL="457200" rtl="0" algn="l">
+              <a:lnSpc>
+                <a:spcPct val="150000"/>
+              </a:lnSpc>
+              <a:spcBef>
+                <a:spcPts val="0"/>
+              </a:spcBef>
+              <a:spcAft>
+                <a:spcPts val="0"/>
+              </a:spcAft>
+              <a:buClr>
+                <a:srgbClr val="000000"/>
+              </a:buClr>
+              <a:buSzPts val="1800"/>
+              <a:buFont typeface="Roboto Slab"/>
+              <a:buChar char="●"/>
+            </a:pPr>
+            <a:r>
+              <a:rPr lang="en" sz="1800">
+                <a:solidFill>
+                  <a:srgbClr val="000000"/>
+                </a:solidFill>
+                <a:latin typeface="Roboto Slab"/>
+                <a:ea typeface="Roboto Slab"/>
+                <a:cs typeface="Roboto Slab"/>
+                <a:sym typeface="Roboto Slab"/>
+              </a:rPr>
+              <a:t>Perform </a:t>
+            </a:r>
+            <a:r>
+              <a:rPr lang="en" sz="1800">
+                <a:solidFill>
+                  <a:srgbClr val="000000"/>
+                </a:solidFill>
+                <a:latin typeface="Roboto Slab"/>
+                <a:ea typeface="Roboto Slab"/>
+                <a:cs typeface="Roboto Slab"/>
+                <a:sym typeface="Roboto Slab"/>
+              </a:rPr>
+              <a:t>statistical</a:t>
+            </a:r>
+            <a:r>
+              <a:rPr lang="en" sz="1800">
+                <a:solidFill>
+                  <a:srgbClr val="000000"/>
+                </a:solidFill>
+                <a:latin typeface="Roboto Slab"/>
+                <a:ea typeface="Roboto Slab"/>
+                <a:cs typeface="Roboto Slab"/>
+                <a:sym typeface="Roboto Slab"/>
+              </a:rPr>
+              <a:t> analysis </a:t>
+            </a:r>
+            <a:endParaRPr sz="1800">
+              <a:solidFill>
+                <a:srgbClr val="000000"/>
+              </a:solidFill>
+              <a:latin typeface="Roboto Slab"/>
+              <a:ea typeface="Roboto Slab"/>
+              <a:cs typeface="Roboto Slab"/>
+              <a:sym typeface="Roboto Slab"/>
+            </a:endParaRPr>
+          </a:p>
+          <a:p>
+            <a:pPr indent="-342900" lvl="0" marL="457200" rtl="0" algn="l">
+              <a:lnSpc>
+                <a:spcPct val="150000"/>
+              </a:lnSpc>
+              <a:spcBef>
+                <a:spcPts val="0"/>
+              </a:spcBef>
+              <a:spcAft>
+                <a:spcPts val="0"/>
+              </a:spcAft>
+              <a:buClr>
+                <a:srgbClr val="000000"/>
+              </a:buClr>
+              <a:buSzPts val="1800"/>
+              <a:buFont typeface="Roboto Slab"/>
+              <a:buChar char="●"/>
+            </a:pPr>
+            <a:r>
+              <a:rPr lang="en" sz="1800">
+                <a:solidFill>
+                  <a:srgbClr val="000000"/>
+                </a:solidFill>
+                <a:latin typeface="Roboto Slab"/>
+                <a:ea typeface="Roboto Slab"/>
+                <a:cs typeface="Roboto Slab"/>
+                <a:sym typeface="Roboto Slab"/>
+              </a:rPr>
+              <a:t>Filling missing data</a:t>
+            </a:r>
+            <a:endParaRPr sz="1800">
+              <a:solidFill>
+                <a:srgbClr val="000000"/>
+              </a:solidFill>
+              <a:latin typeface="Roboto Slab"/>
+              <a:ea typeface="Roboto Slab"/>
+              <a:cs typeface="Roboto Slab"/>
+              <a:sym typeface="Roboto Slab"/>
+            </a:endParaRPr>
+          </a:p>
+          <a:p>
+            <a:pPr indent="-342900" lvl="0" marL="457200" rtl="0" algn="l">
+              <a:lnSpc>
+                <a:spcPct val="150000"/>
+              </a:lnSpc>
+              <a:spcBef>
+                <a:spcPts val="0"/>
+              </a:spcBef>
+              <a:spcAft>
+                <a:spcPts val="0"/>
+              </a:spcAft>
+              <a:buClr>
+                <a:srgbClr val="000000"/>
+              </a:buClr>
+              <a:buSzPts val="1800"/>
+              <a:buFont typeface="Roboto Slab"/>
+              <a:buChar char="●"/>
+            </a:pPr>
+            <a:r>
+              <a:rPr lang="en" sz="1800">
+                <a:solidFill>
+                  <a:srgbClr val="000000"/>
+                </a:solidFill>
+                <a:latin typeface="Roboto Slab"/>
+                <a:ea typeface="Roboto Slab"/>
+                <a:cs typeface="Roboto Slab"/>
+                <a:sym typeface="Roboto Slab"/>
+              </a:rPr>
+              <a:t>Table-wise / column-wise analysis </a:t>
+            </a:r>
+            <a:endParaRPr sz="1800">
+              <a:solidFill>
+                <a:srgbClr val="000000"/>
+              </a:solidFill>
+              <a:latin typeface="Roboto Slab"/>
+              <a:ea typeface="Roboto Slab"/>
+              <a:cs typeface="Roboto Slab"/>
+              <a:sym typeface="Roboto Slab"/>
+            </a:endParaRPr>
+          </a:p>
+          <a:p>
+            <a:pPr indent="-342900" lvl="0" marL="457200" rtl="0" algn="l">
+              <a:lnSpc>
+                <a:spcPct val="150000"/>
+              </a:lnSpc>
+              <a:spcBef>
+                <a:spcPts val="0"/>
+              </a:spcBef>
+              <a:spcAft>
+                <a:spcPts val="0"/>
+              </a:spcAft>
+              <a:buClr>
+                <a:srgbClr val="000000"/>
+              </a:buClr>
+              <a:buSzPts val="1800"/>
+              <a:buFont typeface="Roboto Slab"/>
+              <a:buChar char="●"/>
+            </a:pPr>
+            <a:r>
+              <a:rPr lang="en" sz="1800">
+                <a:solidFill>
+                  <a:srgbClr val="000000"/>
+                </a:solidFill>
+                <a:latin typeface="Roboto Slab"/>
+                <a:ea typeface="Roboto Slab"/>
+                <a:cs typeface="Roboto Slab"/>
+                <a:sym typeface="Roboto Slab"/>
+              </a:rPr>
+              <a:t>Arithmetic</a:t>
+            </a:r>
+            <a:r>
+              <a:rPr lang="en" sz="1800">
+                <a:solidFill>
+                  <a:srgbClr val="000000"/>
+                </a:solidFill>
+                <a:latin typeface="Roboto Slab"/>
+                <a:ea typeface="Roboto Slab"/>
+                <a:cs typeface="Roboto Slab"/>
+                <a:sym typeface="Roboto Slab"/>
+              </a:rPr>
+              <a:t> computations</a:t>
+            </a:r>
+            <a:endParaRPr sz="1800">
+              <a:solidFill>
+                <a:srgbClr val="000000"/>
+              </a:solidFill>
+              <a:latin typeface="Roboto Slab"/>
+              <a:ea typeface="Roboto Slab"/>
+              <a:cs typeface="Roboto Slab"/>
+              <a:sym typeface="Roboto Slab"/>
+            </a:endParaRPr>
+          </a:p>
+          <a:p>
+            <a:pPr indent="-342900" lvl="0" marL="457200" rtl="0" algn="l">
+              <a:lnSpc>
+                <a:spcPct val="150000"/>
+              </a:lnSpc>
+              <a:spcBef>
+                <a:spcPts val="0"/>
+              </a:spcBef>
+              <a:spcAft>
+                <a:spcPts val="0"/>
+              </a:spcAft>
+              <a:buClr>
+                <a:srgbClr val="000000"/>
+              </a:buClr>
+              <a:buSzPts val="1800"/>
+              <a:buFont typeface="Roboto Slab"/>
+              <a:buChar char="●"/>
+            </a:pPr>
+            <a:r>
+              <a:rPr lang="en" sz="1800">
+                <a:solidFill>
+                  <a:srgbClr val="000000"/>
+                </a:solidFill>
+                <a:latin typeface="Roboto Slab"/>
+                <a:ea typeface="Roboto Slab"/>
+                <a:cs typeface="Roboto Slab"/>
+                <a:sym typeface="Roboto Slab"/>
+              </a:rPr>
+              <a:t>Read and write files from your computer </a:t>
+            </a:r>
+            <a:endParaRPr sz="1800">
+              <a:solidFill>
+                <a:srgbClr val="000000"/>
+              </a:solidFill>
+              <a:latin typeface="Roboto Slab"/>
+              <a:ea typeface="Roboto Slab"/>
+              <a:cs typeface="Roboto Slab"/>
+              <a:sym typeface="Roboto Slab"/>
+            </a:endParaRPr>
+          </a:p>
+          <a:p>
+            <a:pPr indent="-342900" lvl="0" marL="457200" rtl="0" algn="l">
+              <a:lnSpc>
+                <a:spcPct val="150000"/>
+              </a:lnSpc>
+              <a:spcBef>
+                <a:spcPts val="0"/>
+              </a:spcBef>
+              <a:spcAft>
+                <a:spcPts val="0"/>
+              </a:spcAft>
+              <a:buClr>
+                <a:srgbClr val="000000"/>
+              </a:buClr>
+              <a:buSzPts val="1800"/>
+              <a:buFont typeface="Roboto Slab"/>
+              <a:buChar char="●"/>
+            </a:pPr>
+            <a:r>
+              <a:rPr lang="en" sz="1800">
+                <a:solidFill>
+                  <a:srgbClr val="000000"/>
+                </a:solidFill>
+                <a:latin typeface="Roboto Slab"/>
+                <a:ea typeface="Roboto Slab"/>
+                <a:cs typeface="Roboto Slab"/>
+                <a:sym typeface="Roboto Slab"/>
+              </a:rPr>
+              <a:t>Creating subtables </a:t>
+            </a:r>
+            <a:endParaRPr sz="1800">
+              <a:solidFill>
+                <a:srgbClr val="000000"/>
+              </a:solidFill>
+              <a:latin typeface="Roboto Slab"/>
+              <a:ea typeface="Roboto Slab"/>
+              <a:cs typeface="Roboto Slab"/>
+              <a:sym typeface="Roboto Slab"/>
+            </a:endParaRPr>
+          </a:p>
+          <a:p>
+            <a:pPr indent="-342900" lvl="0" marL="457200" rtl="0" algn="l">
+              <a:lnSpc>
+                <a:spcPct val="150000"/>
+              </a:lnSpc>
+              <a:spcBef>
+                <a:spcPts val="0"/>
+              </a:spcBef>
+              <a:spcAft>
+                <a:spcPts val="0"/>
+              </a:spcAft>
+              <a:buClr>
+                <a:srgbClr val="000000"/>
+              </a:buClr>
+              <a:buSzPts val="1800"/>
+              <a:buFont typeface="Roboto Slab"/>
+              <a:buChar char="●"/>
+            </a:pPr>
+            <a:r>
+              <a:rPr lang="en" sz="1800">
+                <a:solidFill>
+                  <a:srgbClr val="000000"/>
+                </a:solidFill>
+                <a:latin typeface="Roboto Slab"/>
+                <a:ea typeface="Roboto Slab"/>
+                <a:cs typeface="Roboto Slab"/>
+                <a:sym typeface="Roboto Slab"/>
+              </a:rPr>
+              <a:t>Group data per criteria </a:t>
+            </a:r>
+            <a:endParaRPr sz="1800">
+              <a:solidFill>
+                <a:srgbClr val="000000"/>
+              </a:solidFill>
+              <a:latin typeface="Roboto Slab"/>
+              <a:ea typeface="Roboto Slab"/>
+              <a:cs typeface="Roboto Slab"/>
+              <a:sym typeface="Roboto Slab"/>
+            </a:endParaRPr>
+          </a:p>
+          <a:p>
+            <a:pPr indent="-342900" lvl="0" marL="457200" rtl="0" algn="l">
+              <a:lnSpc>
+                <a:spcPct val="150000"/>
+              </a:lnSpc>
+              <a:spcBef>
+                <a:spcPts val="0"/>
+              </a:spcBef>
+              <a:spcAft>
+                <a:spcPts val="0"/>
+              </a:spcAft>
+              <a:buClr>
+                <a:srgbClr val="000000"/>
+              </a:buClr>
+              <a:buSzPts val="1800"/>
+              <a:buFont typeface="Roboto Slab"/>
+              <a:buChar char="●"/>
+            </a:pPr>
+            <a:r>
+              <a:rPr lang="en" sz="1800">
+                <a:solidFill>
+                  <a:srgbClr val="000000"/>
+                </a:solidFill>
+                <a:latin typeface="Roboto Slab"/>
+                <a:ea typeface="Roboto Slab"/>
+                <a:cs typeface="Roboto Slab"/>
+                <a:sym typeface="Roboto Slab"/>
+              </a:rPr>
+              <a:t>Etc. </a:t>
+            </a:r>
+            <a:endParaRPr sz="1800">
+              <a:solidFill>
+                <a:srgbClr val="000000"/>
+              </a:solidFill>
+              <a:latin typeface="Roboto Slab"/>
+              <a:ea typeface="Roboto Slab"/>
+              <a:cs typeface="Roboto Slab"/>
+              <a:sym typeface="Roboto Slab"/>
+            </a:endParaRPr>
+          </a:p>
+        </p:txBody>
+      </p:sp>
+      <p:sp>
+        <p:nvSpPr>
+          <p:cNvPr id="560" name="Google Shape;560;p78"/>
+          <p:cNvSpPr txBox="1"/>
+          <p:nvPr>
+            <p:ph idx="12" type="sldNum"/>
+          </p:nvPr>
+        </p:nvSpPr>
+        <p:spPr>
+          <a:xfrm>
+            <a:off x="8404384" y="6333134"/>
+            <a:ext cx="548700" cy="525000"/>
+          </a:xfrm>
+          <a:prstGeom prst="rect">
+            <a:avLst/>
+          </a:prstGeom>
+        </p:spPr>
+        <p:txBody>
+          <a:bodyPr anchorCtr="0" anchor="t" bIns="91425" lIns="91425" spcFirstLastPara="1" rIns="91425" wrap="square" tIns="91425">
+            <a:noAutofit/>
+          </a:bodyPr>
+          <a:lstStyle/>
+          <a:p>
+            <a:pPr indent="0" lvl="0" marL="0" rtl="0" algn="r">
+              <a:spcBef>
+                <a:spcPts val="0"/>
+              </a:spcBef>
+              <a:spcAft>
+                <a:spcPts val="0"/>
+              </a:spcAft>
+              <a:buNone/>
+            </a:pPr>
+            <a:fld id="{00000000-1234-1234-1234-123412341234}" type="slidenum">
+              <a:rPr lang="en"/>
+              <a:t>‹#›</a:t>
+            </a:fld>
+            <a:endParaRPr/>
+          </a:p>
+        </p:txBody>
+      </p:sp>
+    </p:spTree>
+  </p:cSld>
+  <p:clrMapOvr>
+    <a:masterClrMapping/>
+  </p:clrMapOvr>
+</p:sld>
+</file>
+
+<file path=ppt/slides/slide35.xml><?xml version="1.0" encoding="utf-8"?>
+<p:sld xmlns:a="http://schemas.openxmlformats.org/drawingml/2006/main" xmlns:r="http://schemas.openxmlformats.org/officeDocument/2006/relationships" xmlns:mc="http://schemas.openxmlformats.org/markup-compatibility/2006" xmlns:mv="urn:schemas-microsoft-com:mac:vml" xmlns:p="http://schemas.openxmlformats.org/presentationml/2006/main" xmlns:c="http://schemas.openxmlformats.org/drawingml/2006/chart" xmlns:dgm="http://schemas.openxmlformats.org/drawingml/2006/diagram" xmlns:o="urn:schemas-microsoft-com:office:office" xmlns:v="urn:schemas-microsoft-com:vml" xmlns:pvml="urn:schemas-microsoft-com:office:powerpoint" xmlns:com="http://schemas.openxmlformats.org/drawingml/2006/compatibility" xmlns:p14="http://schemas.microsoft.com/office/powerpoint/2010/main" xmlns:p15="http://schemas.microsoft.com/office/powerpoint/2012/main">
+  <p:cSld>
+    <p:spTree>
+      <p:nvGrpSpPr>
+        <p:cNvPr id="564" name="Shape 564"/>
+        <p:cNvGrpSpPr/>
+        <p:nvPr/>
+      </p:nvGrpSpPr>
+      <p:grpSpPr>
+        <a:xfrm>
+          <a:off x="0" y="0"/>
+          <a:ext cx="0" cy="0"/>
+          <a:chOff x="0" y="0"/>
+          <a:chExt cx="0" cy="0"/>
+        </a:xfrm>
+      </p:grpSpPr>
+      <p:sp>
+        <p:nvSpPr>
+          <p:cNvPr id="565" name="Google Shape;565;p79"/>
+          <p:cNvSpPr txBox="1"/>
+          <p:nvPr>
+            <p:ph type="title"/>
+          </p:nvPr>
+        </p:nvSpPr>
+        <p:spPr>
+          <a:xfrm>
+            <a:off x="786150" y="410826"/>
+            <a:ext cx="7571700" cy="936900"/>
+          </a:xfrm>
+          <a:prstGeom prst="rect">
+            <a:avLst/>
+          </a:prstGeom>
+        </p:spPr>
+        <p:txBody>
+          <a:bodyPr anchorCtr="0" anchor="b" bIns="91425" lIns="91425" spcFirstLastPara="1" rIns="91425" wrap="square" tIns="91425">
+            <a:noAutofit/>
+          </a:bodyPr>
+          <a:lstStyle/>
+          <a:p>
+            <a:pPr indent="0" lvl="0" marL="0" rtl="0" algn="l">
+              <a:spcBef>
+                <a:spcPts val="0"/>
+              </a:spcBef>
+              <a:spcAft>
+                <a:spcPts val="0"/>
+              </a:spcAft>
+              <a:buNone/>
+            </a:pPr>
+            <a:r>
+              <a:rPr lang="en"/>
+              <a:t>Introduction to </a:t>
+            </a:r>
+            <a:endParaRPr/>
+          </a:p>
+        </p:txBody>
+      </p:sp>
+      <p:sp>
+        <p:nvSpPr>
+          <p:cNvPr id="566" name="Google Shape;566;p79"/>
+          <p:cNvSpPr txBox="1"/>
+          <p:nvPr>
+            <p:ph idx="1" type="body"/>
+          </p:nvPr>
+        </p:nvSpPr>
+        <p:spPr>
+          <a:xfrm>
+            <a:off x="786150" y="1682267"/>
+            <a:ext cx="7571700" cy="4764900"/>
+          </a:xfrm>
+          <a:prstGeom prst="rect">
+            <a:avLst/>
+          </a:prstGeom>
+        </p:spPr>
+        <p:txBody>
+          <a:bodyPr anchorCtr="0" anchor="t" bIns="91425" lIns="91425" spcFirstLastPara="1" rIns="91425" wrap="square" tIns="91425">
+            <a:noAutofit/>
+          </a:bodyPr>
+          <a:lstStyle/>
+          <a:p>
+            <a:pPr indent="0" lvl="0" marL="0" rtl="0" algn="l">
+              <a:spcBef>
+                <a:spcPts val="600"/>
+              </a:spcBef>
+              <a:spcAft>
+                <a:spcPts val="0"/>
+              </a:spcAft>
+              <a:buNone/>
+            </a:pPr>
+            <a:r>
+              <a:rPr lang="en" sz="1800">
+                <a:solidFill>
+                  <a:srgbClr val="222222"/>
+                </a:solidFill>
+                <a:highlight>
+                  <a:srgbClr val="FFFFFF"/>
+                </a:highlight>
+                <a:latin typeface="Roboto Slab"/>
+                <a:ea typeface="Roboto Slab"/>
+                <a:cs typeface="Roboto Slab"/>
+                <a:sym typeface="Roboto Slab"/>
+              </a:rPr>
+              <a:t>Plotting </a:t>
+            </a:r>
+            <a:r>
+              <a:rPr b="1" lang="en" sz="1800">
+                <a:solidFill>
+                  <a:srgbClr val="222222"/>
+                </a:solidFill>
+                <a:highlight>
+                  <a:srgbClr val="FFFFFF"/>
+                </a:highlight>
+                <a:latin typeface="Roboto Slab"/>
+                <a:ea typeface="Roboto Slab"/>
+                <a:cs typeface="Roboto Slab"/>
+                <a:sym typeface="Roboto Slab"/>
+              </a:rPr>
+              <a:t>library</a:t>
+            </a:r>
+            <a:r>
+              <a:rPr lang="en" sz="1800">
+                <a:solidFill>
+                  <a:srgbClr val="222222"/>
+                </a:solidFill>
+                <a:highlight>
+                  <a:srgbClr val="FFFFFF"/>
+                </a:highlight>
+                <a:latin typeface="Roboto Slab"/>
+                <a:ea typeface="Roboto Slab"/>
+                <a:cs typeface="Roboto Slab"/>
+                <a:sym typeface="Roboto Slab"/>
+              </a:rPr>
+              <a:t> for the </a:t>
+            </a:r>
+            <a:r>
+              <a:rPr b="1" lang="en" sz="1800">
+                <a:solidFill>
+                  <a:srgbClr val="222222"/>
+                </a:solidFill>
+                <a:highlight>
+                  <a:srgbClr val="FFFFFF"/>
+                </a:highlight>
+                <a:latin typeface="Roboto Slab"/>
+                <a:ea typeface="Roboto Slab"/>
+                <a:cs typeface="Roboto Slab"/>
+                <a:sym typeface="Roboto Slab"/>
+              </a:rPr>
+              <a:t>Python</a:t>
+            </a:r>
+            <a:r>
+              <a:rPr lang="en" sz="1800">
+                <a:solidFill>
+                  <a:srgbClr val="222222"/>
+                </a:solidFill>
+                <a:highlight>
+                  <a:srgbClr val="FFFFFF"/>
+                </a:highlight>
+                <a:latin typeface="Roboto Slab"/>
+                <a:ea typeface="Roboto Slab"/>
+                <a:cs typeface="Roboto Slab"/>
+                <a:sym typeface="Roboto Slab"/>
+              </a:rPr>
+              <a:t> programming language and its numerical mathematics extension NumPy</a:t>
+            </a:r>
+            <a:endParaRPr sz="1800">
+              <a:solidFill>
+                <a:srgbClr val="222222"/>
+              </a:solidFill>
+              <a:highlight>
+                <a:srgbClr val="FFFFFF"/>
+              </a:highlight>
+              <a:latin typeface="Roboto Slab"/>
+              <a:ea typeface="Roboto Slab"/>
+              <a:cs typeface="Roboto Slab"/>
+              <a:sym typeface="Roboto Slab"/>
+            </a:endParaRPr>
+          </a:p>
+          <a:p>
+            <a:pPr indent="0" lvl="0" marL="0" rtl="0" algn="l">
+              <a:spcBef>
+                <a:spcPts val="600"/>
+              </a:spcBef>
+              <a:spcAft>
+                <a:spcPts val="0"/>
+              </a:spcAft>
+              <a:buNone/>
+            </a:pPr>
+            <a:r>
+              <a:t/>
+            </a:r>
+            <a:endParaRPr sz="1800">
+              <a:solidFill>
+                <a:srgbClr val="222222"/>
+              </a:solidFill>
+              <a:highlight>
+                <a:srgbClr val="FFFFFF"/>
+              </a:highlight>
+              <a:latin typeface="Roboto Slab"/>
+              <a:ea typeface="Roboto Slab"/>
+              <a:cs typeface="Roboto Slab"/>
+              <a:sym typeface="Roboto Slab"/>
+            </a:endParaRPr>
+          </a:p>
+          <a:p>
+            <a:pPr indent="0" lvl="0" marL="0" rtl="0" algn="l">
+              <a:spcBef>
+                <a:spcPts val="600"/>
+              </a:spcBef>
+              <a:spcAft>
+                <a:spcPts val="0"/>
+              </a:spcAft>
+              <a:buNone/>
+            </a:pPr>
+            <a:r>
+              <a:rPr lang="en" sz="1800">
+                <a:solidFill>
+                  <a:srgbClr val="222222"/>
+                </a:solidFill>
+                <a:highlight>
+                  <a:srgbClr val="FFFFFF"/>
+                </a:highlight>
+                <a:latin typeface="Roboto Slab"/>
+                <a:ea typeface="Roboto Slab"/>
+                <a:cs typeface="Roboto Slab"/>
+                <a:sym typeface="Roboto Slab"/>
+              </a:rPr>
+              <a:t>Super easy to use! </a:t>
+            </a:r>
+            <a:endParaRPr sz="1800">
+              <a:solidFill>
+                <a:srgbClr val="222222"/>
+              </a:solidFill>
+              <a:highlight>
+                <a:srgbClr val="FFFFFF"/>
+              </a:highlight>
+              <a:latin typeface="Roboto Slab"/>
+              <a:ea typeface="Roboto Slab"/>
+              <a:cs typeface="Roboto Slab"/>
+              <a:sym typeface="Roboto Slab"/>
+            </a:endParaRPr>
+          </a:p>
+          <a:p>
+            <a:pPr indent="0" lvl="0" marL="0" rtl="0" algn="l">
+              <a:spcBef>
+                <a:spcPts val="600"/>
+              </a:spcBef>
+              <a:spcAft>
+                <a:spcPts val="0"/>
+              </a:spcAft>
+              <a:buNone/>
+            </a:pPr>
+            <a:r>
+              <a:t/>
+            </a:r>
+            <a:endParaRPr sz="1800">
+              <a:solidFill>
+                <a:srgbClr val="222222"/>
+              </a:solidFill>
+              <a:highlight>
+                <a:srgbClr val="FFFFFF"/>
+              </a:highlight>
+              <a:latin typeface="Roboto Slab"/>
+              <a:ea typeface="Roboto Slab"/>
+              <a:cs typeface="Roboto Slab"/>
+              <a:sym typeface="Roboto Slab"/>
+            </a:endParaRPr>
+          </a:p>
+          <a:p>
+            <a:pPr indent="0" lvl="0" marL="0" rtl="0" algn="l">
+              <a:spcBef>
+                <a:spcPts val="600"/>
+              </a:spcBef>
+              <a:spcAft>
+                <a:spcPts val="0"/>
+              </a:spcAft>
+              <a:buNone/>
+            </a:pPr>
+            <a:r>
+              <a:t/>
+            </a:r>
+            <a:endParaRPr sz="1800">
+              <a:solidFill>
+                <a:srgbClr val="222222"/>
+              </a:solidFill>
+              <a:highlight>
+                <a:srgbClr val="FFFFFF"/>
+              </a:highlight>
+              <a:latin typeface="Roboto Slab"/>
+              <a:ea typeface="Roboto Slab"/>
+              <a:cs typeface="Roboto Slab"/>
+              <a:sym typeface="Roboto Slab"/>
             </a:endParaRPr>
           </a:p>
         </p:txBody>
@@ -38496,8 +38600,8 @@
         </p:blipFill>
         <p:spPr>
           <a:xfrm>
-            <a:off x="1078024" y="1443650"/>
-            <a:ext cx="6987948" cy="4889475"/>
+            <a:off x="3104113" y="684900"/>
+            <a:ext cx="2763475" cy="662825"/>
           </a:xfrm>
           <a:prstGeom prst="rect">
             <a:avLst/>
@@ -38508,905 +38612,9 @@
           </a:ln>
         </p:spPr>
       </p:pic>
-    </p:spTree>
-  </p:cSld>
-  <p:clrMapOvr>
-    <a:masterClrMapping/>
-  </p:clrMapOvr>
-</p:sld>
-</file>
-
-<file path=ppt/slides/slide36.xml><?xml version="1.0" encoding="utf-8"?>
-<p:sld xmlns:a="http://schemas.openxmlformats.org/drawingml/2006/main" xmlns:r="http://schemas.openxmlformats.org/officeDocument/2006/relationships" xmlns:mc="http://schemas.openxmlformats.org/markup-compatibility/2006" xmlns:mv="urn:schemas-microsoft-com:mac:vml" xmlns:p="http://schemas.openxmlformats.org/presentationml/2006/main" xmlns:c="http://schemas.openxmlformats.org/drawingml/2006/chart" xmlns:dgm="http://schemas.openxmlformats.org/drawingml/2006/diagram" xmlns:o="urn:schemas-microsoft-com:office:office" xmlns:v="urn:schemas-microsoft-com:vml" xmlns:pvml="urn:schemas-microsoft-com:office:powerpoint" xmlns:com="http://schemas.openxmlformats.org/drawingml/2006/compatibility" xmlns:p14="http://schemas.microsoft.com/office/powerpoint/2010/main" xmlns:p15="http://schemas.microsoft.com/office/powerpoint/2012/main">
-  <p:cSld>
-    <p:spTree>
-      <p:nvGrpSpPr>
-        <p:cNvPr id="572" name="Shape 572"/>
-        <p:cNvGrpSpPr/>
-        <p:nvPr/>
-      </p:nvGrpSpPr>
-      <p:grpSpPr>
-        <a:xfrm>
-          <a:off x="0" y="0"/>
-          <a:ext cx="0" cy="0"/>
-          <a:chOff x="0" y="0"/>
-          <a:chExt cx="0" cy="0"/>
-        </a:xfrm>
-      </p:grpSpPr>
       <p:sp>
         <p:nvSpPr>
-          <p:cNvPr id="573" name="Google Shape;573;p80"/>
-          <p:cNvSpPr txBox="1"/>
-          <p:nvPr>
-            <p:ph type="title"/>
-          </p:nvPr>
-        </p:nvSpPr>
-        <p:spPr>
-          <a:xfrm>
-            <a:off x="786150" y="410826"/>
-            <a:ext cx="7571700" cy="936900"/>
-          </a:xfrm>
-          <a:prstGeom prst="rect">
-            <a:avLst/>
-          </a:prstGeom>
-        </p:spPr>
-        <p:txBody>
-          <a:bodyPr anchorCtr="0" anchor="b" bIns="91425" lIns="91425" spcFirstLastPara="1" rIns="91425" wrap="square" tIns="91425">
-            <a:noAutofit/>
-          </a:bodyPr>
-          <a:lstStyle/>
-          <a:p>
-            <a:pPr indent="0" lvl="0" marL="0" rtl="0" algn="l">
-              <a:spcBef>
-                <a:spcPts val="0"/>
-              </a:spcBef>
-              <a:spcAft>
-                <a:spcPts val="0"/>
-              </a:spcAft>
-              <a:buNone/>
-            </a:pPr>
-            <a:r>
-              <a:rPr lang="en"/>
-              <a:t>Many more commands including...</a:t>
-            </a:r>
-            <a:endParaRPr/>
-          </a:p>
-        </p:txBody>
-      </p:sp>
-      <p:sp>
-        <p:nvSpPr>
-          <p:cNvPr id="574" name="Google Shape;574;p80"/>
-          <p:cNvSpPr txBox="1"/>
-          <p:nvPr>
-            <p:ph idx="1" type="body"/>
-          </p:nvPr>
-        </p:nvSpPr>
-        <p:spPr>
-          <a:xfrm>
-            <a:off x="786150" y="1682267"/>
-            <a:ext cx="7571700" cy="4764900"/>
-          </a:xfrm>
-          <a:prstGeom prst="rect">
-            <a:avLst/>
-          </a:prstGeom>
-        </p:spPr>
-        <p:txBody>
-          <a:bodyPr anchorCtr="0" anchor="t" bIns="91425" lIns="91425" spcFirstLastPara="1" rIns="91425" wrap="square" tIns="91425">
-            <a:noAutofit/>
-          </a:bodyPr>
-          <a:lstStyle/>
-          <a:p>
-            <a:pPr indent="-342900" lvl="0" marL="457200" rtl="0" algn="l">
-              <a:lnSpc>
-                <a:spcPct val="150000"/>
-              </a:lnSpc>
-              <a:spcBef>
-                <a:spcPts val="600"/>
-              </a:spcBef>
-              <a:spcAft>
-                <a:spcPts val="0"/>
-              </a:spcAft>
-              <a:buClr>
-                <a:srgbClr val="000000"/>
-              </a:buClr>
-              <a:buSzPts val="1800"/>
-              <a:buFont typeface="Roboto Slab"/>
-              <a:buChar char="●"/>
-            </a:pPr>
-            <a:r>
-              <a:rPr lang="en" sz="1800">
-                <a:solidFill>
-                  <a:srgbClr val="000000"/>
-                </a:solidFill>
-                <a:latin typeface="Roboto Slab"/>
-                <a:ea typeface="Roboto Slab"/>
-                <a:cs typeface="Roboto Slab"/>
-                <a:sym typeface="Roboto Slab"/>
-              </a:rPr>
-              <a:t>Concatenate tables together </a:t>
-            </a:r>
-            <a:endParaRPr sz="1800">
-              <a:solidFill>
-                <a:srgbClr val="000000"/>
-              </a:solidFill>
-              <a:latin typeface="Roboto Slab"/>
-              <a:ea typeface="Roboto Slab"/>
-              <a:cs typeface="Roboto Slab"/>
-              <a:sym typeface="Roboto Slab"/>
-            </a:endParaRPr>
-          </a:p>
-          <a:p>
-            <a:pPr indent="-342900" lvl="0" marL="457200" rtl="0" algn="l">
-              <a:lnSpc>
-                <a:spcPct val="150000"/>
-              </a:lnSpc>
-              <a:spcBef>
-                <a:spcPts val="0"/>
-              </a:spcBef>
-              <a:spcAft>
-                <a:spcPts val="0"/>
-              </a:spcAft>
-              <a:buClr>
-                <a:srgbClr val="000000"/>
-              </a:buClr>
-              <a:buSzPts val="1800"/>
-              <a:buFont typeface="Roboto Slab"/>
-              <a:buChar char="●"/>
-            </a:pPr>
-            <a:r>
-              <a:rPr lang="en" sz="1800">
-                <a:solidFill>
-                  <a:srgbClr val="000000"/>
-                </a:solidFill>
-                <a:latin typeface="Roboto Slab"/>
-                <a:ea typeface="Roboto Slab"/>
-                <a:cs typeface="Roboto Slab"/>
-                <a:sym typeface="Roboto Slab"/>
-              </a:rPr>
-              <a:t>Perform </a:t>
-            </a:r>
-            <a:r>
-              <a:rPr lang="en" sz="1800">
-                <a:solidFill>
-                  <a:srgbClr val="000000"/>
-                </a:solidFill>
-                <a:latin typeface="Roboto Slab"/>
-                <a:ea typeface="Roboto Slab"/>
-                <a:cs typeface="Roboto Slab"/>
-                <a:sym typeface="Roboto Slab"/>
-              </a:rPr>
-              <a:t>statistical</a:t>
-            </a:r>
-            <a:r>
-              <a:rPr lang="en" sz="1800">
-                <a:solidFill>
-                  <a:srgbClr val="000000"/>
-                </a:solidFill>
-                <a:latin typeface="Roboto Slab"/>
-                <a:ea typeface="Roboto Slab"/>
-                <a:cs typeface="Roboto Slab"/>
-                <a:sym typeface="Roboto Slab"/>
-              </a:rPr>
-              <a:t> analysis </a:t>
-            </a:r>
-            <a:endParaRPr sz="1800">
-              <a:solidFill>
-                <a:srgbClr val="000000"/>
-              </a:solidFill>
-              <a:latin typeface="Roboto Slab"/>
-              <a:ea typeface="Roboto Slab"/>
-              <a:cs typeface="Roboto Slab"/>
-              <a:sym typeface="Roboto Slab"/>
-            </a:endParaRPr>
-          </a:p>
-          <a:p>
-            <a:pPr indent="-342900" lvl="0" marL="457200" rtl="0" algn="l">
-              <a:lnSpc>
-                <a:spcPct val="150000"/>
-              </a:lnSpc>
-              <a:spcBef>
-                <a:spcPts val="0"/>
-              </a:spcBef>
-              <a:spcAft>
-                <a:spcPts val="0"/>
-              </a:spcAft>
-              <a:buClr>
-                <a:srgbClr val="000000"/>
-              </a:buClr>
-              <a:buSzPts val="1800"/>
-              <a:buFont typeface="Roboto Slab"/>
-              <a:buChar char="●"/>
-            </a:pPr>
-            <a:r>
-              <a:rPr lang="en" sz="1800">
-                <a:solidFill>
-                  <a:srgbClr val="000000"/>
-                </a:solidFill>
-                <a:latin typeface="Roboto Slab"/>
-                <a:ea typeface="Roboto Slab"/>
-                <a:cs typeface="Roboto Slab"/>
-                <a:sym typeface="Roboto Slab"/>
-              </a:rPr>
-              <a:t>Filling missing data</a:t>
-            </a:r>
-            <a:endParaRPr sz="1800">
-              <a:solidFill>
-                <a:srgbClr val="000000"/>
-              </a:solidFill>
-              <a:latin typeface="Roboto Slab"/>
-              <a:ea typeface="Roboto Slab"/>
-              <a:cs typeface="Roboto Slab"/>
-              <a:sym typeface="Roboto Slab"/>
-            </a:endParaRPr>
-          </a:p>
-          <a:p>
-            <a:pPr indent="-342900" lvl="0" marL="457200" rtl="0" algn="l">
-              <a:lnSpc>
-                <a:spcPct val="150000"/>
-              </a:lnSpc>
-              <a:spcBef>
-                <a:spcPts val="0"/>
-              </a:spcBef>
-              <a:spcAft>
-                <a:spcPts val="0"/>
-              </a:spcAft>
-              <a:buClr>
-                <a:srgbClr val="000000"/>
-              </a:buClr>
-              <a:buSzPts val="1800"/>
-              <a:buFont typeface="Roboto Slab"/>
-              <a:buChar char="●"/>
-            </a:pPr>
-            <a:r>
-              <a:rPr lang="en" sz="1800">
-                <a:solidFill>
-                  <a:srgbClr val="000000"/>
-                </a:solidFill>
-                <a:latin typeface="Roboto Slab"/>
-                <a:ea typeface="Roboto Slab"/>
-                <a:cs typeface="Roboto Slab"/>
-                <a:sym typeface="Roboto Slab"/>
-              </a:rPr>
-              <a:t>Table-wise / column-wise analysis </a:t>
-            </a:r>
-            <a:endParaRPr sz="1800">
-              <a:solidFill>
-                <a:srgbClr val="000000"/>
-              </a:solidFill>
-              <a:latin typeface="Roboto Slab"/>
-              <a:ea typeface="Roboto Slab"/>
-              <a:cs typeface="Roboto Slab"/>
-              <a:sym typeface="Roboto Slab"/>
-            </a:endParaRPr>
-          </a:p>
-          <a:p>
-            <a:pPr indent="-342900" lvl="0" marL="457200" rtl="0" algn="l">
-              <a:lnSpc>
-                <a:spcPct val="150000"/>
-              </a:lnSpc>
-              <a:spcBef>
-                <a:spcPts val="0"/>
-              </a:spcBef>
-              <a:spcAft>
-                <a:spcPts val="0"/>
-              </a:spcAft>
-              <a:buClr>
-                <a:srgbClr val="000000"/>
-              </a:buClr>
-              <a:buSzPts val="1800"/>
-              <a:buFont typeface="Roboto Slab"/>
-              <a:buChar char="●"/>
-            </a:pPr>
-            <a:r>
-              <a:rPr lang="en" sz="1800">
-                <a:solidFill>
-                  <a:srgbClr val="000000"/>
-                </a:solidFill>
-                <a:latin typeface="Roboto Slab"/>
-                <a:ea typeface="Roboto Slab"/>
-                <a:cs typeface="Roboto Slab"/>
-                <a:sym typeface="Roboto Slab"/>
-              </a:rPr>
-              <a:t>Arithmetic</a:t>
-            </a:r>
-            <a:r>
-              <a:rPr lang="en" sz="1800">
-                <a:solidFill>
-                  <a:srgbClr val="000000"/>
-                </a:solidFill>
-                <a:latin typeface="Roboto Slab"/>
-                <a:ea typeface="Roboto Slab"/>
-                <a:cs typeface="Roboto Slab"/>
-                <a:sym typeface="Roboto Slab"/>
-              </a:rPr>
-              <a:t> computations</a:t>
-            </a:r>
-            <a:endParaRPr sz="1800">
-              <a:solidFill>
-                <a:srgbClr val="000000"/>
-              </a:solidFill>
-              <a:latin typeface="Roboto Slab"/>
-              <a:ea typeface="Roboto Slab"/>
-              <a:cs typeface="Roboto Slab"/>
-              <a:sym typeface="Roboto Slab"/>
-            </a:endParaRPr>
-          </a:p>
-          <a:p>
-            <a:pPr indent="-342900" lvl="0" marL="457200" rtl="0" algn="l">
-              <a:lnSpc>
-                <a:spcPct val="150000"/>
-              </a:lnSpc>
-              <a:spcBef>
-                <a:spcPts val="0"/>
-              </a:spcBef>
-              <a:spcAft>
-                <a:spcPts val="0"/>
-              </a:spcAft>
-              <a:buClr>
-                <a:srgbClr val="000000"/>
-              </a:buClr>
-              <a:buSzPts val="1800"/>
-              <a:buFont typeface="Roboto Slab"/>
-              <a:buChar char="●"/>
-            </a:pPr>
-            <a:r>
-              <a:rPr lang="en" sz="1800">
-                <a:solidFill>
-                  <a:srgbClr val="000000"/>
-                </a:solidFill>
-                <a:latin typeface="Roboto Slab"/>
-                <a:ea typeface="Roboto Slab"/>
-                <a:cs typeface="Roboto Slab"/>
-                <a:sym typeface="Roboto Slab"/>
-              </a:rPr>
-              <a:t>Read and write files from your computer </a:t>
-            </a:r>
-            <a:endParaRPr sz="1800">
-              <a:solidFill>
-                <a:srgbClr val="000000"/>
-              </a:solidFill>
-              <a:latin typeface="Roboto Slab"/>
-              <a:ea typeface="Roboto Slab"/>
-              <a:cs typeface="Roboto Slab"/>
-              <a:sym typeface="Roboto Slab"/>
-            </a:endParaRPr>
-          </a:p>
-          <a:p>
-            <a:pPr indent="-342900" lvl="0" marL="457200" rtl="0" algn="l">
-              <a:lnSpc>
-                <a:spcPct val="150000"/>
-              </a:lnSpc>
-              <a:spcBef>
-                <a:spcPts val="0"/>
-              </a:spcBef>
-              <a:spcAft>
-                <a:spcPts val="0"/>
-              </a:spcAft>
-              <a:buClr>
-                <a:srgbClr val="000000"/>
-              </a:buClr>
-              <a:buSzPts val="1800"/>
-              <a:buFont typeface="Roboto Slab"/>
-              <a:buChar char="●"/>
-            </a:pPr>
-            <a:r>
-              <a:rPr lang="en" sz="1800">
-                <a:solidFill>
-                  <a:srgbClr val="000000"/>
-                </a:solidFill>
-                <a:latin typeface="Roboto Slab"/>
-                <a:ea typeface="Roboto Slab"/>
-                <a:cs typeface="Roboto Slab"/>
-                <a:sym typeface="Roboto Slab"/>
-              </a:rPr>
-              <a:t>Creating subtables </a:t>
-            </a:r>
-            <a:endParaRPr sz="1800">
-              <a:solidFill>
-                <a:srgbClr val="000000"/>
-              </a:solidFill>
-              <a:latin typeface="Roboto Slab"/>
-              <a:ea typeface="Roboto Slab"/>
-              <a:cs typeface="Roboto Slab"/>
-              <a:sym typeface="Roboto Slab"/>
-            </a:endParaRPr>
-          </a:p>
-          <a:p>
-            <a:pPr indent="-342900" lvl="0" marL="457200" rtl="0" algn="l">
-              <a:lnSpc>
-                <a:spcPct val="150000"/>
-              </a:lnSpc>
-              <a:spcBef>
-                <a:spcPts val="0"/>
-              </a:spcBef>
-              <a:spcAft>
-                <a:spcPts val="0"/>
-              </a:spcAft>
-              <a:buClr>
-                <a:srgbClr val="000000"/>
-              </a:buClr>
-              <a:buSzPts val="1800"/>
-              <a:buFont typeface="Roboto Slab"/>
-              <a:buChar char="●"/>
-            </a:pPr>
-            <a:r>
-              <a:rPr lang="en" sz="1800">
-                <a:solidFill>
-                  <a:srgbClr val="000000"/>
-                </a:solidFill>
-                <a:latin typeface="Roboto Slab"/>
-                <a:ea typeface="Roboto Slab"/>
-                <a:cs typeface="Roboto Slab"/>
-                <a:sym typeface="Roboto Slab"/>
-              </a:rPr>
-              <a:t>Group data per criteria </a:t>
-            </a:r>
-            <a:endParaRPr sz="1800">
-              <a:solidFill>
-                <a:srgbClr val="000000"/>
-              </a:solidFill>
-              <a:latin typeface="Roboto Slab"/>
-              <a:ea typeface="Roboto Slab"/>
-              <a:cs typeface="Roboto Slab"/>
-              <a:sym typeface="Roboto Slab"/>
-            </a:endParaRPr>
-          </a:p>
-          <a:p>
-            <a:pPr indent="-342900" lvl="0" marL="457200" rtl="0" algn="l">
-              <a:lnSpc>
-                <a:spcPct val="150000"/>
-              </a:lnSpc>
-              <a:spcBef>
-                <a:spcPts val="0"/>
-              </a:spcBef>
-              <a:spcAft>
-                <a:spcPts val="0"/>
-              </a:spcAft>
-              <a:buClr>
-                <a:srgbClr val="000000"/>
-              </a:buClr>
-              <a:buSzPts val="1800"/>
-              <a:buFont typeface="Roboto Slab"/>
-              <a:buChar char="●"/>
-            </a:pPr>
-            <a:r>
-              <a:rPr lang="en" sz="1800">
-                <a:solidFill>
-                  <a:srgbClr val="000000"/>
-                </a:solidFill>
-                <a:latin typeface="Roboto Slab"/>
-                <a:ea typeface="Roboto Slab"/>
-                <a:cs typeface="Roboto Slab"/>
-                <a:sym typeface="Roboto Slab"/>
-              </a:rPr>
-              <a:t>Etc. </a:t>
-            </a:r>
-            <a:endParaRPr sz="1800">
-              <a:solidFill>
-                <a:srgbClr val="000000"/>
-              </a:solidFill>
-              <a:latin typeface="Roboto Slab"/>
-              <a:ea typeface="Roboto Slab"/>
-              <a:cs typeface="Roboto Slab"/>
-              <a:sym typeface="Roboto Slab"/>
-            </a:endParaRPr>
-          </a:p>
-        </p:txBody>
-      </p:sp>
-      <p:sp>
-        <p:nvSpPr>
-          <p:cNvPr id="575" name="Google Shape;575;p80"/>
-          <p:cNvSpPr txBox="1"/>
-          <p:nvPr>
-            <p:ph idx="12" type="sldNum"/>
-          </p:nvPr>
-        </p:nvSpPr>
-        <p:spPr>
-          <a:xfrm>
-            <a:off x="8404384" y="6333134"/>
-            <a:ext cx="548700" cy="525000"/>
-          </a:xfrm>
-          <a:prstGeom prst="rect">
-            <a:avLst/>
-          </a:prstGeom>
-        </p:spPr>
-        <p:txBody>
-          <a:bodyPr anchorCtr="0" anchor="t" bIns="91425" lIns="91425" spcFirstLastPara="1" rIns="91425" wrap="square" tIns="91425">
-            <a:noAutofit/>
-          </a:bodyPr>
-          <a:lstStyle/>
-          <a:p>
-            <a:pPr indent="0" lvl="0" marL="0" rtl="0" algn="r">
-              <a:spcBef>
-                <a:spcPts val="0"/>
-              </a:spcBef>
-              <a:spcAft>
-                <a:spcPts val="0"/>
-              </a:spcAft>
-              <a:buNone/>
-            </a:pPr>
-            <a:fld id="{00000000-1234-1234-1234-123412341234}" type="slidenum">
-              <a:rPr lang="en"/>
-              <a:t>‹#›</a:t>
-            </a:fld>
-            <a:endParaRPr/>
-          </a:p>
-        </p:txBody>
-      </p:sp>
-    </p:spTree>
-  </p:cSld>
-  <p:clrMapOvr>
-    <a:masterClrMapping/>
-  </p:clrMapOvr>
-</p:sld>
-</file>
-
-<file path=ppt/slides/slide37.xml><?xml version="1.0" encoding="utf-8"?>
-<p:sld xmlns:a="http://schemas.openxmlformats.org/drawingml/2006/main" xmlns:r="http://schemas.openxmlformats.org/officeDocument/2006/relationships" xmlns:mc="http://schemas.openxmlformats.org/markup-compatibility/2006" xmlns:mv="urn:schemas-microsoft-com:mac:vml" xmlns:p="http://schemas.openxmlformats.org/presentationml/2006/main" xmlns:c="http://schemas.openxmlformats.org/drawingml/2006/chart" xmlns:dgm="http://schemas.openxmlformats.org/drawingml/2006/diagram" xmlns:o="urn:schemas-microsoft-com:office:office" xmlns:v="urn:schemas-microsoft-com:vml" xmlns:pvml="urn:schemas-microsoft-com:office:powerpoint" xmlns:com="http://schemas.openxmlformats.org/drawingml/2006/compatibility" xmlns:p14="http://schemas.microsoft.com/office/powerpoint/2010/main" xmlns:p15="http://schemas.microsoft.com/office/powerpoint/2012/main">
-  <p:cSld>
-    <p:spTree>
-      <p:nvGrpSpPr>
-        <p:cNvPr id="579" name="Shape 579"/>
-        <p:cNvGrpSpPr/>
-        <p:nvPr/>
-      </p:nvGrpSpPr>
-      <p:grpSpPr>
-        <a:xfrm>
-          <a:off x="0" y="0"/>
-          <a:ext cx="0" cy="0"/>
-          <a:chOff x="0" y="0"/>
-          <a:chExt cx="0" cy="0"/>
-        </a:xfrm>
-      </p:grpSpPr>
-      <p:sp>
-        <p:nvSpPr>
-          <p:cNvPr id="580" name="Google Shape;580;p81"/>
-          <p:cNvSpPr txBox="1"/>
-          <p:nvPr>
-            <p:ph type="title"/>
-          </p:nvPr>
-        </p:nvSpPr>
-        <p:spPr>
-          <a:xfrm>
-            <a:off x="786150" y="410826"/>
-            <a:ext cx="7571700" cy="936900"/>
-          </a:xfrm>
-          <a:prstGeom prst="rect">
-            <a:avLst/>
-          </a:prstGeom>
-        </p:spPr>
-        <p:txBody>
-          <a:bodyPr anchorCtr="0" anchor="b" bIns="91425" lIns="91425" spcFirstLastPara="1" rIns="91425" wrap="square" tIns="91425">
-            <a:noAutofit/>
-          </a:bodyPr>
-          <a:lstStyle/>
-          <a:p>
-            <a:pPr indent="0" lvl="0" marL="0" rtl="0" algn="l">
-              <a:spcBef>
-                <a:spcPts val="0"/>
-              </a:spcBef>
-              <a:spcAft>
-                <a:spcPts val="0"/>
-              </a:spcAft>
-              <a:buNone/>
-            </a:pPr>
-            <a:r>
-              <a:rPr lang="en"/>
-              <a:t>Introduction to </a:t>
-            </a:r>
-            <a:endParaRPr/>
-          </a:p>
-        </p:txBody>
-      </p:sp>
-      <p:sp>
-        <p:nvSpPr>
-          <p:cNvPr id="581" name="Google Shape;581;p81"/>
-          <p:cNvSpPr txBox="1"/>
-          <p:nvPr>
-            <p:ph idx="1" type="body"/>
-          </p:nvPr>
-        </p:nvSpPr>
-        <p:spPr>
-          <a:xfrm>
-            <a:off x="786150" y="1682267"/>
-            <a:ext cx="7571700" cy="4764900"/>
-          </a:xfrm>
-          <a:prstGeom prst="rect">
-            <a:avLst/>
-          </a:prstGeom>
-        </p:spPr>
-        <p:txBody>
-          <a:bodyPr anchorCtr="0" anchor="t" bIns="91425" lIns="91425" spcFirstLastPara="1" rIns="91425" wrap="square" tIns="91425">
-            <a:noAutofit/>
-          </a:bodyPr>
-          <a:lstStyle/>
-          <a:p>
-            <a:pPr indent="0" lvl="0" marL="0" rtl="0" algn="l">
-              <a:spcBef>
-                <a:spcPts val="600"/>
-              </a:spcBef>
-              <a:spcAft>
-                <a:spcPts val="0"/>
-              </a:spcAft>
-              <a:buNone/>
-            </a:pPr>
-            <a:r>
-              <a:rPr lang="en" sz="1800">
-                <a:solidFill>
-                  <a:srgbClr val="222222"/>
-                </a:solidFill>
-                <a:highlight>
-                  <a:srgbClr val="FFFFFF"/>
-                </a:highlight>
-                <a:latin typeface="Roboto Slab"/>
-                <a:ea typeface="Roboto Slab"/>
-                <a:cs typeface="Roboto Slab"/>
-                <a:sym typeface="Roboto Slab"/>
-              </a:rPr>
-              <a:t>Plotting </a:t>
-            </a:r>
-            <a:r>
-              <a:rPr b="1" lang="en" sz="1800">
-                <a:solidFill>
-                  <a:srgbClr val="222222"/>
-                </a:solidFill>
-                <a:highlight>
-                  <a:srgbClr val="FFFFFF"/>
-                </a:highlight>
-                <a:latin typeface="Roboto Slab"/>
-                <a:ea typeface="Roboto Slab"/>
-                <a:cs typeface="Roboto Slab"/>
-                <a:sym typeface="Roboto Slab"/>
-              </a:rPr>
-              <a:t>library</a:t>
-            </a:r>
-            <a:r>
-              <a:rPr lang="en" sz="1800">
-                <a:solidFill>
-                  <a:srgbClr val="222222"/>
-                </a:solidFill>
-                <a:highlight>
-                  <a:srgbClr val="FFFFFF"/>
-                </a:highlight>
-                <a:latin typeface="Roboto Slab"/>
-                <a:ea typeface="Roboto Slab"/>
-                <a:cs typeface="Roboto Slab"/>
-                <a:sym typeface="Roboto Slab"/>
-              </a:rPr>
-              <a:t> for the </a:t>
-            </a:r>
-            <a:r>
-              <a:rPr b="1" lang="en" sz="1800">
-                <a:solidFill>
-                  <a:srgbClr val="222222"/>
-                </a:solidFill>
-                <a:highlight>
-                  <a:srgbClr val="FFFFFF"/>
-                </a:highlight>
-                <a:latin typeface="Roboto Slab"/>
-                <a:ea typeface="Roboto Slab"/>
-                <a:cs typeface="Roboto Slab"/>
-                <a:sym typeface="Roboto Slab"/>
-              </a:rPr>
-              <a:t>Python</a:t>
-            </a:r>
-            <a:r>
-              <a:rPr lang="en" sz="1800">
-                <a:solidFill>
-                  <a:srgbClr val="222222"/>
-                </a:solidFill>
-                <a:highlight>
-                  <a:srgbClr val="FFFFFF"/>
-                </a:highlight>
-                <a:latin typeface="Roboto Slab"/>
-                <a:ea typeface="Roboto Slab"/>
-                <a:cs typeface="Roboto Slab"/>
-                <a:sym typeface="Roboto Slab"/>
-              </a:rPr>
-              <a:t> programming language and its numerical mathematics extension NumPy</a:t>
-            </a:r>
-            <a:endParaRPr sz="1800">
-              <a:solidFill>
-                <a:srgbClr val="222222"/>
-              </a:solidFill>
-              <a:highlight>
-                <a:srgbClr val="FFFFFF"/>
-              </a:highlight>
-              <a:latin typeface="Roboto Slab"/>
-              <a:ea typeface="Roboto Slab"/>
-              <a:cs typeface="Roboto Slab"/>
-              <a:sym typeface="Roboto Slab"/>
-            </a:endParaRPr>
-          </a:p>
-          <a:p>
-            <a:pPr indent="0" lvl="0" marL="0" rtl="0" algn="l">
-              <a:spcBef>
-                <a:spcPts val="600"/>
-              </a:spcBef>
-              <a:spcAft>
-                <a:spcPts val="0"/>
-              </a:spcAft>
-              <a:buNone/>
-            </a:pPr>
-            <a:r>
-              <a:t/>
-            </a:r>
-            <a:endParaRPr sz="1800">
-              <a:solidFill>
-                <a:srgbClr val="222222"/>
-              </a:solidFill>
-              <a:highlight>
-                <a:srgbClr val="FFFFFF"/>
-              </a:highlight>
-              <a:latin typeface="Roboto Slab"/>
-              <a:ea typeface="Roboto Slab"/>
-              <a:cs typeface="Roboto Slab"/>
-              <a:sym typeface="Roboto Slab"/>
-            </a:endParaRPr>
-          </a:p>
-          <a:p>
-            <a:pPr indent="0" lvl="0" marL="0" rtl="0" algn="l">
-              <a:spcBef>
-                <a:spcPts val="600"/>
-              </a:spcBef>
-              <a:spcAft>
-                <a:spcPts val="0"/>
-              </a:spcAft>
-              <a:buNone/>
-            </a:pPr>
-            <a:r>
-              <a:rPr lang="en" sz="1800">
-                <a:solidFill>
-                  <a:srgbClr val="222222"/>
-                </a:solidFill>
-                <a:highlight>
-                  <a:srgbClr val="FFFFFF"/>
-                </a:highlight>
-                <a:latin typeface="Roboto Slab"/>
-                <a:ea typeface="Roboto Slab"/>
-                <a:cs typeface="Roboto Slab"/>
-                <a:sym typeface="Roboto Slab"/>
-              </a:rPr>
-              <a:t>Super easy to use! </a:t>
-            </a:r>
-            <a:endParaRPr sz="1800">
-              <a:solidFill>
-                <a:srgbClr val="222222"/>
-              </a:solidFill>
-              <a:highlight>
-                <a:srgbClr val="FFFFFF"/>
-              </a:highlight>
-              <a:latin typeface="Roboto Slab"/>
-              <a:ea typeface="Roboto Slab"/>
-              <a:cs typeface="Roboto Slab"/>
-              <a:sym typeface="Roboto Slab"/>
-            </a:endParaRPr>
-          </a:p>
-          <a:p>
-            <a:pPr indent="0" lvl="0" marL="0" rtl="0" algn="l">
-              <a:spcBef>
-                <a:spcPts val="600"/>
-              </a:spcBef>
-              <a:spcAft>
-                <a:spcPts val="0"/>
-              </a:spcAft>
-              <a:buNone/>
-            </a:pPr>
-            <a:r>
-              <a:t/>
-            </a:r>
-            <a:endParaRPr sz="1800">
-              <a:solidFill>
-                <a:srgbClr val="222222"/>
-              </a:solidFill>
-              <a:highlight>
-                <a:srgbClr val="FFFFFF"/>
-              </a:highlight>
-              <a:latin typeface="Roboto Slab"/>
-              <a:ea typeface="Roboto Slab"/>
-              <a:cs typeface="Roboto Slab"/>
-              <a:sym typeface="Roboto Slab"/>
-            </a:endParaRPr>
-          </a:p>
-          <a:p>
-            <a:pPr indent="0" lvl="0" marL="0" rtl="0" algn="l">
-              <a:spcBef>
-                <a:spcPts val="600"/>
-              </a:spcBef>
-              <a:spcAft>
-                <a:spcPts val="0"/>
-              </a:spcAft>
-              <a:buNone/>
-            </a:pPr>
-            <a:r>
-              <a:t/>
-            </a:r>
-            <a:endParaRPr sz="1800">
-              <a:solidFill>
-                <a:srgbClr val="222222"/>
-              </a:solidFill>
-              <a:highlight>
-                <a:srgbClr val="FFFFFF"/>
-              </a:highlight>
-              <a:latin typeface="Roboto Slab"/>
-              <a:ea typeface="Roboto Slab"/>
-              <a:cs typeface="Roboto Slab"/>
-              <a:sym typeface="Roboto Slab"/>
-            </a:endParaRPr>
-          </a:p>
-        </p:txBody>
-      </p:sp>
-      <p:sp>
-        <p:nvSpPr>
-          <p:cNvPr id="582" name="Google Shape;582;p81"/>
-          <p:cNvSpPr txBox="1"/>
-          <p:nvPr>
-            <p:ph idx="12" type="sldNum"/>
-          </p:nvPr>
-        </p:nvSpPr>
-        <p:spPr>
-          <a:xfrm>
-            <a:off x="8404384" y="6333134"/>
-            <a:ext cx="548700" cy="525000"/>
-          </a:xfrm>
-          <a:prstGeom prst="rect">
-            <a:avLst/>
-          </a:prstGeom>
-        </p:spPr>
-        <p:txBody>
-          <a:bodyPr anchorCtr="0" anchor="t" bIns="91425" lIns="91425" spcFirstLastPara="1" rIns="91425" wrap="square" tIns="91425">
-            <a:noAutofit/>
-          </a:bodyPr>
-          <a:lstStyle/>
-          <a:p>
-            <a:pPr indent="0" lvl="0" marL="0" rtl="0" algn="r">
-              <a:spcBef>
-                <a:spcPts val="0"/>
-              </a:spcBef>
-              <a:spcAft>
-                <a:spcPts val="0"/>
-              </a:spcAft>
-              <a:buNone/>
-            </a:pPr>
-            <a:fld id="{00000000-1234-1234-1234-123412341234}" type="slidenum">
-              <a:rPr lang="en"/>
-              <a:t>‹#›</a:t>
-            </a:fld>
-            <a:endParaRPr/>
-          </a:p>
-        </p:txBody>
-      </p:sp>
-      <p:pic>
-        <p:nvPicPr>
-          <p:cNvPr id="583" name="Google Shape;583;p81"/>
-          <p:cNvPicPr preferRelativeResize="0"/>
-          <p:nvPr/>
-        </p:nvPicPr>
-        <p:blipFill>
-          <a:blip r:embed="rId3">
-            <a:alphaModFix/>
-          </a:blip>
-          <a:stretch>
-            <a:fillRect/>
-          </a:stretch>
-        </p:blipFill>
-        <p:spPr>
-          <a:xfrm>
-            <a:off x="3104113" y="684900"/>
-            <a:ext cx="2763475" cy="662825"/>
-          </a:xfrm>
-          <a:prstGeom prst="rect">
-            <a:avLst/>
-          </a:prstGeom>
-          <a:noFill/>
-          <a:ln>
-            <a:noFill/>
-          </a:ln>
-        </p:spPr>
-      </p:pic>
-      <p:sp>
-        <p:nvSpPr>
-          <p:cNvPr id="584" name="Google Shape;584;p81"/>
+          <p:cNvPr id="569" name="Google Shape;569;p79"/>
           <p:cNvSpPr/>
           <p:nvPr/>
         </p:nvSpPr>
@@ -39483,12 +38691,12 @@
 </p:sld>
 </file>
 
-<file path=ppt/slides/slide38.xml><?xml version="1.0" encoding="utf-8"?>
+<file path=ppt/slides/slide36.xml><?xml version="1.0" encoding="utf-8"?>
 <p:sld xmlns:a="http://schemas.openxmlformats.org/drawingml/2006/main" xmlns:r="http://schemas.openxmlformats.org/officeDocument/2006/relationships" xmlns:mc="http://schemas.openxmlformats.org/markup-compatibility/2006" xmlns:mv="urn:schemas-microsoft-com:mac:vml" xmlns:p="http://schemas.openxmlformats.org/presentationml/2006/main" xmlns:c="http://schemas.openxmlformats.org/drawingml/2006/chart" xmlns:dgm="http://schemas.openxmlformats.org/drawingml/2006/diagram" xmlns:o="urn:schemas-microsoft-com:office:office" xmlns:v="urn:schemas-microsoft-com:vml" xmlns:pvml="urn:schemas-microsoft-com:office:powerpoint" xmlns:com="http://schemas.openxmlformats.org/drawingml/2006/compatibility" xmlns:p14="http://schemas.microsoft.com/office/powerpoint/2010/main" xmlns:p15="http://schemas.microsoft.com/office/powerpoint/2012/main">
   <p:cSld>
     <p:spTree>
       <p:nvGrpSpPr>
-        <p:cNvPr id="588" name="Shape 588"/>
+        <p:cNvPr id="573" name="Shape 573"/>
         <p:cNvGrpSpPr/>
         <p:nvPr/>
       </p:nvGrpSpPr>
@@ -39502,7 +38710,7 @@
       </p:grpSpPr>
       <p:sp>
         <p:nvSpPr>
-          <p:cNvPr id="589" name="Google Shape;589;p82"/>
+          <p:cNvPr id="574" name="Google Shape;574;p80"/>
           <p:cNvSpPr txBox="1"/>
           <p:nvPr>
             <p:ph idx="12" type="sldNum"/>
@@ -39542,7 +38750,7 @@
       </p:sp>
       <p:sp>
         <p:nvSpPr>
-          <p:cNvPr id="590" name="Google Shape;590;p82"/>
+          <p:cNvPr id="575" name="Google Shape;575;p80"/>
           <p:cNvSpPr/>
           <p:nvPr/>
         </p:nvSpPr>
@@ -39801,7 +39009,7 @@
       </p:sp>
       <p:pic>
         <p:nvPicPr>
-          <p:cNvPr id="591" name="Google Shape;591;p82"/>
+          <p:cNvPr id="576" name="Google Shape;576;p80"/>
           <p:cNvPicPr preferRelativeResize="0"/>
           <p:nvPr/>
         </p:nvPicPr>
@@ -39835,12 +39043,12 @@
 </p:sld>
 </file>
 
-<file path=ppt/slides/slide39.xml><?xml version="1.0" encoding="utf-8"?>
+<file path=ppt/slides/slide37.xml><?xml version="1.0" encoding="utf-8"?>
 <p:sld xmlns:a="http://schemas.openxmlformats.org/drawingml/2006/main" xmlns:r="http://schemas.openxmlformats.org/officeDocument/2006/relationships" xmlns:mc="http://schemas.openxmlformats.org/markup-compatibility/2006" xmlns:mv="urn:schemas-microsoft-com:mac:vml" xmlns:p="http://schemas.openxmlformats.org/presentationml/2006/main" xmlns:c="http://schemas.openxmlformats.org/drawingml/2006/chart" xmlns:dgm="http://schemas.openxmlformats.org/drawingml/2006/diagram" xmlns:o="urn:schemas-microsoft-com:office:office" xmlns:v="urn:schemas-microsoft-com:vml" xmlns:pvml="urn:schemas-microsoft-com:office:powerpoint" xmlns:com="http://schemas.openxmlformats.org/drawingml/2006/compatibility" xmlns:p14="http://schemas.microsoft.com/office/powerpoint/2010/main" xmlns:p15="http://schemas.microsoft.com/office/powerpoint/2012/main">
   <p:cSld>
     <p:spTree>
       <p:nvGrpSpPr>
-        <p:cNvPr id="595" name="Shape 595"/>
+        <p:cNvPr id="580" name="Shape 580"/>
         <p:cNvGrpSpPr/>
         <p:nvPr/>
       </p:nvGrpSpPr>
@@ -39854,7 +39062,7 @@
       </p:grpSpPr>
       <p:sp>
         <p:nvSpPr>
-          <p:cNvPr id="596" name="Google Shape;596;p83"/>
+          <p:cNvPr id="581" name="Google Shape;581;p81"/>
           <p:cNvSpPr txBox="1"/>
           <p:nvPr>
             <p:ph idx="12" type="sldNum"/>
@@ -39894,7 +39102,7 @@
       </p:sp>
       <p:sp>
         <p:nvSpPr>
-          <p:cNvPr id="597" name="Google Shape;597;p83"/>
+          <p:cNvPr id="582" name="Google Shape;582;p81"/>
           <p:cNvSpPr/>
           <p:nvPr/>
         </p:nvSpPr>
@@ -40126,7 +39334,7 @@
       </p:sp>
       <p:pic>
         <p:nvPicPr>
-          <p:cNvPr id="598" name="Google Shape;598;p83"/>
+          <p:cNvPr id="583" name="Google Shape;583;p81"/>
           <p:cNvPicPr preferRelativeResize="0"/>
           <p:nvPr/>
         </p:nvPicPr>
@@ -40152,6 +39360,797 @@
           </a:ln>
         </p:spPr>
       </p:pic>
+    </p:spTree>
+  </p:cSld>
+  <p:clrMapOvr>
+    <a:masterClrMapping/>
+  </p:clrMapOvr>
+</p:sld>
+</file>
+
+<file path=ppt/slides/slide38.xml><?xml version="1.0" encoding="utf-8"?>
+<p:sld xmlns:a="http://schemas.openxmlformats.org/drawingml/2006/main" xmlns:r="http://schemas.openxmlformats.org/officeDocument/2006/relationships" xmlns:mc="http://schemas.openxmlformats.org/markup-compatibility/2006" xmlns:mv="urn:schemas-microsoft-com:mac:vml" xmlns:p="http://schemas.openxmlformats.org/presentationml/2006/main" xmlns:c="http://schemas.openxmlformats.org/drawingml/2006/chart" xmlns:dgm="http://schemas.openxmlformats.org/drawingml/2006/diagram" xmlns:o="urn:schemas-microsoft-com:office:office" xmlns:v="urn:schemas-microsoft-com:vml" xmlns:pvml="urn:schemas-microsoft-com:office:powerpoint" xmlns:com="http://schemas.openxmlformats.org/drawingml/2006/compatibility" xmlns:p14="http://schemas.microsoft.com/office/powerpoint/2010/main" xmlns:p15="http://schemas.microsoft.com/office/powerpoint/2012/main">
+  <p:cSld>
+    <p:spTree>
+      <p:nvGrpSpPr>
+        <p:cNvPr id="587" name="Shape 587"/>
+        <p:cNvGrpSpPr/>
+        <p:nvPr/>
+      </p:nvGrpSpPr>
+      <p:grpSpPr>
+        <a:xfrm>
+          <a:off x="0" y="0"/>
+          <a:ext cx="0" cy="0"/>
+          <a:chOff x="0" y="0"/>
+          <a:chExt cx="0" cy="0"/>
+        </a:xfrm>
+      </p:grpSpPr>
+      <p:sp>
+        <p:nvSpPr>
+          <p:cNvPr id="588" name="Google Shape;588;p82"/>
+          <p:cNvSpPr txBox="1"/>
+          <p:nvPr>
+            <p:ph idx="12" type="sldNum"/>
+          </p:nvPr>
+        </p:nvSpPr>
+        <p:spPr>
+          <a:xfrm>
+            <a:off x="8404384" y="6333134"/>
+            <a:ext cx="548700" cy="525000"/>
+          </a:xfrm>
+          <a:prstGeom prst="rect">
+            <a:avLst/>
+          </a:prstGeom>
+        </p:spPr>
+        <p:txBody>
+          <a:bodyPr anchorCtr="0" anchor="t" bIns="91425" lIns="91425" spcFirstLastPara="1" rIns="91425" wrap="square" tIns="91425">
+            <a:noAutofit/>
+          </a:bodyPr>
+          <a:lstStyle/>
+          <a:p>
+            <a:pPr indent="0" lvl="0" marL="0" rtl="0" algn="r">
+              <a:spcBef>
+                <a:spcPts val="0"/>
+              </a:spcBef>
+              <a:spcAft>
+                <a:spcPts val="0"/>
+              </a:spcAft>
+              <a:buNone/>
+            </a:pPr>
+            <a:fld id="{00000000-1234-1234-1234-123412341234}" type="slidenum">
+              <a:rPr lang="en"/>
+              <a:t>‹#›</a:t>
+            </a:fld>
+            <a:endParaRPr/>
+          </a:p>
+        </p:txBody>
+      </p:sp>
+      <p:sp>
+        <p:nvSpPr>
+          <p:cNvPr id="589" name="Google Shape;589;p82"/>
+          <p:cNvSpPr/>
+          <p:nvPr/>
+        </p:nvSpPr>
+        <p:spPr>
+          <a:xfrm>
+            <a:off x="583175" y="410850"/>
+            <a:ext cx="8015100" cy="3603900"/>
+          </a:xfrm>
+          <a:prstGeom prst="roundRect">
+            <a:avLst>
+              <a:gd fmla="val 6721" name="adj"/>
+            </a:avLst>
+          </a:prstGeom>
+          <a:solidFill>
+            <a:srgbClr val="F3F3F3"/>
+          </a:solidFill>
+          <a:ln cap="flat" cmpd="sng" w="9525">
+            <a:solidFill>
+              <a:schemeClr val="dk2"/>
+            </a:solidFill>
+            <a:prstDash val="solid"/>
+            <a:round/>
+            <a:headEnd len="sm" w="sm" type="none"/>
+            <a:tailEnd len="sm" w="sm" type="none"/>
+          </a:ln>
+        </p:spPr>
+        <p:txBody>
+          <a:bodyPr anchorCtr="0" anchor="t" bIns="91425" lIns="274300" spcFirstLastPara="1" rIns="91425" wrap="square" tIns="91425">
+            <a:noAutofit/>
+          </a:bodyPr>
+          <a:lstStyle/>
+          <a:p>
+            <a:pPr indent="0" lvl="0" marL="0" rtl="0" algn="l">
+              <a:spcBef>
+                <a:spcPts val="0"/>
+              </a:spcBef>
+              <a:spcAft>
+                <a:spcPts val="0"/>
+              </a:spcAft>
+              <a:buNone/>
+            </a:pPr>
+            <a:r>
+              <a:rPr lang="en" sz="2400">
+                <a:latin typeface="Inconsolata"/>
+                <a:ea typeface="Inconsolata"/>
+                <a:cs typeface="Inconsolata"/>
+                <a:sym typeface="Inconsolata"/>
+              </a:rPr>
+              <a:t>x</a:t>
+            </a:r>
+            <a:r>
+              <a:rPr lang="en" sz="2400">
+                <a:latin typeface="Inconsolata"/>
+                <a:ea typeface="Inconsolata"/>
+                <a:cs typeface="Inconsolata"/>
+                <a:sym typeface="Inconsolata"/>
+              </a:rPr>
+              <a:t> = np.array([[0, 0, 0, 0, 0, 0, 0], </a:t>
+            </a:r>
+            <a:endParaRPr sz="2400">
+              <a:latin typeface="Inconsolata"/>
+              <a:ea typeface="Inconsolata"/>
+              <a:cs typeface="Inconsolata"/>
+              <a:sym typeface="Inconsolata"/>
+            </a:endParaRPr>
+          </a:p>
+          <a:p>
+            <a:pPr indent="0" lvl="0" marL="0" rtl="0" algn="l">
+              <a:spcBef>
+                <a:spcPts val="0"/>
+              </a:spcBef>
+              <a:spcAft>
+                <a:spcPts val="0"/>
+              </a:spcAft>
+              <a:buNone/>
+            </a:pPr>
+            <a:r>
+              <a:rPr lang="en" sz="2400">
+                <a:latin typeface="Inconsolata"/>
+                <a:ea typeface="Inconsolata"/>
+                <a:cs typeface="Inconsolata"/>
+                <a:sym typeface="Inconsolata"/>
+              </a:rPr>
+              <a:t>				  [0, 0, 1, 0, 1, 0, 0],</a:t>
+            </a:r>
+            <a:endParaRPr sz="2400">
+              <a:latin typeface="Inconsolata"/>
+              <a:ea typeface="Inconsolata"/>
+              <a:cs typeface="Inconsolata"/>
+              <a:sym typeface="Inconsolata"/>
+            </a:endParaRPr>
+          </a:p>
+          <a:p>
+            <a:pPr indent="0" lvl="0" marL="0" rtl="0" algn="l">
+              <a:spcBef>
+                <a:spcPts val="0"/>
+              </a:spcBef>
+              <a:spcAft>
+                <a:spcPts val="0"/>
+              </a:spcAft>
+              <a:buNone/>
+            </a:pPr>
+            <a:r>
+              <a:rPr lang="en" sz="2400">
+                <a:latin typeface="Inconsolata"/>
+                <a:ea typeface="Inconsolata"/>
+                <a:cs typeface="Inconsolata"/>
+                <a:sym typeface="Inconsolata"/>
+              </a:rPr>
+              <a:t>				  [0, 0, 0, 0, 0, 0, 0],</a:t>
+            </a:r>
+            <a:endParaRPr sz="2400">
+              <a:latin typeface="Inconsolata"/>
+              <a:ea typeface="Inconsolata"/>
+              <a:cs typeface="Inconsolata"/>
+              <a:sym typeface="Inconsolata"/>
+            </a:endParaRPr>
+          </a:p>
+          <a:p>
+            <a:pPr indent="0" lvl="0" marL="0" rtl="0" algn="l">
+              <a:spcBef>
+                <a:spcPts val="0"/>
+              </a:spcBef>
+              <a:spcAft>
+                <a:spcPts val="0"/>
+              </a:spcAft>
+              <a:buNone/>
+            </a:pPr>
+            <a:r>
+              <a:rPr lang="en" sz="2400">
+                <a:latin typeface="Inconsolata"/>
+                <a:ea typeface="Inconsolata"/>
+                <a:cs typeface="Inconsolata"/>
+                <a:sym typeface="Inconsolata"/>
+              </a:rPr>
+              <a:t>				  [0, 1, 0, 0, 0, 1, 0],</a:t>
+            </a:r>
+            <a:endParaRPr sz="2400">
+              <a:latin typeface="Inconsolata"/>
+              <a:ea typeface="Inconsolata"/>
+              <a:cs typeface="Inconsolata"/>
+              <a:sym typeface="Inconsolata"/>
+            </a:endParaRPr>
+          </a:p>
+          <a:p>
+            <a:pPr indent="0" lvl="0" marL="0" rtl="0" algn="l">
+              <a:spcBef>
+                <a:spcPts val="0"/>
+              </a:spcBef>
+              <a:spcAft>
+                <a:spcPts val="0"/>
+              </a:spcAft>
+              <a:buNone/>
+            </a:pPr>
+            <a:r>
+              <a:rPr lang="en" sz="2400">
+                <a:latin typeface="Inconsolata"/>
+                <a:ea typeface="Inconsolata"/>
+                <a:cs typeface="Inconsolata"/>
+                <a:sym typeface="Inconsolata"/>
+              </a:rPr>
+              <a:t>				  [0, 0, 1, 1, 1, 0, 0],</a:t>
+            </a:r>
+            <a:endParaRPr sz="2400">
+              <a:latin typeface="Inconsolata"/>
+              <a:ea typeface="Inconsolata"/>
+              <a:cs typeface="Inconsolata"/>
+              <a:sym typeface="Inconsolata"/>
+            </a:endParaRPr>
+          </a:p>
+          <a:p>
+            <a:pPr indent="0" lvl="0" marL="1828800" rtl="0" algn="l">
+              <a:spcBef>
+                <a:spcPts val="0"/>
+              </a:spcBef>
+              <a:spcAft>
+                <a:spcPts val="0"/>
+              </a:spcAft>
+              <a:buNone/>
+            </a:pPr>
+            <a:r>
+              <a:rPr lang="en" sz="2400">
+                <a:solidFill>
+                  <a:schemeClr val="dk1"/>
+                </a:solidFill>
+                <a:latin typeface="Inconsolata"/>
+                <a:ea typeface="Inconsolata"/>
+                <a:cs typeface="Inconsolata"/>
+                <a:sym typeface="Inconsolata"/>
+              </a:rPr>
+              <a:t>  </a:t>
+            </a:r>
+            <a:r>
+              <a:rPr lang="en" sz="2400">
+                <a:solidFill>
+                  <a:schemeClr val="dk1"/>
+                </a:solidFill>
+                <a:latin typeface="Inconsolata"/>
+                <a:ea typeface="Inconsolata"/>
+                <a:cs typeface="Inconsolata"/>
+                <a:sym typeface="Inconsolata"/>
+              </a:rPr>
+              <a:t>[0, 0, 0, 0, 0, 0, 0]])</a:t>
+            </a:r>
+            <a:endParaRPr sz="2400">
+              <a:solidFill>
+                <a:schemeClr val="dk1"/>
+              </a:solidFill>
+              <a:latin typeface="Inconsolata"/>
+              <a:ea typeface="Inconsolata"/>
+              <a:cs typeface="Inconsolata"/>
+              <a:sym typeface="Inconsolata"/>
+            </a:endParaRPr>
+          </a:p>
+          <a:p>
+            <a:pPr indent="0" lvl="0" marL="0" rtl="0" algn="l">
+              <a:spcBef>
+                <a:spcPts val="0"/>
+              </a:spcBef>
+              <a:spcAft>
+                <a:spcPts val="0"/>
+              </a:spcAft>
+              <a:buNone/>
+            </a:pPr>
+            <a:r>
+              <a:t/>
+            </a:r>
+            <a:endParaRPr sz="2400">
+              <a:solidFill>
+                <a:schemeClr val="dk1"/>
+              </a:solidFill>
+              <a:latin typeface="Inconsolata"/>
+              <a:ea typeface="Inconsolata"/>
+              <a:cs typeface="Inconsolata"/>
+              <a:sym typeface="Inconsolata"/>
+            </a:endParaRPr>
+          </a:p>
+          <a:p>
+            <a:pPr indent="0" lvl="0" marL="0" rtl="0" algn="l">
+              <a:spcBef>
+                <a:spcPts val="0"/>
+              </a:spcBef>
+              <a:spcAft>
+                <a:spcPts val="0"/>
+              </a:spcAft>
+              <a:buNone/>
+            </a:pPr>
+            <a:r>
+              <a:rPr lang="en" sz="2400">
+                <a:solidFill>
+                  <a:schemeClr val="dk1"/>
+                </a:solidFill>
+                <a:latin typeface="Inconsolata"/>
+                <a:ea typeface="Inconsolata"/>
+                <a:cs typeface="Inconsolata"/>
+                <a:sym typeface="Inconsolata"/>
+              </a:rPr>
+              <a:t>plt.imshow(x)</a:t>
+            </a:r>
+            <a:endParaRPr sz="2400">
+              <a:solidFill>
+                <a:schemeClr val="dk1"/>
+              </a:solidFill>
+              <a:latin typeface="Inconsolata"/>
+              <a:ea typeface="Inconsolata"/>
+              <a:cs typeface="Inconsolata"/>
+              <a:sym typeface="Inconsolata"/>
+            </a:endParaRPr>
+          </a:p>
+          <a:p>
+            <a:pPr indent="0" lvl="0" marL="0" rtl="0" algn="l">
+              <a:spcBef>
+                <a:spcPts val="0"/>
+              </a:spcBef>
+              <a:spcAft>
+                <a:spcPts val="0"/>
+              </a:spcAft>
+              <a:buClr>
+                <a:schemeClr val="dk1"/>
+              </a:buClr>
+              <a:buSzPts val="1100"/>
+              <a:buFont typeface="Arial"/>
+              <a:buNone/>
+            </a:pPr>
+            <a:r>
+              <a:rPr lang="en" sz="2400">
+                <a:solidFill>
+                  <a:schemeClr val="dk1"/>
+                </a:solidFill>
+                <a:latin typeface="Inconsolata"/>
+                <a:ea typeface="Inconsolata"/>
+                <a:cs typeface="Inconsolata"/>
+                <a:sym typeface="Inconsolata"/>
+              </a:rPr>
+              <a:t>plt.show() </a:t>
+            </a:r>
+            <a:endParaRPr sz="2400">
+              <a:latin typeface="Inconsolata"/>
+              <a:ea typeface="Inconsolata"/>
+              <a:cs typeface="Inconsolata"/>
+              <a:sym typeface="Inconsolata"/>
+            </a:endParaRPr>
+          </a:p>
+        </p:txBody>
+      </p:sp>
+      <p:pic>
+        <p:nvPicPr>
+          <p:cNvPr id="590" name="Google Shape;590;p82"/>
+          <p:cNvPicPr preferRelativeResize="0"/>
+          <p:nvPr/>
+        </p:nvPicPr>
+        <p:blipFill>
+          <a:blip r:embed="rId3">
+            <a:alphaModFix/>
+          </a:blip>
+          <a:stretch>
+            <a:fillRect/>
+          </a:stretch>
+        </p:blipFill>
+        <p:spPr>
+          <a:xfrm>
+            <a:off x="3055475" y="4167150"/>
+            <a:ext cx="3033029" cy="2538449"/>
+          </a:xfrm>
+          <a:prstGeom prst="rect">
+            <a:avLst/>
+          </a:prstGeom>
+          <a:noFill/>
+          <a:ln>
+            <a:noFill/>
+          </a:ln>
+        </p:spPr>
+      </p:pic>
+    </p:spTree>
+  </p:cSld>
+  <p:clrMapOvr>
+    <a:masterClrMapping/>
+  </p:clrMapOvr>
+</p:sld>
+</file>
+
+<file path=ppt/slides/slide39.xml><?xml version="1.0" encoding="utf-8"?>
+<p:sld xmlns:a="http://schemas.openxmlformats.org/drawingml/2006/main" xmlns:r="http://schemas.openxmlformats.org/officeDocument/2006/relationships" xmlns:mc="http://schemas.openxmlformats.org/markup-compatibility/2006" xmlns:mv="urn:schemas-microsoft-com:mac:vml" xmlns:p="http://schemas.openxmlformats.org/presentationml/2006/main" xmlns:c="http://schemas.openxmlformats.org/drawingml/2006/chart" xmlns:dgm="http://schemas.openxmlformats.org/drawingml/2006/diagram" xmlns:o="urn:schemas-microsoft-com:office:office" xmlns:v="urn:schemas-microsoft-com:vml" xmlns:pvml="urn:schemas-microsoft-com:office:powerpoint" xmlns:com="http://schemas.openxmlformats.org/drawingml/2006/compatibility" xmlns:p14="http://schemas.microsoft.com/office/powerpoint/2010/main" xmlns:p15="http://schemas.microsoft.com/office/powerpoint/2012/main">
+  <p:cSld>
+    <p:spTree>
+      <p:nvGrpSpPr>
+        <p:cNvPr id="594" name="Shape 594"/>
+        <p:cNvGrpSpPr/>
+        <p:nvPr/>
+      </p:nvGrpSpPr>
+      <p:grpSpPr>
+        <a:xfrm>
+          <a:off x="0" y="0"/>
+          <a:ext cx="0" cy="0"/>
+          <a:chOff x="0" y="0"/>
+          <a:chExt cx="0" cy="0"/>
+        </a:xfrm>
+      </p:grpSpPr>
+      <p:sp>
+        <p:nvSpPr>
+          <p:cNvPr id="595" name="Google Shape;595;p83"/>
+          <p:cNvSpPr txBox="1"/>
+          <p:nvPr>
+            <p:ph idx="12" type="sldNum"/>
+          </p:nvPr>
+        </p:nvSpPr>
+        <p:spPr>
+          <a:xfrm>
+            <a:off x="8404384" y="6333134"/>
+            <a:ext cx="548700" cy="525000"/>
+          </a:xfrm>
+          <a:prstGeom prst="rect">
+            <a:avLst/>
+          </a:prstGeom>
+        </p:spPr>
+        <p:txBody>
+          <a:bodyPr anchorCtr="0" anchor="t" bIns="91425" lIns="91425" spcFirstLastPara="1" rIns="91425" wrap="square" tIns="91425">
+            <a:noAutofit/>
+          </a:bodyPr>
+          <a:lstStyle/>
+          <a:p>
+            <a:pPr indent="0" lvl="0" marL="0" rtl="0" algn="r">
+              <a:spcBef>
+                <a:spcPts val="0"/>
+              </a:spcBef>
+              <a:spcAft>
+                <a:spcPts val="0"/>
+              </a:spcAft>
+              <a:buNone/>
+            </a:pPr>
+            <a:fld id="{00000000-1234-1234-1234-123412341234}" type="slidenum">
+              <a:rPr lang="en"/>
+              <a:t>‹#›</a:t>
+            </a:fld>
+            <a:endParaRPr/>
+          </a:p>
+        </p:txBody>
+      </p:sp>
+      <p:sp>
+        <p:nvSpPr>
+          <p:cNvPr id="596" name="Google Shape;596;p83"/>
+          <p:cNvSpPr txBox="1"/>
+          <p:nvPr>
+            <p:ph type="title"/>
+          </p:nvPr>
+        </p:nvSpPr>
+        <p:spPr>
+          <a:xfrm>
+            <a:off x="786150" y="949676"/>
+            <a:ext cx="7571700" cy="936900"/>
+          </a:xfrm>
+          <a:prstGeom prst="rect">
+            <a:avLst/>
+          </a:prstGeom>
+        </p:spPr>
+        <p:txBody>
+          <a:bodyPr anchorCtr="0" anchor="b" bIns="91425" lIns="91425" spcFirstLastPara="1" rIns="91425" wrap="square" tIns="91425">
+            <a:noAutofit/>
+          </a:bodyPr>
+          <a:lstStyle/>
+          <a:p>
+            <a:pPr indent="0" lvl="0" marL="0" rtl="0" algn="l">
+              <a:spcBef>
+                <a:spcPts val="0"/>
+              </a:spcBef>
+              <a:spcAft>
+                <a:spcPts val="0"/>
+              </a:spcAft>
+              <a:buNone/>
+            </a:pPr>
+            <a:r>
+              <a:rPr lang="en"/>
+              <a:t>Matplotlib is a great tool data visualization</a:t>
+            </a:r>
+            <a:endParaRPr/>
+          </a:p>
+          <a:p>
+            <a:pPr indent="0" lvl="0" marL="0" rtl="0" algn="l">
+              <a:spcBef>
+                <a:spcPts val="0"/>
+              </a:spcBef>
+              <a:spcAft>
+                <a:spcPts val="0"/>
+              </a:spcAft>
+              <a:buNone/>
+            </a:pPr>
+            <a:r>
+              <a:t/>
+            </a:r>
+            <a:endParaRPr/>
+          </a:p>
+          <a:p>
+            <a:pPr indent="0" lvl="0" marL="0" rtl="0" algn="l">
+              <a:spcBef>
+                <a:spcPts val="0"/>
+              </a:spcBef>
+              <a:spcAft>
+                <a:spcPts val="0"/>
+              </a:spcAft>
+              <a:buNone/>
+            </a:pPr>
+            <a:r>
+              <a:rPr lang="en" sz="1800">
+                <a:solidFill>
+                  <a:srgbClr val="000000"/>
+                </a:solidFill>
+              </a:rPr>
+              <a:t>Some examples from their website</a:t>
+            </a:r>
+            <a:r>
+              <a:rPr lang="en" sz="1800"/>
+              <a:t> </a:t>
+            </a:r>
+            <a:endParaRPr sz="1800"/>
+          </a:p>
+        </p:txBody>
+      </p:sp>
+      <p:pic>
+        <p:nvPicPr>
+          <p:cNvPr id="597" name="Google Shape;597;p83"/>
+          <p:cNvPicPr preferRelativeResize="0"/>
+          <p:nvPr/>
+        </p:nvPicPr>
+        <p:blipFill>
+          <a:blip r:embed="rId3">
+            <a:alphaModFix/>
+          </a:blip>
+          <a:stretch>
+            <a:fillRect/>
+          </a:stretch>
+        </p:blipFill>
+        <p:spPr>
+          <a:xfrm>
+            <a:off x="152400" y="2182437"/>
+            <a:ext cx="3546501" cy="2659876"/>
+          </a:xfrm>
+          <a:prstGeom prst="rect">
+            <a:avLst/>
+          </a:prstGeom>
+          <a:noFill/>
+          <a:ln>
+            <a:noFill/>
+          </a:ln>
+        </p:spPr>
+      </p:pic>
+      <p:pic>
+        <p:nvPicPr>
+          <p:cNvPr id="598" name="Google Shape;598;p83"/>
+          <p:cNvPicPr preferRelativeResize="0"/>
+          <p:nvPr/>
+        </p:nvPicPr>
+        <p:blipFill rotWithShape="1">
+          <a:blip r:embed="rId4">
+            <a:alphaModFix/>
+          </a:blip>
+          <a:srcRect b="0" l="14162" r="14162" t="0"/>
+          <a:stretch/>
+        </p:blipFill>
+        <p:spPr>
+          <a:xfrm>
+            <a:off x="3496325" y="2182425"/>
+            <a:ext cx="2637974" cy="2760275"/>
+          </a:xfrm>
+          <a:prstGeom prst="rect">
+            <a:avLst/>
+          </a:prstGeom>
+          <a:noFill/>
+          <a:ln>
+            <a:noFill/>
+          </a:ln>
+        </p:spPr>
+      </p:pic>
+      <p:pic>
+        <p:nvPicPr>
+          <p:cNvPr id="599" name="Google Shape;599;p83"/>
+          <p:cNvPicPr preferRelativeResize="0"/>
+          <p:nvPr/>
+        </p:nvPicPr>
+        <p:blipFill rotWithShape="1">
+          <a:blip r:embed="rId5">
+            <a:alphaModFix/>
+          </a:blip>
+          <a:srcRect b="0" l="14592" r="15049" t="0"/>
+          <a:stretch/>
+        </p:blipFill>
+        <p:spPr>
+          <a:xfrm>
+            <a:off x="6240847" y="2182425"/>
+            <a:ext cx="2495328" cy="2659900"/>
+          </a:xfrm>
+          <a:prstGeom prst="rect">
+            <a:avLst/>
+          </a:prstGeom>
+          <a:noFill/>
+          <a:ln>
+            <a:noFill/>
+          </a:ln>
+        </p:spPr>
+      </p:pic>
+      <p:sp>
+        <p:nvSpPr>
+          <p:cNvPr id="600" name="Google Shape;600;p83"/>
+          <p:cNvSpPr txBox="1"/>
+          <p:nvPr/>
+        </p:nvSpPr>
+        <p:spPr>
+          <a:xfrm>
+            <a:off x="3794113" y="4942700"/>
+            <a:ext cx="2042400" cy="342900"/>
+          </a:xfrm>
+          <a:prstGeom prst="rect">
+            <a:avLst/>
+          </a:prstGeom>
+          <a:noFill/>
+          <a:ln>
+            <a:noFill/>
+          </a:ln>
+        </p:spPr>
+        <p:txBody>
+          <a:bodyPr anchorCtr="0" anchor="t" bIns="91425" lIns="91425" spcFirstLastPara="1" rIns="91425" wrap="square" tIns="91425">
+            <a:noAutofit/>
+          </a:bodyPr>
+          <a:lstStyle/>
+          <a:p>
+            <a:pPr indent="0" lvl="0" marL="0" rtl="0" algn="ctr">
+              <a:spcBef>
+                <a:spcPts val="0"/>
+              </a:spcBef>
+              <a:spcAft>
+                <a:spcPts val="0"/>
+              </a:spcAft>
+              <a:buNone/>
+            </a:pPr>
+            <a:r>
+              <a:rPr lang="en"/>
+              <a:t>matplotlib - </a:t>
+            </a:r>
+            <a:r>
+              <a:rPr lang="en"/>
+              <a:t>3D surface (color map)</a:t>
+            </a:r>
+            <a:endParaRPr/>
+          </a:p>
+        </p:txBody>
+      </p:sp>
+      <p:sp>
+        <p:nvSpPr>
+          <p:cNvPr id="601" name="Google Shape;601;p83"/>
+          <p:cNvSpPr txBox="1"/>
+          <p:nvPr/>
+        </p:nvSpPr>
+        <p:spPr>
+          <a:xfrm>
+            <a:off x="6787863" y="4933400"/>
+            <a:ext cx="1401300" cy="361500"/>
+          </a:xfrm>
+          <a:prstGeom prst="rect">
+            <a:avLst/>
+          </a:prstGeom>
+          <a:noFill/>
+          <a:ln>
+            <a:noFill/>
+          </a:ln>
+        </p:spPr>
+        <p:txBody>
+          <a:bodyPr anchorCtr="0" anchor="t" bIns="91425" lIns="91425" spcFirstLastPara="1" rIns="91425" wrap="square" tIns="91425">
+            <a:noAutofit/>
+          </a:bodyPr>
+          <a:lstStyle/>
+          <a:p>
+            <a:pPr indent="0" lvl="0" marL="0" rtl="0" algn="ctr">
+              <a:spcBef>
+                <a:spcPts val="0"/>
+              </a:spcBef>
+              <a:spcAft>
+                <a:spcPts val="0"/>
+              </a:spcAft>
+              <a:buNone/>
+            </a:pPr>
+            <a:r>
+              <a:rPr lang="en"/>
+              <a:t>matplotlib - </a:t>
+            </a:r>
+            <a:r>
+              <a:rPr lang="en"/>
+              <a:t>Ellipse Demo</a:t>
+            </a:r>
+            <a:endParaRPr/>
+          </a:p>
+          <a:p>
+            <a:pPr indent="0" lvl="0" marL="0" rtl="0" algn="l">
+              <a:spcBef>
+                <a:spcPts val="0"/>
+              </a:spcBef>
+              <a:spcAft>
+                <a:spcPts val="0"/>
+              </a:spcAft>
+              <a:buNone/>
+            </a:pPr>
+            <a:r>
+              <a:t/>
+            </a:r>
+            <a:endParaRPr/>
+          </a:p>
+        </p:txBody>
+      </p:sp>
+      <p:sp>
+        <p:nvSpPr>
+          <p:cNvPr id="602" name="Google Shape;602;p83"/>
+          <p:cNvSpPr txBox="1"/>
+          <p:nvPr/>
+        </p:nvSpPr>
+        <p:spPr>
+          <a:xfrm>
+            <a:off x="1224988" y="4933400"/>
+            <a:ext cx="1401300" cy="361500"/>
+          </a:xfrm>
+          <a:prstGeom prst="rect">
+            <a:avLst/>
+          </a:prstGeom>
+          <a:noFill/>
+          <a:ln>
+            <a:noFill/>
+          </a:ln>
+        </p:spPr>
+        <p:txBody>
+          <a:bodyPr anchorCtr="0" anchor="t" bIns="91425" lIns="91425" spcFirstLastPara="1" rIns="91425" wrap="square" tIns="91425">
+            <a:noAutofit/>
+          </a:bodyPr>
+          <a:lstStyle/>
+          <a:p>
+            <a:pPr indent="0" lvl="0" marL="0" rtl="0" algn="ctr">
+              <a:spcBef>
+                <a:spcPts val="0"/>
+              </a:spcBef>
+              <a:spcAft>
+                <a:spcPts val="0"/>
+              </a:spcAft>
+              <a:buNone/>
+            </a:pPr>
+            <a:r>
+              <a:rPr lang="en"/>
+              <a:t>matplotlib - pyplot demo</a:t>
+            </a:r>
+            <a:endParaRPr/>
+          </a:p>
+          <a:p>
+            <a:pPr indent="0" lvl="0" marL="0" rtl="0" algn="l">
+              <a:spcBef>
+                <a:spcPts val="0"/>
+              </a:spcBef>
+              <a:spcAft>
+                <a:spcPts val="0"/>
+              </a:spcAft>
+              <a:buNone/>
+            </a:pPr>
+            <a:r>
+              <a:t/>
+            </a:r>
+            <a:endParaRPr/>
+          </a:p>
+        </p:txBody>
+      </p:sp>
     </p:spTree>
   </p:cSld>
   <p:clrMapOvr>
@@ -40302,7 +40301,7 @@
   <p:cSld>
     <p:spTree>
       <p:nvGrpSpPr>
-        <p:cNvPr id="602" name="Shape 602"/>
+        <p:cNvPr id="606" name="Shape 606"/>
         <p:cNvGrpSpPr/>
         <p:nvPr/>
       </p:nvGrpSpPr>
@@ -40316,7 +40315,70 @@
       </p:grpSpPr>
       <p:sp>
         <p:nvSpPr>
-          <p:cNvPr id="603" name="Google Shape;603;p84"/>
+          <p:cNvPr id="607" name="Google Shape;607;p84"/>
+          <p:cNvSpPr txBox="1"/>
+          <p:nvPr>
+            <p:ph idx="4294967295" type="ctrTitle"/>
+          </p:nvPr>
+        </p:nvSpPr>
+        <p:spPr>
+          <a:xfrm>
+            <a:off x="1277250" y="1235825"/>
+            <a:ext cx="5262300" cy="2193300"/>
+          </a:xfrm>
+          <a:prstGeom prst="rect">
+            <a:avLst/>
+          </a:prstGeom>
+        </p:spPr>
+        <p:txBody>
+          <a:bodyPr anchorCtr="0" anchor="b" bIns="91425" lIns="91425" spcFirstLastPara="1" rIns="91425" wrap="square" tIns="91425">
+            <a:noAutofit/>
+          </a:bodyPr>
+          <a:lstStyle/>
+          <a:p>
+            <a:pPr indent="0" lvl="0" marL="0" rtl="0" algn="l">
+              <a:spcBef>
+                <a:spcPts val="0"/>
+              </a:spcBef>
+              <a:spcAft>
+                <a:spcPts val="0"/>
+              </a:spcAft>
+              <a:buNone/>
+            </a:pPr>
+            <a:r>
+              <a:rPr b="1" lang="en" sz="6000">
+                <a:solidFill>
+                  <a:srgbClr val="CC0000"/>
+                </a:solidFill>
+              </a:rPr>
+              <a:t>Homework</a:t>
+            </a:r>
+            <a:br>
+              <a:rPr b="1" lang="en" sz="6000">
+                <a:solidFill>
+                  <a:srgbClr val="CC0000"/>
+                </a:solidFill>
+              </a:rPr>
+            </a:br>
+            <a:r>
+              <a:rPr b="1" lang="en" sz="6000">
+                <a:solidFill>
+                  <a:srgbClr val="CC0000"/>
+                </a:solidFill>
+              </a:rPr>
+              <a:t>Assignment</a:t>
+            </a:r>
+            <a:endParaRPr b="1" sz="6000">
+              <a:solidFill>
+                <a:srgbClr val="CC0000"/>
+              </a:solidFill>
+            </a:endParaRPr>
+          </a:p>
+        </p:txBody>
+      </p:sp>
+      <p:sp>
+        <p:nvSpPr>
+          <p:cNvPr id="608" name="Google Shape;608;p84"/>
           <p:cNvSpPr txBox="1"/>
           <p:nvPr>
             <p:ph idx="12" type="sldNum"/>
@@ -40356,223 +40418,60 @@
       </p:sp>
       <p:sp>
         <p:nvSpPr>
-          <p:cNvPr id="604" name="Google Shape;604;p84"/>
-          <p:cNvSpPr/>
-          <p:nvPr/>
+          <p:cNvPr id="609" name="Google Shape;609;p84"/>
+          <p:cNvSpPr txBox="1"/>
+          <p:nvPr>
+            <p:ph idx="4294967295" type="body"/>
+          </p:nvPr>
         </p:nvSpPr>
         <p:spPr>
           <a:xfrm>
-            <a:off x="583175" y="410850"/>
-            <a:ext cx="8015100" cy="3603900"/>
-          </a:xfrm>
-          <a:prstGeom prst="roundRect">
-            <a:avLst>
-              <a:gd fmla="val 6721" name="adj"/>
-            </a:avLst>
+            <a:off x="318400" y="3612400"/>
+            <a:ext cx="8339700" cy="1800600"/>
+          </a:xfrm>
+          <a:prstGeom prst="rect">
+            <a:avLst/>
           </a:prstGeom>
-          <a:solidFill>
-            <a:srgbClr val="F3F3F3"/>
-          </a:solidFill>
-          <a:ln cap="flat" cmpd="sng" w="9525">
-            <a:solidFill>
-              <a:schemeClr val="dk2"/>
-            </a:solidFill>
-            <a:prstDash val="solid"/>
-            <a:round/>
-            <a:headEnd len="sm" w="sm" type="none"/>
-            <a:tailEnd len="sm" w="sm" type="none"/>
-          </a:ln>
         </p:spPr>
         <p:txBody>
-          <a:bodyPr anchorCtr="0" anchor="t" bIns="91425" lIns="274300" spcFirstLastPara="1" rIns="91425" wrap="square" tIns="91425">
+          <a:bodyPr anchorCtr="0" anchor="t" bIns="91425" lIns="91425" spcFirstLastPara="1" rIns="91425" wrap="square" tIns="91425">
             <a:noAutofit/>
           </a:bodyPr>
           <a:lstStyle/>
           <a:p>
-            <a:pPr indent="0" lvl="0" marL="0" rtl="0" algn="l">
-              <a:spcBef>
-                <a:spcPts val="0"/>
-              </a:spcBef>
-              <a:spcAft>
-                <a:spcPts val="0"/>
-              </a:spcAft>
-              <a:buNone/>
-            </a:pPr>
-            <a:r>
-              <a:rPr lang="en" sz="2400">
-                <a:latin typeface="Inconsolata"/>
-                <a:ea typeface="Inconsolata"/>
-                <a:cs typeface="Inconsolata"/>
-                <a:sym typeface="Inconsolata"/>
+            <a:pPr indent="0" lvl="0" marL="914400" rtl="0" algn="l">
+              <a:spcBef>
+                <a:spcPts val="0"/>
+              </a:spcBef>
+              <a:spcAft>
+                <a:spcPts val="0"/>
+              </a:spcAft>
+              <a:buNone/>
+            </a:pPr>
+            <a:r>
+              <a:rPr b="1" lang="en" sz="2000">
+                <a:solidFill>
+                  <a:schemeClr val="dk1"/>
+                </a:solidFill>
+                <a:latin typeface="Roboto Slab"/>
+                <a:ea typeface="Roboto Slab"/>
+                <a:cs typeface="Roboto Slab"/>
+                <a:sym typeface="Roboto Slab"/>
               </a:rPr>
-              <a:t>x</a:t>
-            </a:r>
-            <a:r>
-              <a:rPr lang="en" sz="2400">
-                <a:latin typeface="Inconsolata"/>
-                <a:ea typeface="Inconsolata"/>
-                <a:cs typeface="Inconsolata"/>
-                <a:sym typeface="Inconsolata"/>
-              </a:rPr>
-              <a:t> = np.array([[0, 0, 0, 0, 0, 0, 0], </a:t>
-            </a:r>
-            <a:endParaRPr sz="2400">
-              <a:latin typeface="Inconsolata"/>
-              <a:ea typeface="Inconsolata"/>
-              <a:cs typeface="Inconsolata"/>
-              <a:sym typeface="Inconsolata"/>
-            </a:endParaRPr>
-          </a:p>
-          <a:p>
-            <a:pPr indent="0" lvl="0" marL="0" rtl="0" algn="l">
-              <a:spcBef>
-                <a:spcPts val="0"/>
-              </a:spcBef>
-              <a:spcAft>
-                <a:spcPts val="0"/>
-              </a:spcAft>
-              <a:buNone/>
-            </a:pPr>
-            <a:r>
-              <a:rPr lang="en" sz="2400">
-                <a:latin typeface="Inconsolata"/>
-                <a:ea typeface="Inconsolata"/>
-                <a:cs typeface="Inconsolata"/>
-                <a:sym typeface="Inconsolata"/>
-              </a:rPr>
-              <a:t>				  [0, 0, 1, 0, 1, 0, 0],</a:t>
-            </a:r>
-            <a:endParaRPr sz="2400">
-              <a:latin typeface="Inconsolata"/>
-              <a:ea typeface="Inconsolata"/>
-              <a:cs typeface="Inconsolata"/>
-              <a:sym typeface="Inconsolata"/>
-            </a:endParaRPr>
-          </a:p>
-          <a:p>
-            <a:pPr indent="0" lvl="0" marL="0" rtl="0" algn="l">
-              <a:spcBef>
-                <a:spcPts val="0"/>
-              </a:spcBef>
-              <a:spcAft>
-                <a:spcPts val="0"/>
-              </a:spcAft>
-              <a:buNone/>
-            </a:pPr>
-            <a:r>
-              <a:rPr lang="en" sz="2400">
-                <a:latin typeface="Inconsolata"/>
-                <a:ea typeface="Inconsolata"/>
-                <a:cs typeface="Inconsolata"/>
-                <a:sym typeface="Inconsolata"/>
-              </a:rPr>
-              <a:t>				  [0, 0, 0, 0, 0, 0, 0],</a:t>
-            </a:r>
-            <a:endParaRPr sz="2400">
-              <a:latin typeface="Inconsolata"/>
-              <a:ea typeface="Inconsolata"/>
-              <a:cs typeface="Inconsolata"/>
-              <a:sym typeface="Inconsolata"/>
-            </a:endParaRPr>
-          </a:p>
-          <a:p>
-            <a:pPr indent="0" lvl="0" marL="0" rtl="0" algn="l">
-              <a:spcBef>
-                <a:spcPts val="0"/>
-              </a:spcBef>
-              <a:spcAft>
-                <a:spcPts val="0"/>
-              </a:spcAft>
-              <a:buNone/>
-            </a:pPr>
-            <a:r>
-              <a:rPr lang="en" sz="2400">
-                <a:latin typeface="Inconsolata"/>
-                <a:ea typeface="Inconsolata"/>
-                <a:cs typeface="Inconsolata"/>
-                <a:sym typeface="Inconsolata"/>
-              </a:rPr>
-              <a:t>				  [0, 1, 0, 0, 0, 1, 0],</a:t>
-            </a:r>
-            <a:endParaRPr sz="2400">
-              <a:latin typeface="Inconsolata"/>
-              <a:ea typeface="Inconsolata"/>
-              <a:cs typeface="Inconsolata"/>
-              <a:sym typeface="Inconsolata"/>
-            </a:endParaRPr>
-          </a:p>
-          <a:p>
-            <a:pPr indent="0" lvl="0" marL="0" rtl="0" algn="l">
-              <a:spcBef>
-                <a:spcPts val="0"/>
-              </a:spcBef>
-              <a:spcAft>
-                <a:spcPts val="0"/>
-              </a:spcAft>
-              <a:buNone/>
-            </a:pPr>
-            <a:r>
-              <a:rPr lang="en" sz="2400">
-                <a:latin typeface="Inconsolata"/>
-                <a:ea typeface="Inconsolata"/>
-                <a:cs typeface="Inconsolata"/>
-                <a:sym typeface="Inconsolata"/>
-              </a:rPr>
-              <a:t>				  [0, 0, 1, 1, 1, 0, 0],</a:t>
-            </a:r>
-            <a:endParaRPr sz="2400">
-              <a:latin typeface="Inconsolata"/>
-              <a:ea typeface="Inconsolata"/>
-              <a:cs typeface="Inconsolata"/>
-              <a:sym typeface="Inconsolata"/>
-            </a:endParaRPr>
-          </a:p>
-          <a:p>
-            <a:pPr indent="0" lvl="0" marL="1828800" rtl="0" algn="l">
-              <a:spcBef>
-                <a:spcPts val="0"/>
-              </a:spcBef>
-              <a:spcAft>
-                <a:spcPts val="0"/>
-              </a:spcAft>
-              <a:buNone/>
-            </a:pPr>
-            <a:r>
-              <a:rPr lang="en" sz="2400">
-                <a:solidFill>
-                  <a:schemeClr val="dk1"/>
-                </a:solidFill>
-                <a:latin typeface="Inconsolata"/>
-                <a:ea typeface="Inconsolata"/>
-                <a:cs typeface="Inconsolata"/>
-                <a:sym typeface="Inconsolata"/>
-              </a:rPr>
-              <a:t>  </a:t>
-            </a:r>
-            <a:r>
-              <a:rPr lang="en" sz="2400">
-                <a:solidFill>
-                  <a:schemeClr val="dk1"/>
-                </a:solidFill>
-                <a:latin typeface="Inconsolata"/>
-                <a:ea typeface="Inconsolata"/>
-                <a:cs typeface="Inconsolata"/>
-                <a:sym typeface="Inconsolata"/>
-              </a:rPr>
-              <a:t>[0, 0, 0, 0, 0, 0, 0]])</a:t>
-            </a:r>
-            <a:endParaRPr sz="2400">
+              <a:t>Practice data visualization and manipulation.</a:t>
+            </a:r>
+            <a:endParaRPr b="1" sz="2000">
               <a:solidFill>
                 <a:schemeClr val="dk1"/>
               </a:solidFill>
-              <a:latin typeface="Inconsolata"/>
-              <a:ea typeface="Inconsolata"/>
-              <a:cs typeface="Inconsolata"/>
-              <a:sym typeface="Inconsolata"/>
+              <a:latin typeface="Roboto Slab"/>
+              <a:ea typeface="Roboto Slab"/>
+              <a:cs typeface="Roboto Slab"/>
+              <a:sym typeface="Roboto Slab"/>
             </a:endParaRPr>
           </a:p>
           <a:p>
-            <a:pPr indent="0" lvl="0" marL="0" rtl="0" algn="l">
+            <a:pPr indent="0" lvl="0" marL="914400" rtl="0" algn="l">
               <a:spcBef>
                 <a:spcPts val="0"/>
               </a:spcBef>
@@ -40584,46 +40483,58 @@
             <a:r>
               <a:t/>
             </a:r>
-            <a:endParaRPr sz="2400">
+            <a:endParaRPr b="1" sz="2000">
               <a:solidFill>
                 <a:schemeClr val="dk1"/>
               </a:solidFill>
-              <a:latin typeface="Inconsolata"/>
-              <a:ea typeface="Inconsolata"/>
-              <a:cs typeface="Inconsolata"/>
-              <a:sym typeface="Inconsolata"/>
+              <a:latin typeface="Roboto Slab"/>
+              <a:ea typeface="Roboto Slab"/>
+              <a:cs typeface="Roboto Slab"/>
+              <a:sym typeface="Roboto Slab"/>
             </a:endParaRPr>
           </a:p>
           <a:p>
-            <a:pPr indent="0" lvl="0" marL="0" rtl="0" algn="l">
-              <a:spcBef>
-                <a:spcPts val="0"/>
-              </a:spcBef>
-              <a:spcAft>
-                <a:spcPts val="0"/>
-              </a:spcAft>
-              <a:buNone/>
-            </a:pPr>
-            <a:r>
-              <a:rPr lang="en" sz="2400">
+            <a:pPr indent="0" lvl="0" marL="914400" rtl="0" algn="l">
+              <a:spcBef>
+                <a:spcPts val="0"/>
+              </a:spcBef>
+              <a:spcAft>
+                <a:spcPts val="0"/>
+              </a:spcAft>
+              <a:buNone/>
+            </a:pPr>
+            <a:r>
+              <a:rPr b="1" lang="en" sz="2000">
+                <a:solidFill>
+                  <a:srgbClr val="1155CC"/>
+                </a:solidFill>
+                <a:latin typeface="Roboto Slab"/>
+                <a:ea typeface="Roboto Slab"/>
+                <a:cs typeface="Roboto Slab"/>
+                <a:sym typeface="Roboto Slab"/>
+              </a:rPr>
+              <a:t>Assignment2-DataVisualizationAndManipulation.ipynb</a:t>
+            </a:r>
+            <a:r>
+              <a:rPr b="1" lang="en" sz="2000">
                 <a:solidFill>
                   <a:schemeClr val="dk1"/>
                 </a:solidFill>
-                <a:latin typeface="Inconsolata"/>
-                <a:ea typeface="Inconsolata"/>
-                <a:cs typeface="Inconsolata"/>
-                <a:sym typeface="Inconsolata"/>
+                <a:latin typeface="Roboto Slab"/>
+                <a:ea typeface="Roboto Slab"/>
+                <a:cs typeface="Roboto Slab"/>
+                <a:sym typeface="Roboto Slab"/>
               </a:rPr>
-              <a:t>plt.imshow(x)</a:t>
-            </a:r>
-            <a:endParaRPr sz="2400">
+              <a:t> </a:t>
+            </a:r>
+            <a:endParaRPr b="1" sz="2000">
               <a:solidFill>
                 <a:schemeClr val="dk1"/>
               </a:solidFill>
-              <a:latin typeface="Inconsolata"/>
-              <a:ea typeface="Inconsolata"/>
-              <a:cs typeface="Inconsolata"/>
-              <a:sym typeface="Inconsolata"/>
+              <a:latin typeface="Roboto Slab"/>
+              <a:ea typeface="Roboto Slab"/>
+              <a:cs typeface="Roboto Slab"/>
+              <a:sym typeface="Roboto Slab"/>
             </a:endParaRPr>
           </a:p>
           <a:p>
@@ -40642,54 +40553,20 @@
               <a:buNone/>
             </a:pPr>
             <a:r>
-              <a:rPr lang="en" sz="2400">
-                <a:solidFill>
-                  <a:schemeClr val="dk1"/>
-                </a:solidFill>
-                <a:latin typeface="Inconsolata"/>
-                <a:ea typeface="Inconsolata"/>
-                <a:cs typeface="Inconsolata"/>
-                <a:sym typeface="Inconsolata"/>
-              </a:rPr>
-              <a:t>plt.show() </a:t>
-            </a:r>
-            <a:endParaRPr sz="2400">
-              <a:latin typeface="Inconsolata"/>
-              <a:ea typeface="Inconsolata"/>
-              <a:cs typeface="Inconsolata"/>
-              <a:sym typeface="Inconsolata"/>
+              <a:t/>
+            </a:r>
+            <a:endParaRPr sz="2000">
+              <a:solidFill>
+                <a:schemeClr val="dk1"/>
+              </a:solidFill>
+              <a:latin typeface="Roboto Slab"/>
+              <a:ea typeface="Roboto Slab"/>
+              <a:cs typeface="Roboto Slab"/>
+              <a:sym typeface="Roboto Slab"/>
             </a:endParaRPr>
           </a:p>
         </p:txBody>
       </p:sp>
-      <p:pic>
-        <p:nvPicPr>
-          <p:cNvPr id="605" name="Google Shape;605;p84"/>
-          <p:cNvPicPr preferRelativeResize="0"/>
-          <p:nvPr/>
-        </p:nvPicPr>
-        <p:blipFill>
-          <a:blip r:embed="rId3">
-            <a:alphaModFix/>
-          </a:blip>
-          <a:stretch>
-            <a:fillRect/>
-          </a:stretch>
-        </p:blipFill>
-        <p:spPr>
-          <a:xfrm>
-            <a:off x="3055475" y="4167150"/>
-            <a:ext cx="3033029" cy="2538449"/>
-          </a:xfrm>
-          <a:prstGeom prst="rect">
-            <a:avLst/>
-          </a:prstGeom>
-          <a:noFill/>
-          <a:ln>
-            <a:noFill/>
-          </a:ln>
-        </p:spPr>
-      </p:pic>
     </p:spTree>
   </p:cSld>
   <p:clrMapOvr>
@@ -40703,7 +40580,7 @@
   <p:cSld>
     <p:spTree>
       <p:nvGrpSpPr>
-        <p:cNvPr id="609" name="Shape 609"/>
+        <p:cNvPr id="613" name="Shape 613"/>
         <p:cNvGrpSpPr/>
         <p:nvPr/>
       </p:nvGrpSpPr>
@@ -40717,16 +40594,64 @@
       </p:grpSpPr>
       <p:sp>
         <p:nvSpPr>
-          <p:cNvPr id="610" name="Google Shape;610;p85"/>
+          <p:cNvPr id="614" name="Google Shape;614;p85"/>
           <p:cNvSpPr txBox="1"/>
           <p:nvPr>
-            <p:ph idx="12" type="sldNum"/>
+            <p:ph idx="4294967295" type="ctrTitle"/>
           </p:nvPr>
         </p:nvSpPr>
         <p:spPr>
           <a:xfrm>
-            <a:off x="8404384" y="6333134"/>
-            <a:ext cx="548700" cy="525000"/>
+            <a:off x="1180675" y="1628073"/>
+            <a:ext cx="7772400" cy="1546500"/>
+          </a:xfrm>
+          <a:prstGeom prst="rect">
+            <a:avLst/>
+          </a:prstGeom>
+        </p:spPr>
+        <p:txBody>
+          <a:bodyPr anchorCtr="0" anchor="b" bIns="91425" lIns="91425" spcFirstLastPara="1" rIns="91425" wrap="square" tIns="91425">
+            <a:noAutofit/>
+          </a:bodyPr>
+          <a:lstStyle/>
+          <a:p>
+            <a:pPr indent="0" lvl="0" marL="0" rtl="0" algn="l">
+              <a:spcBef>
+                <a:spcPts val="0"/>
+              </a:spcBef>
+              <a:spcAft>
+                <a:spcPts val="0"/>
+              </a:spcAft>
+              <a:buNone/>
+            </a:pPr>
+            <a:r>
+              <a:rPr b="1" lang="en" sz="6000">
+                <a:solidFill>
+                  <a:srgbClr val="CC0000"/>
+                </a:solidFill>
+              </a:rPr>
+              <a:t>Thanks!</a:t>
+            </a:r>
+            <a:endParaRPr b="1" sz="6000">
+              <a:solidFill>
+                <a:srgbClr val="CC0000"/>
+              </a:solidFill>
+            </a:endParaRPr>
+          </a:p>
+        </p:txBody>
+      </p:sp>
+      <p:sp>
+        <p:nvSpPr>
+          <p:cNvPr id="615" name="Google Shape;615;p85"/>
+          <p:cNvSpPr txBox="1"/>
+          <p:nvPr>
+            <p:ph idx="4294967295" type="subTitle"/>
+          </p:nvPr>
+        </p:nvSpPr>
+        <p:spPr>
+          <a:xfrm>
+            <a:off x="1180675" y="3078675"/>
+            <a:ext cx="6593700" cy="1046400"/>
           </a:xfrm>
           <a:prstGeom prst="rect">
             <a:avLst/>
@@ -40738,227 +40663,20 @@
           </a:bodyPr>
           <a:lstStyle/>
           <a:p>
-            <a:pPr indent="0" lvl="0" marL="0" rtl="0" algn="r">
-              <a:spcBef>
-                <a:spcPts val="0"/>
-              </a:spcBef>
-              <a:spcAft>
-                <a:spcPts val="0"/>
-              </a:spcAft>
-              <a:buNone/>
-            </a:pPr>
-            <a:fld id="{00000000-1234-1234-1234-123412341234}" type="slidenum">
-              <a:rPr lang="en"/>
-              <a:t>‹#›</a:t>
-            </a:fld>
-            <a:endParaRPr/>
-          </a:p>
-        </p:txBody>
-      </p:sp>
-      <p:sp>
-        <p:nvSpPr>
-          <p:cNvPr id="611" name="Google Shape;611;p85"/>
-          <p:cNvSpPr txBox="1"/>
-          <p:nvPr>
-            <p:ph type="title"/>
-          </p:nvPr>
-        </p:nvSpPr>
-        <p:spPr>
-          <a:xfrm>
-            <a:off x="786150" y="949676"/>
-            <a:ext cx="7571700" cy="936900"/>
-          </a:xfrm>
-          <a:prstGeom prst="rect">
-            <a:avLst/>
-          </a:prstGeom>
-        </p:spPr>
-        <p:txBody>
-          <a:bodyPr anchorCtr="0" anchor="b" bIns="91425" lIns="91425" spcFirstLastPara="1" rIns="91425" wrap="square" tIns="91425">
-            <a:noAutofit/>
-          </a:bodyPr>
-          <a:lstStyle/>
-          <a:p>
             <a:pPr indent="0" lvl="0" marL="0" rtl="0" algn="l">
               <a:spcBef>
-                <a:spcPts val="0"/>
-              </a:spcBef>
-              <a:spcAft>
-                <a:spcPts val="0"/>
-              </a:spcAft>
-              <a:buNone/>
-            </a:pPr>
-            <a:r>
-              <a:rPr lang="en"/>
-              <a:t>Matplotlib is a great tool data visualization</a:t>
-            </a:r>
-            <a:endParaRPr/>
-          </a:p>
-          <a:p>
-            <a:pPr indent="0" lvl="0" marL="0" rtl="0" algn="l">
-              <a:spcBef>
-                <a:spcPts val="0"/>
-              </a:spcBef>
-              <a:spcAft>
-                <a:spcPts val="0"/>
-              </a:spcAft>
-              <a:buNone/>
-            </a:pPr>
-            <a:r>
-              <a:t/>
-            </a:r>
-            <a:endParaRPr/>
-          </a:p>
-          <a:p>
-            <a:pPr indent="0" lvl="0" marL="0" rtl="0" algn="l">
-              <a:spcBef>
-                <a:spcPts val="0"/>
-              </a:spcBef>
-              <a:spcAft>
-                <a:spcPts val="0"/>
-              </a:spcAft>
-              <a:buNone/>
-            </a:pPr>
-            <a:r>
-              <a:rPr lang="en" sz="1800">
-                <a:solidFill>
-                  <a:srgbClr val="000000"/>
-                </a:solidFill>
-              </a:rPr>
-              <a:t>Some examples from their website</a:t>
-            </a:r>
-            <a:r>
-              <a:rPr lang="en" sz="1800"/>
-              <a:t> </a:t>
-            </a:r>
-            <a:endParaRPr sz="1800"/>
-          </a:p>
-        </p:txBody>
-      </p:sp>
-      <p:pic>
-        <p:nvPicPr>
-          <p:cNvPr id="612" name="Google Shape;612;p85"/>
-          <p:cNvPicPr preferRelativeResize="0"/>
-          <p:nvPr/>
-        </p:nvPicPr>
-        <p:blipFill>
-          <a:blip r:embed="rId3">
-            <a:alphaModFix/>
-          </a:blip>
-          <a:stretch>
-            <a:fillRect/>
-          </a:stretch>
-        </p:blipFill>
-        <p:spPr>
-          <a:xfrm>
-            <a:off x="152400" y="2182437"/>
-            <a:ext cx="3546501" cy="2659876"/>
-          </a:xfrm>
-          <a:prstGeom prst="rect">
-            <a:avLst/>
-          </a:prstGeom>
-          <a:noFill/>
-          <a:ln>
-            <a:noFill/>
-          </a:ln>
-        </p:spPr>
-      </p:pic>
-      <p:pic>
-        <p:nvPicPr>
-          <p:cNvPr id="613" name="Google Shape;613;p85"/>
-          <p:cNvPicPr preferRelativeResize="0"/>
-          <p:nvPr/>
-        </p:nvPicPr>
-        <p:blipFill rotWithShape="1">
-          <a:blip r:embed="rId4">
-            <a:alphaModFix/>
-          </a:blip>
-          <a:srcRect b="0" l="14162" r="14162" t="0"/>
-          <a:stretch/>
-        </p:blipFill>
-        <p:spPr>
-          <a:xfrm>
-            <a:off x="3496325" y="2182425"/>
-            <a:ext cx="2637974" cy="2760275"/>
-          </a:xfrm>
-          <a:prstGeom prst="rect">
-            <a:avLst/>
-          </a:prstGeom>
-          <a:noFill/>
-          <a:ln>
-            <a:noFill/>
-          </a:ln>
-        </p:spPr>
-      </p:pic>
-      <p:pic>
-        <p:nvPicPr>
-          <p:cNvPr id="614" name="Google Shape;614;p85"/>
-          <p:cNvPicPr preferRelativeResize="0"/>
-          <p:nvPr/>
-        </p:nvPicPr>
-        <p:blipFill rotWithShape="1">
-          <a:blip r:embed="rId5">
-            <a:alphaModFix/>
-          </a:blip>
-          <a:srcRect b="0" l="14592" r="15049" t="0"/>
-          <a:stretch/>
-        </p:blipFill>
-        <p:spPr>
-          <a:xfrm>
-            <a:off x="6240847" y="2182425"/>
-            <a:ext cx="2495328" cy="2659900"/>
-          </a:xfrm>
-          <a:prstGeom prst="rect">
-            <a:avLst/>
-          </a:prstGeom>
-          <a:noFill/>
-          <a:ln>
-            <a:noFill/>
-          </a:ln>
-        </p:spPr>
-      </p:pic>
-      <p:sp>
-        <p:nvSpPr>
-          <p:cNvPr id="615" name="Google Shape;615;p85"/>
-          <p:cNvSpPr txBox="1"/>
-          <p:nvPr/>
-        </p:nvSpPr>
-        <p:spPr>
-          <a:xfrm>
-            <a:off x="3794113" y="4942700"/>
-            <a:ext cx="2042400" cy="342900"/>
-          </a:xfrm>
-          <a:prstGeom prst="rect">
-            <a:avLst/>
-          </a:prstGeom>
-          <a:noFill/>
-          <a:ln>
-            <a:noFill/>
-          </a:ln>
-        </p:spPr>
-        <p:txBody>
-          <a:bodyPr anchorCtr="0" anchor="t" bIns="91425" lIns="91425" spcFirstLastPara="1" rIns="91425" wrap="square" tIns="91425">
-            <a:noAutofit/>
-          </a:bodyPr>
-          <a:lstStyle/>
-          <a:p>
-            <a:pPr indent="0" lvl="0" marL="0" rtl="0" algn="ctr">
-              <a:spcBef>
-                <a:spcPts val="0"/>
-              </a:spcBef>
-              <a:spcAft>
-                <a:spcPts val="0"/>
-              </a:spcAft>
-              <a:buNone/>
-            </a:pPr>
-            <a:r>
-              <a:rPr lang="en"/>
-              <a:t>matplotlib - </a:t>
-            </a:r>
-            <a:r>
-              <a:rPr lang="en"/>
-              <a:t>3D surface (color map)</a:t>
-            </a:r>
-            <a:endParaRPr/>
+                <a:spcPts val="600"/>
+              </a:spcBef>
+              <a:spcAft>
+                <a:spcPts val="0"/>
+              </a:spcAft>
+              <a:buNone/>
+            </a:pPr>
+            <a:r>
+              <a:rPr b="1" lang="en" sz="3600"/>
+              <a:t>Any questions?</a:t>
+            </a:r>
+            <a:endParaRPr b="1" sz="3600"/>
           </a:p>
         </p:txBody>
       </p:sp>
@@ -40966,20 +40684,18 @@
         <p:nvSpPr>
           <p:cNvPr id="616" name="Google Shape;616;p85"/>
           <p:cNvSpPr txBox="1"/>
-          <p:nvPr/>
+          <p:nvPr>
+            <p:ph idx="12" type="sldNum"/>
+          </p:nvPr>
         </p:nvSpPr>
         <p:spPr>
           <a:xfrm>
-            <a:off x="6787863" y="4933400"/>
-            <a:ext cx="1401300" cy="361500"/>
+            <a:off x="8404384" y="6333134"/>
+            <a:ext cx="548700" cy="524700"/>
           </a:xfrm>
           <a:prstGeom prst="rect">
             <a:avLst/>
           </a:prstGeom>
-          <a:noFill/>
-          <a:ln>
-            <a:noFill/>
-          </a:ln>
         </p:spPr>
         <p:txBody>
           <a:bodyPr anchorCtr="0" anchor="t" bIns="91425" lIns="91425" spcFirstLastPara="1" rIns="91425" wrap="square" tIns="91425">
@@ -40987,210 +40703,6 @@
           </a:bodyPr>
           <a:lstStyle/>
           <a:p>
-            <a:pPr indent="0" lvl="0" marL="0" rtl="0" algn="ctr">
-              <a:spcBef>
-                <a:spcPts val="0"/>
-              </a:spcBef>
-              <a:spcAft>
-                <a:spcPts val="0"/>
-              </a:spcAft>
-              <a:buNone/>
-            </a:pPr>
-            <a:r>
-              <a:rPr lang="en"/>
-              <a:t>matplotlib - </a:t>
-            </a:r>
-            <a:r>
-              <a:rPr lang="en"/>
-              <a:t>Ellipse Demo</a:t>
-            </a:r>
-            <a:endParaRPr/>
-          </a:p>
-          <a:p>
-            <a:pPr indent="0" lvl="0" marL="0" rtl="0" algn="l">
-              <a:spcBef>
-                <a:spcPts val="0"/>
-              </a:spcBef>
-              <a:spcAft>
-                <a:spcPts val="0"/>
-              </a:spcAft>
-              <a:buNone/>
-            </a:pPr>
-            <a:r>
-              <a:t/>
-            </a:r>
-            <a:endParaRPr/>
-          </a:p>
-        </p:txBody>
-      </p:sp>
-      <p:sp>
-        <p:nvSpPr>
-          <p:cNvPr id="617" name="Google Shape;617;p85"/>
-          <p:cNvSpPr txBox="1"/>
-          <p:nvPr/>
-        </p:nvSpPr>
-        <p:spPr>
-          <a:xfrm>
-            <a:off x="1224988" y="4933400"/>
-            <a:ext cx="1401300" cy="361500"/>
-          </a:xfrm>
-          <a:prstGeom prst="rect">
-            <a:avLst/>
-          </a:prstGeom>
-          <a:noFill/>
-          <a:ln>
-            <a:noFill/>
-          </a:ln>
-        </p:spPr>
-        <p:txBody>
-          <a:bodyPr anchorCtr="0" anchor="t" bIns="91425" lIns="91425" spcFirstLastPara="1" rIns="91425" wrap="square" tIns="91425">
-            <a:noAutofit/>
-          </a:bodyPr>
-          <a:lstStyle/>
-          <a:p>
-            <a:pPr indent="0" lvl="0" marL="0" rtl="0" algn="ctr">
-              <a:spcBef>
-                <a:spcPts val="0"/>
-              </a:spcBef>
-              <a:spcAft>
-                <a:spcPts val="0"/>
-              </a:spcAft>
-              <a:buNone/>
-            </a:pPr>
-            <a:r>
-              <a:rPr lang="en"/>
-              <a:t>matplotlib - pyplot demo</a:t>
-            </a:r>
-            <a:endParaRPr/>
-          </a:p>
-          <a:p>
-            <a:pPr indent="0" lvl="0" marL="0" rtl="0" algn="l">
-              <a:spcBef>
-                <a:spcPts val="0"/>
-              </a:spcBef>
-              <a:spcAft>
-                <a:spcPts val="0"/>
-              </a:spcAft>
-              <a:buNone/>
-            </a:pPr>
-            <a:r>
-              <a:t/>
-            </a:r>
-            <a:endParaRPr/>
-          </a:p>
-        </p:txBody>
-      </p:sp>
-    </p:spTree>
-  </p:cSld>
-  <p:clrMapOvr>
-    <a:masterClrMapping/>
-  </p:clrMapOvr>
-</p:sld>
-</file>
-
-<file path=ppt/slides/slide42.xml><?xml version="1.0" encoding="utf-8"?>
-<p:sld xmlns:a="http://schemas.openxmlformats.org/drawingml/2006/main" xmlns:r="http://schemas.openxmlformats.org/officeDocument/2006/relationships" xmlns:mc="http://schemas.openxmlformats.org/markup-compatibility/2006" xmlns:mv="urn:schemas-microsoft-com:mac:vml" xmlns:p="http://schemas.openxmlformats.org/presentationml/2006/main" xmlns:c="http://schemas.openxmlformats.org/drawingml/2006/chart" xmlns:dgm="http://schemas.openxmlformats.org/drawingml/2006/diagram" xmlns:o="urn:schemas-microsoft-com:office:office" xmlns:v="urn:schemas-microsoft-com:vml" xmlns:pvml="urn:schemas-microsoft-com:office:powerpoint" xmlns:com="http://schemas.openxmlformats.org/drawingml/2006/compatibility" xmlns:p14="http://schemas.microsoft.com/office/powerpoint/2010/main" xmlns:p15="http://schemas.microsoft.com/office/powerpoint/2012/main">
-  <p:cSld>
-    <p:spTree>
-      <p:nvGrpSpPr>
-        <p:cNvPr id="621" name="Shape 621"/>
-        <p:cNvGrpSpPr/>
-        <p:nvPr/>
-      </p:nvGrpSpPr>
-      <p:grpSpPr>
-        <a:xfrm>
-          <a:off x="0" y="0"/>
-          <a:ext cx="0" cy="0"/>
-          <a:chOff x="0" y="0"/>
-          <a:chExt cx="0" cy="0"/>
-        </a:xfrm>
-      </p:grpSpPr>
-      <p:sp>
-        <p:nvSpPr>
-          <p:cNvPr id="622" name="Google Shape;622;p86"/>
-          <p:cNvSpPr txBox="1"/>
-          <p:nvPr>
-            <p:ph idx="4294967295" type="ctrTitle"/>
-          </p:nvPr>
-        </p:nvSpPr>
-        <p:spPr>
-          <a:xfrm>
-            <a:off x="1277250" y="1235825"/>
-            <a:ext cx="5262300" cy="2193300"/>
-          </a:xfrm>
-          <a:prstGeom prst="rect">
-            <a:avLst/>
-          </a:prstGeom>
-        </p:spPr>
-        <p:txBody>
-          <a:bodyPr anchorCtr="0" anchor="b" bIns="91425" lIns="91425" spcFirstLastPara="1" rIns="91425" wrap="square" tIns="91425">
-            <a:noAutofit/>
-          </a:bodyPr>
-          <a:lstStyle/>
-          <a:p>
-            <a:pPr indent="0" lvl="0" marL="0" rtl="0" algn="l">
-              <a:spcBef>
-                <a:spcPts val="0"/>
-              </a:spcBef>
-              <a:spcAft>
-                <a:spcPts val="0"/>
-              </a:spcAft>
-              <a:buNone/>
-            </a:pPr>
-            <a:r>
-              <a:rPr b="1" lang="en" sz="6000">
-                <a:solidFill>
-                  <a:srgbClr val="CC0000"/>
-                </a:solidFill>
-              </a:rPr>
-              <a:t>Homework</a:t>
-            </a:r>
-            <a:br>
-              <a:rPr b="1" lang="en" sz="6000">
-                <a:solidFill>
-                  <a:srgbClr val="CC0000"/>
-                </a:solidFill>
-              </a:rPr>
-            </a:br>
-            <a:r>
-              <a:rPr b="1" lang="en" sz="6000">
-                <a:solidFill>
-                  <a:srgbClr val="CC0000"/>
-                </a:solidFill>
-              </a:rPr>
-              <a:t>Assignment</a:t>
-            </a:r>
-            <a:endParaRPr b="1" sz="6000">
-              <a:solidFill>
-                <a:srgbClr val="CC0000"/>
-              </a:solidFill>
-            </a:endParaRPr>
-          </a:p>
-        </p:txBody>
-      </p:sp>
-      <p:sp>
-        <p:nvSpPr>
-          <p:cNvPr id="623" name="Google Shape;623;p86"/>
-          <p:cNvSpPr txBox="1"/>
-          <p:nvPr>
-            <p:ph idx="12" type="sldNum"/>
-          </p:nvPr>
-        </p:nvSpPr>
-        <p:spPr>
-          <a:xfrm>
-            <a:off x="8404384" y="6333134"/>
-            <a:ext cx="548700" cy="525000"/>
-          </a:xfrm>
-          <a:prstGeom prst="rect">
-            <a:avLst/>
-          </a:prstGeom>
-        </p:spPr>
-        <p:txBody>
-          <a:bodyPr anchorCtr="0" anchor="t" bIns="91425" lIns="91425" spcFirstLastPara="1" rIns="91425" wrap="square" tIns="91425">
-            <a:noAutofit/>
-          </a:bodyPr>
-          <a:lstStyle/>
-          <a:p>
             <a:pPr indent="0" lvl="0" marL="0" rtl="0" algn="r">
               <a:spcBef>
                 <a:spcPts val="0"/>
@@ -41208,313 +40720,9 @@
           </a:p>
         </p:txBody>
       </p:sp>
-      <p:sp>
-        <p:nvSpPr>
-          <p:cNvPr id="624" name="Google Shape;624;p86"/>
-          <p:cNvSpPr txBox="1"/>
-          <p:nvPr>
-            <p:ph idx="4294967295" type="body"/>
-          </p:nvPr>
-        </p:nvSpPr>
-        <p:spPr>
-          <a:xfrm>
-            <a:off x="318400" y="3612400"/>
-            <a:ext cx="8339700" cy="1800600"/>
-          </a:xfrm>
-          <a:prstGeom prst="rect">
-            <a:avLst/>
-          </a:prstGeom>
-        </p:spPr>
-        <p:txBody>
-          <a:bodyPr anchorCtr="0" anchor="t" bIns="91425" lIns="91425" spcFirstLastPara="1" rIns="91425" wrap="square" tIns="91425">
-            <a:noAutofit/>
-          </a:bodyPr>
-          <a:lstStyle/>
-          <a:p>
-            <a:pPr indent="0" lvl="0" marL="914400" rtl="0" algn="l">
-              <a:spcBef>
-                <a:spcPts val="0"/>
-              </a:spcBef>
-              <a:spcAft>
-                <a:spcPts val="0"/>
-              </a:spcAft>
-              <a:buNone/>
-            </a:pPr>
-            <a:r>
-              <a:rPr b="1" lang="en" sz="2000">
-                <a:solidFill>
-                  <a:schemeClr val="dk1"/>
-                </a:solidFill>
-                <a:latin typeface="Roboto Slab"/>
-                <a:ea typeface="Roboto Slab"/>
-                <a:cs typeface="Roboto Slab"/>
-                <a:sym typeface="Roboto Slab"/>
-              </a:rPr>
-              <a:t>Practice data visualization and manipulation.</a:t>
-            </a:r>
-            <a:endParaRPr b="1" sz="2000">
-              <a:solidFill>
-                <a:schemeClr val="dk1"/>
-              </a:solidFill>
-              <a:latin typeface="Roboto Slab"/>
-              <a:ea typeface="Roboto Slab"/>
-              <a:cs typeface="Roboto Slab"/>
-              <a:sym typeface="Roboto Slab"/>
-            </a:endParaRPr>
-          </a:p>
-          <a:p>
-            <a:pPr indent="0" lvl="0" marL="914400" rtl="0" algn="l">
-              <a:spcBef>
-                <a:spcPts val="0"/>
-              </a:spcBef>
-              <a:spcAft>
-                <a:spcPts val="0"/>
-              </a:spcAft>
-              <a:buNone/>
-            </a:pPr>
-            <a:r>
-              <a:t/>
-            </a:r>
-            <a:endParaRPr b="1" sz="2000">
-              <a:solidFill>
-                <a:schemeClr val="dk1"/>
-              </a:solidFill>
-              <a:latin typeface="Roboto Slab"/>
-              <a:ea typeface="Roboto Slab"/>
-              <a:cs typeface="Roboto Slab"/>
-              <a:sym typeface="Roboto Slab"/>
-            </a:endParaRPr>
-          </a:p>
-          <a:p>
-            <a:pPr indent="0" lvl="0" marL="914400" rtl="0" algn="l">
-              <a:spcBef>
-                <a:spcPts val="0"/>
-              </a:spcBef>
-              <a:spcAft>
-                <a:spcPts val="0"/>
-              </a:spcAft>
-              <a:buNone/>
-            </a:pPr>
-            <a:r>
-              <a:rPr b="1" lang="en" sz="2000">
-                <a:solidFill>
-                  <a:srgbClr val="1155CC"/>
-                </a:solidFill>
-                <a:latin typeface="Roboto Slab"/>
-                <a:ea typeface="Roboto Slab"/>
-                <a:cs typeface="Roboto Slab"/>
-                <a:sym typeface="Roboto Slab"/>
-              </a:rPr>
-              <a:t>Assignment2-DataVisualizationAndManipulation.ipynb</a:t>
-            </a:r>
-            <a:r>
-              <a:rPr b="1" lang="en" sz="2000">
-                <a:solidFill>
-                  <a:schemeClr val="dk1"/>
-                </a:solidFill>
-                <a:latin typeface="Roboto Slab"/>
-                <a:ea typeface="Roboto Slab"/>
-                <a:cs typeface="Roboto Slab"/>
-                <a:sym typeface="Roboto Slab"/>
-              </a:rPr>
-              <a:t> </a:t>
-            </a:r>
-            <a:endParaRPr b="1" sz="2000">
-              <a:solidFill>
-                <a:schemeClr val="dk1"/>
-              </a:solidFill>
-              <a:latin typeface="Roboto Slab"/>
-              <a:ea typeface="Roboto Slab"/>
-              <a:cs typeface="Roboto Slab"/>
-              <a:sym typeface="Roboto Slab"/>
-            </a:endParaRPr>
-          </a:p>
-          <a:p>
-            <a:pPr indent="0" lvl="0" marL="0" rtl="0" algn="l">
-              <a:spcBef>
-                <a:spcPts val="0"/>
-              </a:spcBef>
-              <a:spcAft>
-                <a:spcPts val="0"/>
-              </a:spcAft>
-              <a:buClr>
-                <a:schemeClr val="dk1"/>
-              </a:buClr>
-              <a:buSzPts val="1100"/>
-              <a:buFont typeface="Arial"/>
-              <a:buNone/>
-            </a:pPr>
-            <a:r>
-              <a:t/>
-            </a:r>
-            <a:endParaRPr sz="2000">
-              <a:solidFill>
-                <a:schemeClr val="dk1"/>
-              </a:solidFill>
-              <a:latin typeface="Roboto Slab"/>
-              <a:ea typeface="Roboto Slab"/>
-              <a:cs typeface="Roboto Slab"/>
-              <a:sym typeface="Roboto Slab"/>
-            </a:endParaRPr>
-          </a:p>
-        </p:txBody>
-      </p:sp>
-    </p:spTree>
-  </p:cSld>
-  <p:clrMapOvr>
-    <a:masterClrMapping/>
-  </p:clrMapOvr>
-</p:sld>
-</file>
-
-<file path=ppt/slides/slide43.xml><?xml version="1.0" encoding="utf-8"?>
-<p:sld xmlns:a="http://schemas.openxmlformats.org/drawingml/2006/main" xmlns:r="http://schemas.openxmlformats.org/officeDocument/2006/relationships" xmlns:mc="http://schemas.openxmlformats.org/markup-compatibility/2006" xmlns:mv="urn:schemas-microsoft-com:mac:vml" xmlns:p="http://schemas.openxmlformats.org/presentationml/2006/main" xmlns:c="http://schemas.openxmlformats.org/drawingml/2006/chart" xmlns:dgm="http://schemas.openxmlformats.org/drawingml/2006/diagram" xmlns:o="urn:schemas-microsoft-com:office:office" xmlns:v="urn:schemas-microsoft-com:vml" xmlns:pvml="urn:schemas-microsoft-com:office:powerpoint" xmlns:com="http://schemas.openxmlformats.org/drawingml/2006/compatibility" xmlns:p14="http://schemas.microsoft.com/office/powerpoint/2010/main" xmlns:p15="http://schemas.microsoft.com/office/powerpoint/2012/main">
-  <p:cSld>
-    <p:spTree>
-      <p:nvGrpSpPr>
-        <p:cNvPr id="628" name="Shape 628"/>
-        <p:cNvGrpSpPr/>
-        <p:nvPr/>
-      </p:nvGrpSpPr>
-      <p:grpSpPr>
-        <a:xfrm>
-          <a:off x="0" y="0"/>
-          <a:ext cx="0" cy="0"/>
-          <a:chOff x="0" y="0"/>
-          <a:chExt cx="0" cy="0"/>
-        </a:xfrm>
-      </p:grpSpPr>
-      <p:sp>
-        <p:nvSpPr>
-          <p:cNvPr id="629" name="Google Shape;629;p87"/>
-          <p:cNvSpPr txBox="1"/>
-          <p:nvPr>
-            <p:ph idx="4294967295" type="ctrTitle"/>
-          </p:nvPr>
-        </p:nvSpPr>
-        <p:spPr>
-          <a:xfrm>
-            <a:off x="1180675" y="1628073"/>
-            <a:ext cx="7772400" cy="1546500"/>
-          </a:xfrm>
-          <a:prstGeom prst="rect">
-            <a:avLst/>
-          </a:prstGeom>
-        </p:spPr>
-        <p:txBody>
-          <a:bodyPr anchorCtr="0" anchor="b" bIns="91425" lIns="91425" spcFirstLastPara="1" rIns="91425" wrap="square" tIns="91425">
-            <a:noAutofit/>
-          </a:bodyPr>
-          <a:lstStyle/>
-          <a:p>
-            <a:pPr indent="0" lvl="0" marL="0" rtl="0" algn="l">
-              <a:spcBef>
-                <a:spcPts val="0"/>
-              </a:spcBef>
-              <a:spcAft>
-                <a:spcPts val="0"/>
-              </a:spcAft>
-              <a:buNone/>
-            </a:pPr>
-            <a:r>
-              <a:rPr b="1" lang="en" sz="6000">
-                <a:solidFill>
-                  <a:srgbClr val="CC0000"/>
-                </a:solidFill>
-              </a:rPr>
-              <a:t>Thanks!</a:t>
-            </a:r>
-            <a:endParaRPr b="1" sz="6000">
-              <a:solidFill>
-                <a:srgbClr val="CC0000"/>
-              </a:solidFill>
-            </a:endParaRPr>
-          </a:p>
-        </p:txBody>
-      </p:sp>
-      <p:sp>
-        <p:nvSpPr>
-          <p:cNvPr id="630" name="Google Shape;630;p87"/>
-          <p:cNvSpPr txBox="1"/>
-          <p:nvPr>
-            <p:ph idx="4294967295" type="subTitle"/>
-          </p:nvPr>
-        </p:nvSpPr>
-        <p:spPr>
-          <a:xfrm>
-            <a:off x="1180675" y="3078675"/>
-            <a:ext cx="6593700" cy="1046400"/>
-          </a:xfrm>
-          <a:prstGeom prst="rect">
-            <a:avLst/>
-          </a:prstGeom>
-        </p:spPr>
-        <p:txBody>
-          <a:bodyPr anchorCtr="0" anchor="t" bIns="91425" lIns="91425" spcFirstLastPara="1" rIns="91425" wrap="square" tIns="91425">
-            <a:noAutofit/>
-          </a:bodyPr>
-          <a:lstStyle/>
-          <a:p>
-            <a:pPr indent="0" lvl="0" marL="0" rtl="0" algn="l">
-              <a:spcBef>
-                <a:spcPts val="600"/>
-              </a:spcBef>
-              <a:spcAft>
-                <a:spcPts val="0"/>
-              </a:spcAft>
-              <a:buNone/>
-            </a:pPr>
-            <a:r>
-              <a:rPr b="1" lang="en" sz="3600"/>
-              <a:t>Any questions?</a:t>
-            </a:r>
-            <a:endParaRPr b="1" sz="3600"/>
-          </a:p>
-        </p:txBody>
-      </p:sp>
-      <p:sp>
-        <p:nvSpPr>
-          <p:cNvPr id="631" name="Google Shape;631;p87"/>
-          <p:cNvSpPr txBox="1"/>
-          <p:nvPr>
-            <p:ph idx="12" type="sldNum"/>
-          </p:nvPr>
-        </p:nvSpPr>
-        <p:spPr>
-          <a:xfrm>
-            <a:off x="8404384" y="6333134"/>
-            <a:ext cx="548700" cy="524700"/>
-          </a:xfrm>
-          <a:prstGeom prst="rect">
-            <a:avLst/>
-          </a:prstGeom>
-        </p:spPr>
-        <p:txBody>
-          <a:bodyPr anchorCtr="0" anchor="t" bIns="91425" lIns="91425" spcFirstLastPara="1" rIns="91425" wrap="square" tIns="91425">
-            <a:noAutofit/>
-          </a:bodyPr>
-          <a:lstStyle/>
-          <a:p>
-            <a:pPr indent="0" lvl="0" marL="0" rtl="0" algn="r">
-              <a:spcBef>
-                <a:spcPts val="0"/>
-              </a:spcBef>
-              <a:spcAft>
-                <a:spcPts val="0"/>
-              </a:spcAft>
-              <a:buNone/>
-            </a:pPr>
-            <a:fld id="{00000000-1234-1234-1234-123412341234}" type="slidenum">
-              <a:rPr lang="en"/>
-              <a:t>‹#›</a:t>
-            </a:fld>
-            <a:endParaRPr/>
-          </a:p>
-        </p:txBody>
-      </p:sp>
       <p:grpSp>
         <p:nvGrpSpPr>
-          <p:cNvPr id="632" name="Google Shape;632;p87"/>
+          <p:cNvPr id="617" name="Google Shape;617;p85"/>
           <p:cNvGrpSpPr/>
           <p:nvPr/>
         </p:nvGrpSpPr>
@@ -41528,7 +40736,7 @@
         </p:grpSpPr>
         <p:pic>
           <p:nvPicPr>
-            <p:cNvPr id="633" name="Google Shape;633;p87"/>
+            <p:cNvPr id="618" name="Google Shape;618;p85"/>
             <p:cNvPicPr preferRelativeResize="0"/>
             <p:nvPr/>
           </p:nvPicPr>
@@ -41556,7 +40764,7 @@
         </p:pic>
         <p:sp>
           <p:nvSpPr>
-            <p:cNvPr id="634" name="Google Shape;634;p87"/>
+            <p:cNvPr id="619" name="Google Shape;619;p85"/>
             <p:cNvSpPr txBox="1"/>
             <p:nvPr/>
           </p:nvSpPr>
@@ -41675,7 +40883,7 @@
       </p:grpSp>
       <p:pic>
         <p:nvPicPr>
-          <p:cNvPr id="635" name="Google Shape;635;p87"/>
+          <p:cNvPr id="620" name="Google Shape;620;p85"/>
           <p:cNvPicPr preferRelativeResize="0"/>
           <p:nvPr/>
         </p:nvPicPr>
@@ -43117,7 +42325,7 @@
             <a:tbl>
               <a:tblPr>
                 <a:noFill/>
-                <a:tableStyleId>{F5F8B109-C9C8-4C26-8AED-D220D673E775}</a:tableStyleId>
+                <a:tableStyleId>{4562036C-FDCC-43A0-BA35-AB5815FF2C1F}</a:tableStyleId>
               </a:tblPr>
               <a:tblGrid>
                 <a:gridCol w="1430375"/>
@@ -44242,9 +43450,9 @@
 </file>
 
 <file path=ppt/theme/theme2.xml><?xml version="1.0" encoding="utf-8"?>
-<a:theme xmlns:a="http://schemas.openxmlformats.org/drawingml/2006/main" xmlns:r="http://schemas.openxmlformats.org/officeDocument/2006/relationships" name="Cordelia template">
+<a:theme xmlns:a="http://schemas.openxmlformats.org/drawingml/2006/main" xmlns:r="http://schemas.openxmlformats.org/officeDocument/2006/relationships">
   <a:themeElements>
-    <a:clrScheme name="Custom 347">
+    <a:clrScheme name="Default">
       <a:dk1>
         <a:srgbClr val="000000"/>
       </a:dk1>
@@ -44252,34 +43460,34 @@
         <a:srgbClr val="FFFFFF"/>
       </a:lt1>
       <a:dk2>
-        <a:srgbClr val="666666"/>
+        <a:srgbClr val="158158"/>
       </a:dk2>
       <a:lt2>
-        <a:srgbClr val="CCCCCC"/>
+        <a:srgbClr val="F3F3F3"/>
       </a:lt2>
       <a:accent1>
-        <a:srgbClr val="3A81BA"/>
+        <a:srgbClr val="058DC7"/>
       </a:accent1>
       <a:accent2>
-        <a:srgbClr val="D89F39"/>
+        <a:srgbClr val="50B432"/>
       </a:accent2>
       <a:accent3>
-        <a:srgbClr val="8BAB42"/>
+        <a:srgbClr val="ED561B"/>
       </a:accent3>
       <a:accent4>
-        <a:srgbClr val="57A7B5"/>
+        <a:srgbClr val="EDEF00"/>
       </a:accent4>
       <a:accent5>
-        <a:srgbClr val="8B81D2"/>
+        <a:srgbClr val="24CBE5"/>
       </a:accent5>
       <a:accent6>
-        <a:srgbClr val="963334"/>
+        <a:srgbClr val="64E572"/>
       </a:accent6>
       <a:hlink>
-        <a:srgbClr val="1155CC"/>
+        <a:srgbClr val="2200CC"/>
       </a:hlink>
       <a:folHlink>
-        <a:srgbClr val="6611CC"/>
+        <a:srgbClr val="551A8B"/>
       </a:folHlink>
     </a:clrScheme>
     <a:fontScheme name="Office">
@@ -44521,9 +43729,9 @@
 </file>
 
 <file path=ppt/theme/theme3.xml><?xml version="1.0" encoding="utf-8"?>
-<a:theme xmlns:a="http://schemas.openxmlformats.org/drawingml/2006/main" xmlns:r="http://schemas.openxmlformats.org/officeDocument/2006/relationships">
+<a:theme xmlns:a="http://schemas.openxmlformats.org/drawingml/2006/main" xmlns:r="http://schemas.openxmlformats.org/officeDocument/2006/relationships" name="Cordelia template">
   <a:themeElements>
-    <a:clrScheme name="Default">
+    <a:clrScheme name="Custom 347">
       <a:dk1>
         <a:srgbClr val="000000"/>
       </a:dk1>
@@ -44531,34 +43739,34 @@
         <a:srgbClr val="FFFFFF"/>
       </a:lt1>
       <a:dk2>
-        <a:srgbClr val="158158"/>
+        <a:srgbClr val="666666"/>
       </a:dk2>
       <a:lt2>
-        <a:srgbClr val="F3F3F3"/>
+        <a:srgbClr val="CCCCCC"/>
       </a:lt2>
       <a:accent1>
-        <a:srgbClr val="058DC7"/>
+        <a:srgbClr val="3A81BA"/>
       </a:accent1>
       <a:accent2>
-        <a:srgbClr val="50B432"/>
+        <a:srgbClr val="D89F39"/>
       </a:accent2>
       <a:accent3>
-        <a:srgbClr val="ED561B"/>
+        <a:srgbClr val="8BAB42"/>
       </a:accent3>
       <a:accent4>
-        <a:srgbClr val="EDEF00"/>
+        <a:srgbClr val="57A7B5"/>
       </a:accent4>
       <a:accent5>
-        <a:srgbClr val="24CBE5"/>
+        <a:srgbClr val="8B81D2"/>
       </a:accent5>
       <a:accent6>
-        <a:srgbClr val="64E572"/>
+        <a:srgbClr val="963334"/>
       </a:accent6>
       <a:hlink>
-        <a:srgbClr val="2200CC"/>
+        <a:srgbClr val="1155CC"/>
       </a:hlink>
       <a:folHlink>
-        <a:srgbClr val="551A8B"/>
+        <a:srgbClr val="6611CC"/>
       </a:folHlink>
     </a:clrScheme>
     <a:fontScheme name="Office">
